--- a/文档/SanyPDP平台会话共享介绍.pptx
+++ b/文档/SanyPDP平台会话共享介绍.pptx
@@ -1429,27 +1429,27 @@
     </dgm:pt>
   </dgm:ptLst>
   <dgm:cxnLst>
-    <dgm:cxn modelId="{2EB8F4A4-DC7E-494F-A139-95D1256D7EE7}" srcId="{5550289A-E43C-488E-BAED-98BA52CFF863}" destId="{19C41FFB-6406-4FC6-BB4A-D20A2469B266}" srcOrd="0" destOrd="0" parTransId="{445BD8ED-C26D-4E70-ABA2-412F4F25257F}" sibTransId="{D4C81255-1BC2-42BC-82CE-0B42938B37CB}"/>
-    <dgm:cxn modelId="{3B532456-F984-40E0-8DD4-7155B60CC629}" type="presOf" srcId="{EB7FE703-8518-4529-AE21-5B4D16EDF477}" destId="{E89DF330-3013-4A1A-8F57-0C3D797DB65B}" srcOrd="1" destOrd="0" presId="urn:microsoft.com/office/officeart/2005/8/layout/cycle2"/>
-    <dgm:cxn modelId="{06A0A022-F1FF-458B-A135-ADAA08326F3B}" type="presOf" srcId="{6712EC22-443A-429F-B8B9-8F4F78B2EA5C}" destId="{5D7F0F87-A54C-45D5-94CB-EEFFBE19E8D0}" srcOrd="0" destOrd="0" presId="urn:microsoft.com/office/officeart/2005/8/layout/cycle2"/>
-    <dgm:cxn modelId="{552481F2-7054-4DA8-A07C-AE8439EBC597}" type="presOf" srcId="{D4C81255-1BC2-42BC-82CE-0B42938B37CB}" destId="{8EF72819-F8B5-407D-9AA0-31297C876413}" srcOrd="0" destOrd="0" presId="urn:microsoft.com/office/officeart/2005/8/layout/cycle2"/>
-    <dgm:cxn modelId="{0C460EC3-F694-401C-AEEA-7A70F25AAAA8}" type="presOf" srcId="{D235914C-F1BC-4765-B4FD-765B4CD5E27A}" destId="{85CCEF99-4247-4044-AF64-8B6CA8806184}" srcOrd="0" destOrd="0" presId="urn:microsoft.com/office/officeart/2005/8/layout/cycle2"/>
-    <dgm:cxn modelId="{55F9E23D-0819-4148-9822-51E9C75ACF33}" type="presOf" srcId="{B0067F24-2B6F-477E-A095-8917E1208E4F}" destId="{C3D823D2-35D1-46DC-BFC7-F1046A413977}" srcOrd="1" destOrd="0" presId="urn:microsoft.com/office/officeart/2005/8/layout/cycle2"/>
-    <dgm:cxn modelId="{98803606-E98B-4875-AFE3-5BC57D2B2AFA}" type="presOf" srcId="{4BB213F0-DEE7-4263-91E6-14EED3DC18B6}" destId="{F5ECB40E-0905-4F2A-A99C-A43ECAF9C362}" srcOrd="1" destOrd="0" presId="urn:microsoft.com/office/officeart/2005/8/layout/cycle2"/>
-    <dgm:cxn modelId="{37D25905-782A-42B5-AD1F-9652945C7F49}" srcId="{5550289A-E43C-488E-BAED-98BA52CFF863}" destId="{613018C8-F35B-4B84-BBE7-D1726E3B5B42}" srcOrd="3" destOrd="0" parTransId="{FD4F0035-153B-4D4F-B4E3-47C212BEAF1C}" sibTransId="{EB7FE703-8518-4529-AE21-5B4D16EDF477}"/>
-    <dgm:cxn modelId="{11282B75-B144-4B3F-A533-3E9B2E685F3D}" type="presOf" srcId="{EB7FE703-8518-4529-AE21-5B4D16EDF477}" destId="{1338F814-2274-424B-9C41-8ABA7DFCC809}" srcOrd="0" destOrd="0" presId="urn:microsoft.com/office/officeart/2005/8/layout/cycle2"/>
     <dgm:cxn modelId="{E5CE81CF-9040-4E2B-8545-F974A46AC47C}" srcId="{5550289A-E43C-488E-BAED-98BA52CFF863}" destId="{C25223F1-BE96-450E-A50F-A6C1715253E6}" srcOrd="1" destOrd="0" parTransId="{57244253-EE2D-4A67-A134-0EAB38D1EDDC}" sibTransId="{B0067F24-2B6F-477E-A095-8917E1208E4F}"/>
     <dgm:cxn modelId="{D136C20C-C8AF-4E5C-91C8-2B3E6C0FD37C}" type="presOf" srcId="{5550289A-E43C-488E-BAED-98BA52CFF863}" destId="{774971AE-ADD5-45AE-8603-FE7CC10BFC67}" srcOrd="0" destOrd="0" presId="urn:microsoft.com/office/officeart/2005/8/layout/cycle2"/>
-    <dgm:cxn modelId="{04854601-428A-4B95-BAAB-297834B0A3D7}" type="presOf" srcId="{565F9B00-D13A-45E2-A2AC-2C25BE35C446}" destId="{F066602C-C662-4BDE-817C-879DB19230F1}" srcOrd="0" destOrd="0" presId="urn:microsoft.com/office/officeart/2005/8/layout/cycle2"/>
-    <dgm:cxn modelId="{E7A78B0E-CCBE-48D9-BC2E-9F81E2F08A42}" srcId="{5550289A-E43C-488E-BAED-98BA52CFF863}" destId="{6712EC22-443A-429F-B8B9-8F4F78B2EA5C}" srcOrd="2" destOrd="0" parTransId="{9D0DB45B-70AD-4518-BD39-B2852CBDCB84}" sibTransId="{D235914C-F1BC-4765-B4FD-765B4CD5E27A}"/>
+    <dgm:cxn modelId="{2EB8F4A4-DC7E-494F-A139-95D1256D7EE7}" srcId="{5550289A-E43C-488E-BAED-98BA52CFF863}" destId="{19C41FFB-6406-4FC6-BB4A-D20A2469B266}" srcOrd="0" destOrd="0" parTransId="{445BD8ED-C26D-4E70-ABA2-412F4F25257F}" sibTransId="{D4C81255-1BC2-42BC-82CE-0B42938B37CB}"/>
+    <dgm:cxn modelId="{B67A23A0-CB43-432E-BB94-37F9BF297EAC}" type="presOf" srcId="{D4C81255-1BC2-42BC-82CE-0B42938B37CB}" destId="{5E3DFE37-0C8C-4F8F-B849-21DD35BFD90A}" srcOrd="1" destOrd="0" presId="urn:microsoft.com/office/officeart/2005/8/layout/cycle2"/>
+    <dgm:cxn modelId="{55F9E23D-0819-4148-9822-51E9C75ACF33}" type="presOf" srcId="{B0067F24-2B6F-477E-A095-8917E1208E4F}" destId="{C3D823D2-35D1-46DC-BFC7-F1046A413977}" srcOrd="1" destOrd="0" presId="urn:microsoft.com/office/officeart/2005/8/layout/cycle2"/>
+    <dgm:cxn modelId="{11282B75-B144-4B3F-A533-3E9B2E685F3D}" type="presOf" srcId="{EB7FE703-8518-4529-AE21-5B4D16EDF477}" destId="{1338F814-2274-424B-9C41-8ABA7DFCC809}" srcOrd="0" destOrd="0" presId="urn:microsoft.com/office/officeart/2005/8/layout/cycle2"/>
+    <dgm:cxn modelId="{0C460EC3-F694-401C-AEEA-7A70F25AAAA8}" type="presOf" srcId="{D235914C-F1BC-4765-B4FD-765B4CD5E27A}" destId="{85CCEF99-4247-4044-AF64-8B6CA8806184}" srcOrd="0" destOrd="0" presId="urn:microsoft.com/office/officeart/2005/8/layout/cycle2"/>
+    <dgm:cxn modelId="{570B5197-92C8-40A6-A5C9-5732B2D83B6E}" type="presOf" srcId="{19C41FFB-6406-4FC6-BB4A-D20A2469B266}" destId="{01C619FD-25F5-45D1-85AB-482A8B32E0EB}" srcOrd="0" destOrd="0" presId="urn:microsoft.com/office/officeart/2005/8/layout/cycle2"/>
     <dgm:cxn modelId="{DFA68D2D-2F96-4885-B99F-E45B297F9147}" type="presOf" srcId="{D235914C-F1BC-4765-B4FD-765B4CD5E27A}" destId="{365D448A-177F-4A9A-A71E-1D3BF7793E55}" srcOrd="1" destOrd="0" presId="urn:microsoft.com/office/officeart/2005/8/layout/cycle2"/>
     <dgm:cxn modelId="{21F2AE33-8F60-4D3D-8AF8-EA5C04CF7F8C}" type="presOf" srcId="{B0067F24-2B6F-477E-A095-8917E1208E4F}" destId="{8432B3B9-C078-4FBD-BD53-63D21DADFF33}" srcOrd="0" destOrd="0" presId="urn:microsoft.com/office/officeart/2005/8/layout/cycle2"/>
+    <dgm:cxn modelId="{04854601-428A-4B95-BAAB-297834B0A3D7}" type="presOf" srcId="{565F9B00-D13A-45E2-A2AC-2C25BE35C446}" destId="{F066602C-C662-4BDE-817C-879DB19230F1}" srcOrd="0" destOrd="0" presId="urn:microsoft.com/office/officeart/2005/8/layout/cycle2"/>
+    <dgm:cxn modelId="{37D25905-782A-42B5-AD1F-9652945C7F49}" srcId="{5550289A-E43C-488E-BAED-98BA52CFF863}" destId="{613018C8-F35B-4B84-BBE7-D1726E3B5B42}" srcOrd="3" destOrd="0" parTransId="{FD4F0035-153B-4D4F-B4E3-47C212BEAF1C}" sibTransId="{EB7FE703-8518-4529-AE21-5B4D16EDF477}"/>
+    <dgm:cxn modelId="{06A0A022-F1FF-458B-A135-ADAA08326F3B}" type="presOf" srcId="{6712EC22-443A-429F-B8B9-8F4F78B2EA5C}" destId="{5D7F0F87-A54C-45D5-94CB-EEFFBE19E8D0}" srcOrd="0" destOrd="0" presId="urn:microsoft.com/office/officeart/2005/8/layout/cycle2"/>
+    <dgm:cxn modelId="{D547E769-AE7E-4FFB-8228-F212E99093B0}" type="presOf" srcId="{613018C8-F35B-4B84-BBE7-D1726E3B5B42}" destId="{2AE2A15C-DC33-42AE-8434-508B5DF42518}" srcOrd="0" destOrd="0" presId="urn:microsoft.com/office/officeart/2005/8/layout/cycle2"/>
+    <dgm:cxn modelId="{552481F2-7054-4DA8-A07C-AE8439EBC597}" type="presOf" srcId="{D4C81255-1BC2-42BC-82CE-0B42938B37CB}" destId="{8EF72819-F8B5-407D-9AA0-31297C876413}" srcOrd="0" destOrd="0" presId="urn:microsoft.com/office/officeart/2005/8/layout/cycle2"/>
+    <dgm:cxn modelId="{E7A78B0E-CCBE-48D9-BC2E-9F81E2F08A42}" srcId="{5550289A-E43C-488E-BAED-98BA52CFF863}" destId="{6712EC22-443A-429F-B8B9-8F4F78B2EA5C}" srcOrd="2" destOrd="0" parTransId="{9D0DB45B-70AD-4518-BD39-B2852CBDCB84}" sibTransId="{D235914C-F1BC-4765-B4FD-765B4CD5E27A}"/>
     <dgm:cxn modelId="{A2BB2E66-0CD3-492B-9235-7719351B0AFA}" type="presOf" srcId="{C25223F1-BE96-450E-A50F-A6C1715253E6}" destId="{AFAC7779-C776-49B8-AE13-EE522201DFD3}" srcOrd="0" destOrd="0" presId="urn:microsoft.com/office/officeart/2005/8/layout/cycle2"/>
-    <dgm:cxn modelId="{B67A23A0-CB43-432E-BB94-37F9BF297EAC}" type="presOf" srcId="{D4C81255-1BC2-42BC-82CE-0B42938B37CB}" destId="{5E3DFE37-0C8C-4F8F-B849-21DD35BFD90A}" srcOrd="1" destOrd="0" presId="urn:microsoft.com/office/officeart/2005/8/layout/cycle2"/>
-    <dgm:cxn modelId="{570B5197-92C8-40A6-A5C9-5732B2D83B6E}" type="presOf" srcId="{19C41FFB-6406-4FC6-BB4A-D20A2469B266}" destId="{01C619FD-25F5-45D1-85AB-482A8B32E0EB}" srcOrd="0" destOrd="0" presId="urn:microsoft.com/office/officeart/2005/8/layout/cycle2"/>
-    <dgm:cxn modelId="{D547E769-AE7E-4FFB-8228-F212E99093B0}" type="presOf" srcId="{613018C8-F35B-4B84-BBE7-D1726E3B5B42}" destId="{2AE2A15C-DC33-42AE-8434-508B5DF42518}" srcOrd="0" destOrd="0" presId="urn:microsoft.com/office/officeart/2005/8/layout/cycle2"/>
+    <dgm:cxn modelId="{68D1CB0E-F2C0-41F0-BEB1-C5C261047BEC}" type="presOf" srcId="{4BB213F0-DEE7-4263-91E6-14EED3DC18B6}" destId="{7C9EA086-971E-43E9-AC48-E427A532F7D0}" srcOrd="0" destOrd="0" presId="urn:microsoft.com/office/officeart/2005/8/layout/cycle2"/>
     <dgm:cxn modelId="{38D2CF0C-870E-4637-A872-960CFDBF9B35}" srcId="{5550289A-E43C-488E-BAED-98BA52CFF863}" destId="{565F9B00-D13A-45E2-A2AC-2C25BE35C446}" srcOrd="4" destOrd="0" parTransId="{2B415032-A6F1-4B8E-A608-8AAEFE076B84}" sibTransId="{4BB213F0-DEE7-4263-91E6-14EED3DC18B6}"/>
-    <dgm:cxn modelId="{68D1CB0E-F2C0-41F0-BEB1-C5C261047BEC}" type="presOf" srcId="{4BB213F0-DEE7-4263-91E6-14EED3DC18B6}" destId="{7C9EA086-971E-43E9-AC48-E427A532F7D0}" srcOrd="0" destOrd="0" presId="urn:microsoft.com/office/officeart/2005/8/layout/cycle2"/>
+    <dgm:cxn modelId="{3B532456-F984-40E0-8DD4-7155B60CC629}" type="presOf" srcId="{EB7FE703-8518-4529-AE21-5B4D16EDF477}" destId="{E89DF330-3013-4A1A-8F57-0C3D797DB65B}" srcOrd="1" destOrd="0" presId="urn:microsoft.com/office/officeart/2005/8/layout/cycle2"/>
+    <dgm:cxn modelId="{98803606-E98B-4875-AFE3-5BC57D2B2AFA}" type="presOf" srcId="{4BB213F0-DEE7-4263-91E6-14EED3DC18B6}" destId="{F5ECB40E-0905-4F2A-A99C-A43ECAF9C362}" srcOrd="1" destOrd="0" presId="urn:microsoft.com/office/officeart/2005/8/layout/cycle2"/>
     <dgm:cxn modelId="{DD693035-A855-49C3-A4BE-5C95DDCD99D3}" type="presParOf" srcId="{774971AE-ADD5-45AE-8603-FE7CC10BFC67}" destId="{01C619FD-25F5-45D1-85AB-482A8B32E0EB}" srcOrd="0" destOrd="0" presId="urn:microsoft.com/office/officeart/2005/8/layout/cycle2"/>
     <dgm:cxn modelId="{25C890B5-BE6E-447A-91CA-C6AC26E1F81E}" type="presParOf" srcId="{774971AE-ADD5-45AE-8603-FE7CC10BFC67}" destId="{8EF72819-F8B5-407D-9AA0-31297C876413}" srcOrd="1" destOrd="0" presId="urn:microsoft.com/office/officeart/2005/8/layout/cycle2"/>
     <dgm:cxn modelId="{A0AD54E9-7F49-47C9-8E31-00DE0BD877B1}" type="presParOf" srcId="{8EF72819-F8B5-407D-9AA0-31297C876413}" destId="{5E3DFE37-0C8C-4F8F-B849-21DD35BFD90A}" srcOrd="0" destOrd="0" presId="urn:microsoft.com/office/officeart/2005/8/layout/cycle2"/>
@@ -8334,13 +8334,7 @@
               <a:rPr lang="zh-CN" altLang="en-US" dirty="0" smtClean="0">
                 <a:cs typeface="Arial Unicode MS" pitchFamily="34" charset="-122"/>
               </a:rPr>
-              <a:t>三一</a:t>
-            </a:r>
-            <a:r>
-              <a:rPr lang="zh-CN" altLang="en-US" dirty="0" smtClean="0">
-                <a:cs typeface="Arial Unicode MS" pitchFamily="34" charset="-122"/>
-              </a:rPr>
-              <a:t>集团</a:t>
+              <a:t>三一集团</a:t>
             </a:r>
             <a:endParaRPr lang="en-US" altLang="zh-CN" dirty="0">
               <a:cs typeface="Arial Unicode MS" pitchFamily="34" charset="-122"/>
@@ -8595,22 +8589,17 @@
           <a:prstGeom prst="rect">
             <a:avLst/>
           </a:prstGeom>
-          <a:ln w="28575">
-            <a:solidFill>
-              <a:srgbClr val="FFC000"/>
-            </a:solidFill>
-            <a:prstDash val="lgDashDot"/>
-          </a:ln>
+          <a:ln/>
         </p:spPr>
         <p:style>
           <a:lnRef idx="1">
-            <a:schemeClr val="accent3"/>
+            <a:schemeClr val="accent4"/>
           </a:lnRef>
           <a:fillRef idx="3">
-            <a:schemeClr val="accent3"/>
+            <a:schemeClr val="accent4"/>
           </a:fillRef>
           <a:effectRef idx="2">
-            <a:schemeClr val="accent3"/>
+            <a:schemeClr val="accent4"/>
           </a:effectRef>
           <a:fontRef idx="minor">
             <a:schemeClr val="lt1"/>
@@ -8842,13 +8831,6 @@
               </a:rPr>
               <a:t>概述</a:t>
             </a:r>
-            <a:endParaRPr lang="zh-CN" altLang="en-US" dirty="0">
-              <a:solidFill>
-                <a:srgbClr val="A6A6A6"/>
-              </a:solidFill>
-              <a:latin typeface="微软雅黑" pitchFamily="34" charset="-122"/>
-              <a:ea typeface="微软雅黑" pitchFamily="34" charset="-122"/>
-            </a:endParaRPr>
           </a:p>
         </p:txBody>
       </p:sp>
@@ -11176,13 +11158,6 @@
               </a:rPr>
               <a:t>概述</a:t>
             </a:r>
-            <a:endParaRPr lang="zh-CN" altLang="en-US" dirty="0">
-              <a:solidFill>
-                <a:srgbClr val="A6A6A6"/>
-              </a:solidFill>
-              <a:latin typeface="微软雅黑" pitchFamily="34" charset="-122"/>
-              <a:ea typeface="微软雅黑" pitchFamily="34" charset="-122"/>
-            </a:endParaRPr>
           </a:p>
         </p:txBody>
       </p:sp>
@@ -11971,12 +11946,6 @@
               </a:rPr>
               <a:t>场景演示</a:t>
             </a:r>
-            <a:endParaRPr lang="zh-CN" altLang="en-US" dirty="0">
-              <a:solidFill>
-                <a:srgbClr val="000066"/>
-              </a:solidFill>
-              <a:cs typeface="Arial Unicode MS" pitchFamily="34" charset="-122"/>
-            </a:endParaRPr>
           </a:p>
         </p:txBody>
       </p:sp>
@@ -12253,13 +12222,6 @@
               </a:rPr>
               <a:t>概述</a:t>
             </a:r>
-            <a:endParaRPr lang="zh-CN" altLang="en-US" dirty="0">
-              <a:solidFill>
-                <a:srgbClr val="A6A6A6"/>
-              </a:solidFill>
-              <a:latin typeface="微软雅黑" pitchFamily="34" charset="-122"/>
-              <a:ea typeface="微软雅黑" pitchFamily="34" charset="-122"/>
-            </a:endParaRPr>
           </a:p>
         </p:txBody>
       </p:sp>
@@ -12881,12 +12843,6 @@
               </a:rPr>
               <a:t>场景演示</a:t>
             </a:r>
-            <a:endParaRPr lang="zh-CN" altLang="en-US" dirty="0">
-              <a:solidFill>
-                <a:srgbClr val="000066"/>
-              </a:solidFill>
-              <a:cs typeface="Arial Unicode MS" pitchFamily="34" charset="-122"/>
-            </a:endParaRPr>
           </a:p>
         </p:txBody>
       </p:sp>
@@ -13163,13 +13119,6 @@
               </a:rPr>
               <a:t>概述</a:t>
             </a:r>
-            <a:endParaRPr lang="zh-CN" altLang="en-US" dirty="0">
-              <a:solidFill>
-                <a:srgbClr val="A6A6A6"/>
-              </a:solidFill>
-              <a:latin typeface="微软雅黑" pitchFamily="34" charset="-122"/>
-              <a:ea typeface="微软雅黑" pitchFamily="34" charset="-122"/>
-            </a:endParaRPr>
           </a:p>
         </p:txBody>
       </p:sp>
@@ -13791,12 +13740,6 @@
               </a:rPr>
               <a:t>场景演示</a:t>
             </a:r>
-            <a:endParaRPr lang="zh-CN" altLang="en-US" dirty="0">
-              <a:solidFill>
-                <a:srgbClr val="000066"/>
-              </a:solidFill>
-              <a:cs typeface="Arial Unicode MS" pitchFamily="34" charset="-122"/>
-            </a:endParaRPr>
           </a:p>
         </p:txBody>
       </p:sp>
@@ -14133,13 +14076,6 @@
               </a:rPr>
               <a:t>概述</a:t>
             </a:r>
-            <a:endParaRPr lang="zh-CN" altLang="en-US" dirty="0">
-              <a:solidFill>
-                <a:srgbClr val="A6A6A6"/>
-              </a:solidFill>
-              <a:latin typeface="微软雅黑" pitchFamily="34" charset="-122"/>
-              <a:ea typeface="微软雅黑" pitchFamily="34" charset="-122"/>
-            </a:endParaRPr>
           </a:p>
         </p:txBody>
       </p:sp>
@@ -14860,12 +14796,6 @@
               </a:rPr>
               <a:t>场景演示</a:t>
             </a:r>
-            <a:endParaRPr lang="zh-CN" altLang="en-US" dirty="0">
-              <a:solidFill>
-                <a:srgbClr val="000066"/>
-              </a:solidFill>
-              <a:cs typeface="Arial Unicode MS" pitchFamily="34" charset="-122"/>
-            </a:endParaRPr>
           </a:p>
         </p:txBody>
       </p:sp>
@@ -15202,13 +15132,6 @@
               </a:rPr>
               <a:t>概述</a:t>
             </a:r>
-            <a:endParaRPr lang="zh-CN" altLang="en-US" dirty="0">
-              <a:solidFill>
-                <a:srgbClr val="A6A6A6"/>
-              </a:solidFill>
-              <a:latin typeface="微软雅黑" pitchFamily="34" charset="-122"/>
-              <a:ea typeface="微软雅黑" pitchFamily="34" charset="-122"/>
-            </a:endParaRPr>
           </a:p>
         </p:txBody>
       </p:sp>
@@ -16468,12 +16391,6 @@
               </a:rPr>
               <a:t>会话共享概述</a:t>
             </a:r>
-            <a:endParaRPr lang="zh-CN" altLang="en-US" dirty="0">
-              <a:solidFill>
-                <a:srgbClr val="000066"/>
-              </a:solidFill>
-              <a:cs typeface="Arial Unicode MS" pitchFamily="34" charset="-122"/>
-            </a:endParaRPr>
           </a:p>
         </p:txBody>
       </p:sp>
@@ -16770,7 +16687,7 @@
         <p:spPr bwMode="auto">
           <a:xfrm>
             <a:off x="285750" y="1512888"/>
-            <a:ext cx="8572500" cy="4040187"/>
+            <a:ext cx="8572500" cy="4092211"/>
           </a:xfrm>
           <a:prstGeom prst="rect">
             <a:avLst/>
@@ -17175,27 +17092,59 @@
               <a:t>,</a:t>
             </a:r>
             <a:r>
-              <a:rPr lang="zh-CN" altLang="en-US" sz="1500" dirty="0">
-                <a:latin typeface="微软雅黑" pitchFamily="34" charset="-122"/>
-                <a:ea typeface="微软雅黑" pitchFamily="34" charset="-122"/>
-              </a:rPr>
-              <a:t>可无缝与现有应用系统集成，</a:t>
-            </a:r>
-            <a:r>
-              <a:rPr lang="en-US" altLang="zh-CN" sz="1500" dirty="0">
+              <a:rPr lang="zh-CN" altLang="en-US" b="1" dirty="0">
+                <a:solidFill>
+                  <a:srgbClr val="0066FF"/>
+                </a:solidFill>
+                <a:latin typeface="微软雅黑" pitchFamily="34" charset="-122"/>
+                <a:ea typeface="微软雅黑" pitchFamily="34" charset="-122"/>
+              </a:rPr>
+              <a:t>可无缝与现有应用</a:t>
+            </a:r>
+            <a:r>
+              <a:rPr lang="zh-CN" altLang="en-US" b="1" dirty="0" smtClean="0">
+                <a:solidFill>
+                  <a:srgbClr val="0066FF"/>
+                </a:solidFill>
+                <a:latin typeface="微软雅黑" pitchFamily="34" charset="-122"/>
+                <a:ea typeface="微软雅黑" pitchFamily="34" charset="-122"/>
+              </a:rPr>
+              <a:t>系统</a:t>
+            </a:r>
+            <a:r>
+              <a:rPr lang="en-US" altLang="zh-CN" b="1" dirty="0" smtClean="0">
+                <a:solidFill>
+                  <a:srgbClr val="0066FF"/>
+                </a:solidFill>
                 <a:latin typeface="微软雅黑" pitchFamily="34" charset="-122"/>
                 <a:ea typeface="微软雅黑" pitchFamily="34" charset="-122"/>
               </a:rPr>
               <a:t>	</a:t>
             </a:r>
             <a:r>
-              <a:rPr lang="zh-CN" altLang="en-US" sz="1500" dirty="0">
-                <a:latin typeface="微软雅黑" pitchFamily="34" charset="-122"/>
-                <a:ea typeface="微软雅黑" pitchFamily="34" charset="-122"/>
-              </a:rPr>
-              <a:t>无需修改应用代码</a:t>
-            </a:r>
-            <a:endParaRPr lang="en-US" altLang="zh-CN" sz="1500" dirty="0">
+              <a:rPr lang="zh-CN" altLang="en-US" b="1" dirty="0" smtClean="0">
+                <a:solidFill>
+                  <a:srgbClr val="0066FF"/>
+                </a:solidFill>
+                <a:latin typeface="微软雅黑" pitchFamily="34" charset="-122"/>
+                <a:ea typeface="微软雅黑" pitchFamily="34" charset="-122"/>
+              </a:rPr>
+              <a:t>集成，无需</a:t>
+            </a:r>
+            <a:r>
+              <a:rPr lang="zh-CN" altLang="en-US" b="1" dirty="0">
+                <a:solidFill>
+                  <a:srgbClr val="0066FF"/>
+                </a:solidFill>
+                <a:latin typeface="微软雅黑" pitchFamily="34" charset="-122"/>
+                <a:ea typeface="微软雅黑" pitchFamily="34" charset="-122"/>
+              </a:rPr>
+              <a:t>修改应用代码</a:t>
+            </a:r>
+            <a:endParaRPr lang="en-US" altLang="zh-CN" b="1" dirty="0">
+              <a:solidFill>
+                <a:srgbClr val="0066FF"/>
+              </a:solidFill>
               <a:latin typeface="微软雅黑" pitchFamily="34" charset="-122"/>
               <a:ea typeface="微软雅黑" pitchFamily="34" charset="-122"/>
             </a:endParaRPr>
@@ -17291,42 +17240,56 @@
                 <a:latin typeface="微软雅黑" pitchFamily="34" charset="-122"/>
                 <a:ea typeface="微软雅黑" pitchFamily="34" charset="-122"/>
               </a:rPr>
-              <a:t>，访问请求可以平均分派给各集群节点，支持</a:t>
-            </a:r>
-            <a:r>
-              <a:rPr lang="en-US" altLang="zh-CN" sz="1500" dirty="0" err="1">
+              <a:t>，访问请求可以平均分派给各集群节点，</a:t>
+            </a:r>
+            <a:r>
+              <a:rPr lang="zh-CN" altLang="en-US" sz="1500" dirty="0" smtClean="0">
+                <a:latin typeface="微软雅黑" pitchFamily="34" charset="-122"/>
+                <a:ea typeface="微软雅黑" pitchFamily="34" charset="-122"/>
+              </a:rPr>
+              <a:t>支持</a:t>
+            </a:r>
+            <a:r>
+              <a:rPr lang="en-US" altLang="zh-CN" sz="1500" dirty="0" smtClean="0">
+                <a:latin typeface="微软雅黑" pitchFamily="34" charset="-122"/>
+                <a:ea typeface="微软雅黑" pitchFamily="34" charset="-122"/>
+              </a:rPr>
+              <a:t>	</a:t>
+            </a:r>
+            <a:r>
+              <a:rPr lang="en-US" altLang="zh-CN" sz="1500" dirty="0" err="1" smtClean="0">
                 <a:latin typeface="微软雅黑" pitchFamily="34" charset="-122"/>
                 <a:ea typeface="微软雅黑" pitchFamily="34" charset="-122"/>
               </a:rPr>
               <a:t>lvs,haproxy</a:t>
             </a:r>
             <a:r>
-              <a:rPr lang="zh-CN" altLang="en-US" sz="1500" dirty="0">
+              <a:rPr lang="zh-CN" altLang="en-US" sz="1500" dirty="0" smtClean="0">
                 <a:latin typeface="微软雅黑" pitchFamily="34" charset="-122"/>
                 <a:ea typeface="微软雅黑" pitchFamily="34" charset="-122"/>
               </a:rPr>
               <a:t>，</a:t>
             </a:r>
             <a:r>
+              <a:rPr lang="en-US" altLang="zh-CN" sz="1500" dirty="0" err="1" smtClean="0">
+                <a:latin typeface="微软雅黑" pitchFamily="34" charset="-122"/>
+                <a:ea typeface="微软雅黑" pitchFamily="34" charset="-122"/>
+              </a:rPr>
+              <a:t>ngix</a:t>
+            </a:r>
+            <a:r>
+              <a:rPr lang="en-US" altLang="zh-CN" sz="1500" dirty="0" smtClean="0">
+                <a:latin typeface="微软雅黑" pitchFamily="34" charset="-122"/>
+                <a:ea typeface="微软雅黑" pitchFamily="34" charset="-122"/>
+              </a:rPr>
+              <a:t> </a:t>
+            </a:r>
+            <a:r>
               <a:rPr lang="en-US" altLang="zh-CN" sz="1500" dirty="0">
                 <a:latin typeface="微软雅黑" pitchFamily="34" charset="-122"/>
                 <a:ea typeface="微软雅黑" pitchFamily="34" charset="-122"/>
               </a:rPr>
-              <a:t>	</a:t>
-            </a:r>
-            <a:r>
-              <a:rPr lang="en-US" altLang="zh-CN" sz="1500" dirty="0" err="1">
-                <a:latin typeface="微软雅黑" pitchFamily="34" charset="-122"/>
-                <a:ea typeface="微软雅黑" pitchFamily="34" charset="-122"/>
-              </a:rPr>
-              <a:t>ngix</a:t>
-            </a:r>
-            <a:r>
-              <a:rPr lang="en-US" altLang="zh-CN" sz="1500" dirty="0">
-                <a:latin typeface="微软雅黑" pitchFamily="34" charset="-122"/>
-                <a:ea typeface="微软雅黑" pitchFamily="34" charset="-122"/>
-              </a:rPr>
-              <a:t> 4,7</a:t>
+              <a:t>4,7</a:t>
             </a:r>
             <a:r>
               <a:rPr lang="zh-CN" altLang="en-US" sz="1500" dirty="0">
@@ -17420,21 +17383,28 @@
               <a:t>XSS</a:t>
             </a:r>
             <a:r>
-              <a:rPr lang="zh-CN" altLang="en-US" sz="1500" dirty="0">
-                <a:latin typeface="微软雅黑" pitchFamily="34" charset="-122"/>
-                <a:ea typeface="微软雅黑" pitchFamily="34" charset="-122"/>
-              </a:rPr>
-              <a:t>窃取</a:t>
-            </a:r>
-            <a:r>
-              <a:rPr lang="en-US" altLang="zh-CN" sz="1500" dirty="0">
+              <a:rPr lang="zh-CN" altLang="en-US" sz="1500" dirty="0" smtClean="0">
+                <a:latin typeface="微软雅黑" pitchFamily="34" charset="-122"/>
+                <a:ea typeface="微软雅黑" pitchFamily="34" charset="-122"/>
+              </a:rPr>
+              <a:t>窃</a:t>
+            </a:r>
+            <a:r>
+              <a:rPr lang="en-US" altLang="zh-CN" sz="1500" dirty="0" smtClean="0">
                 <a:latin typeface="微软雅黑" pitchFamily="34" charset="-122"/>
                 <a:ea typeface="微软雅黑" pitchFamily="34" charset="-122"/>
               </a:rPr>
               <a:t>	</a:t>
             </a:r>
             <a:r>
-              <a:rPr lang="en-US" altLang="zh-CN" sz="1500" dirty="0" err="1">
+              <a:rPr lang="zh-CN" altLang="en-US" sz="1500" dirty="0" smtClean="0">
+                <a:latin typeface="微软雅黑" pitchFamily="34" charset="-122"/>
+                <a:ea typeface="微软雅黑" pitchFamily="34" charset="-122"/>
+              </a:rPr>
+              <a:t>取</a:t>
+            </a:r>
+            <a:r>
+              <a:rPr lang="en-US" altLang="zh-CN" sz="1500" dirty="0" err="1" smtClean="0">
                 <a:latin typeface="微软雅黑" pitchFamily="34" charset="-122"/>
                 <a:ea typeface="微软雅黑" pitchFamily="34" charset="-122"/>
               </a:rPr>
@@ -17565,7 +17535,7 @@
         </p:nvCxnSpPr>
         <p:spPr bwMode="auto">
           <a:xfrm>
-            <a:off x="0" y="5468938"/>
+            <a:off x="0" y="5597162"/>
             <a:ext cx="9036496" cy="0"/>
           </a:xfrm>
           <a:prstGeom prst="line">
@@ -17656,14 +17626,6 @@
               </a:rPr>
               <a:t>概述</a:t>
             </a:r>
-            <a:endParaRPr lang="zh-CN" altLang="en-US" b="1" dirty="0">
-              <a:solidFill>
-                <a:srgbClr val="000066"/>
-              </a:solidFill>
-              <a:latin typeface="微软雅黑" pitchFamily="34" charset="-122"/>
-              <a:ea typeface="微软雅黑" pitchFamily="34" charset="-122"/>
-              <a:cs typeface="Arial Unicode MS" pitchFamily="34" charset="-122"/>
-            </a:endParaRPr>
           </a:p>
         </p:txBody>
       </p:sp>
@@ -18086,12 +18048,6 @@
               </a:rPr>
               <a:t>逻辑架构</a:t>
             </a:r>
-            <a:endParaRPr lang="zh-CN" altLang="en-US" dirty="0">
-              <a:solidFill>
-                <a:srgbClr val="000066"/>
-              </a:solidFill>
-              <a:cs typeface="Arial Unicode MS" pitchFamily="34" charset="-122"/>
-            </a:endParaRPr>
           </a:p>
         </p:txBody>
       </p:sp>
@@ -19793,13 +19749,6 @@
               </a:rPr>
               <a:t>概述</a:t>
             </a:r>
-            <a:endParaRPr lang="zh-CN" altLang="en-US" dirty="0">
-              <a:solidFill>
-                <a:srgbClr val="A6A6A6"/>
-              </a:solidFill>
-              <a:latin typeface="微软雅黑" pitchFamily="34" charset="-122"/>
-              <a:ea typeface="微软雅黑" pitchFamily="34" charset="-122"/>
-            </a:endParaRPr>
           </a:p>
         </p:txBody>
       </p:sp>
@@ -19869,14 +19818,6 @@
               </a:rPr>
               <a:t>架构</a:t>
             </a:r>
-            <a:endParaRPr lang="zh-CN" altLang="en-US" b="1" dirty="0">
-              <a:solidFill>
-                <a:srgbClr val="000066"/>
-              </a:solidFill>
-              <a:latin typeface="微软雅黑" pitchFamily="34" charset="-122"/>
-              <a:ea typeface="微软雅黑" pitchFamily="34" charset="-122"/>
-              <a:cs typeface="Arial Unicode MS" pitchFamily="34" charset="-122"/>
-            </a:endParaRPr>
           </a:p>
         </p:txBody>
       </p:sp>
@@ -20144,10 +20085,6 @@
               </a:rPr>
               <a:t>过滤器</a:t>
             </a:r>
-            <a:endParaRPr lang="zh-CN" altLang="en-US" sz="1200" dirty="0">
-              <a:latin typeface="微软雅黑" pitchFamily="34" charset="-122"/>
-              <a:ea typeface="微软雅黑" pitchFamily="34" charset="-122"/>
-            </a:endParaRPr>
           </a:p>
         </p:txBody>
       </p:sp>
@@ -20296,12 +20233,6 @@
               </a:rPr>
               <a:t>存储结构</a:t>
             </a:r>
-            <a:endParaRPr lang="zh-CN" altLang="en-US" dirty="0">
-              <a:solidFill>
-                <a:srgbClr val="000066"/>
-              </a:solidFill>
-              <a:cs typeface="Arial Unicode MS" pitchFamily="34" charset="-122"/>
-            </a:endParaRPr>
           </a:p>
         </p:txBody>
       </p:sp>
@@ -20517,13 +20448,6 @@
               </a:rPr>
               <a:t>概述</a:t>
             </a:r>
-            <a:endParaRPr lang="zh-CN" altLang="en-US" dirty="0">
-              <a:solidFill>
-                <a:srgbClr val="A6A6A6"/>
-              </a:solidFill>
-              <a:latin typeface="微软雅黑" pitchFamily="34" charset="-122"/>
-              <a:ea typeface="微软雅黑" pitchFamily="34" charset="-122"/>
-            </a:endParaRPr>
           </a:p>
         </p:txBody>
       </p:sp>
@@ -22802,69 +22726,76 @@
               <a:buChar char="p"/>
             </a:pPr>
             <a:r>
-              <a:rPr lang="zh-CN" altLang="en-US">
+              <a:rPr lang="zh-CN" altLang="en-US" dirty="0">
                 <a:latin typeface="微软雅黑" pitchFamily="34" charset="-122"/>
                 <a:ea typeface="微软雅黑" pitchFamily="34" charset="-122"/>
               </a:rPr>
               <a:t>一个</a:t>
             </a:r>
             <a:r>
-              <a:rPr lang="en-US" altLang="zh-CN">
+              <a:rPr lang="en-US" altLang="zh-CN" dirty="0">
                 <a:latin typeface="微软雅黑" pitchFamily="34" charset="-122"/>
                 <a:ea typeface="微软雅黑" pitchFamily="34" charset="-122"/>
               </a:rPr>
               <a:t>session</a:t>
             </a:r>
             <a:r>
-              <a:rPr lang="zh-CN" altLang="en-US">
+              <a:rPr lang="zh-CN" altLang="en-US" dirty="0">
                 <a:latin typeface="微软雅黑" pitchFamily="34" charset="-122"/>
                 <a:ea typeface="微软雅黑" pitchFamily="34" charset="-122"/>
               </a:rPr>
               <a:t>对应</a:t>
             </a:r>
             <a:r>
-              <a:rPr lang="en-US" altLang="zh-CN">
-                <a:latin typeface="微软雅黑" pitchFamily="34" charset="-122"/>
-                <a:ea typeface="微软雅黑" pitchFamily="34" charset="-122"/>
-              </a:rPr>
-              <a:t>mongodb </a:t>
-            </a:r>
-            <a:r>
-              <a:rPr lang="zh-CN" altLang="en-US">
+              <a:rPr lang="en-US" altLang="zh-CN" dirty="0" err="1">
+                <a:latin typeface="微软雅黑" pitchFamily="34" charset="-122"/>
+                <a:ea typeface="微软雅黑" pitchFamily="34" charset="-122"/>
+              </a:rPr>
+              <a:t>mongodb</a:t>
+            </a:r>
+            <a:r>
+              <a:rPr lang="en-US" altLang="zh-CN" dirty="0">
+                <a:latin typeface="微软雅黑" pitchFamily="34" charset="-122"/>
+                <a:ea typeface="微软雅黑" pitchFamily="34" charset="-122"/>
+              </a:rPr>
+              <a:t> </a:t>
+            </a:r>
+            <a:r>
+              <a:rPr lang="zh-CN" altLang="en-US" dirty="0">
                 <a:latin typeface="微软雅黑" pitchFamily="34" charset="-122"/>
                 <a:ea typeface="微软雅黑" pitchFamily="34" charset="-122"/>
               </a:rPr>
               <a:t>中</a:t>
             </a:r>
             <a:r>
-              <a:rPr lang="en-US" altLang="zh-CN">
+              <a:rPr lang="en-US" altLang="zh-CN" dirty="0">
                 <a:latin typeface="微软雅黑" pitchFamily="34" charset="-122"/>
                 <a:ea typeface="微软雅黑" pitchFamily="34" charset="-122"/>
               </a:rPr>
               <a:t>session</a:t>
             </a:r>
             <a:r>
-              <a:rPr lang="zh-CN" altLang="en-US">
+              <a:rPr lang="zh-CN" altLang="en-US" dirty="0">
                 <a:latin typeface="微软雅黑" pitchFamily="34" charset="-122"/>
                 <a:ea typeface="微软雅黑" pitchFamily="34" charset="-122"/>
               </a:rPr>
               <a:t>表的一条记录，每个应用都有自己的</a:t>
             </a:r>
             <a:r>
-              <a:rPr lang="en-US" altLang="zh-CN">
+              <a:rPr lang="en-US" altLang="zh-CN" dirty="0">
                 <a:latin typeface="微软雅黑" pitchFamily="34" charset="-122"/>
                 <a:ea typeface="微软雅黑" pitchFamily="34" charset="-122"/>
               </a:rPr>
               <a:t>session</a:t>
             </a:r>
             <a:r>
-              <a:rPr lang="zh-CN" altLang="en-US">
+              <a:rPr lang="zh-CN" altLang="en-US" dirty="0">
                 <a:latin typeface="微软雅黑" pitchFamily="34" charset="-122"/>
                 <a:ea typeface="微软雅黑" pitchFamily="34" charset="-122"/>
               </a:rPr>
               <a:t>表</a:t>
             </a:r>
-            <a:endParaRPr lang="en-US" altLang="zh-CN">
+            <a:endParaRPr lang="en-US" altLang="zh-CN" dirty="0">
               <a:latin typeface="微软雅黑" pitchFamily="34" charset="-122"/>
               <a:ea typeface="微软雅黑" pitchFamily="34" charset="-122"/>
             </a:endParaRPr>
@@ -22875,46 +22806,95 @@
               <a:buChar char="p"/>
             </a:pPr>
             <a:r>
-              <a:rPr lang="en-US" altLang="zh-CN">
+              <a:rPr lang="en-US" altLang="zh-CN" dirty="0">
                 <a:latin typeface="微软雅黑" pitchFamily="34" charset="-122"/>
                 <a:ea typeface="微软雅黑" pitchFamily="34" charset="-122"/>
               </a:rPr>
               <a:t>session</a:t>
             </a:r>
             <a:r>
-              <a:rPr lang="zh-CN" altLang="en-US">
-                <a:latin typeface="微软雅黑" pitchFamily="34" charset="-122"/>
-                <a:ea typeface="微软雅黑" pitchFamily="34" charset="-122"/>
-              </a:rPr>
-              <a:t>表记录数据分为两部分：基本信息区（固化）和属性数据区（可动态扩张属性，属性个数不限，也只有</a:t>
-            </a:r>
-            <a:r>
-              <a:rPr lang="en-US" altLang="zh-CN">
+              <a:rPr lang="zh-CN" altLang="en-US" dirty="0">
+                <a:latin typeface="微软雅黑" pitchFamily="34" charset="-122"/>
+                <a:ea typeface="微软雅黑" pitchFamily="34" charset="-122"/>
+              </a:rPr>
+              <a:t>表记录数据分为两部分：基本信息区（固化）和属性数据区（</a:t>
+            </a:r>
+            <a:r>
+              <a:rPr lang="zh-CN" altLang="en-US" b="1" dirty="0">
+                <a:solidFill>
+                  <a:srgbClr val="0066FF"/>
+                </a:solidFill>
+                <a:latin typeface="微软雅黑" pitchFamily="34" charset="-122"/>
+                <a:ea typeface="微软雅黑" pitchFamily="34" charset="-122"/>
+              </a:rPr>
+              <a:t>可动态扩张属性，属性个数不限</a:t>
+            </a:r>
+            <a:r>
+              <a:rPr lang="zh-CN" altLang="en-US" b="1" dirty="0" smtClean="0">
+                <a:solidFill>
+                  <a:srgbClr val="0066FF"/>
+                </a:solidFill>
+                <a:latin typeface="微软雅黑" pitchFamily="34" charset="-122"/>
+                <a:ea typeface="微软雅黑" pitchFamily="34" charset="-122"/>
+              </a:rPr>
+              <a:t>，</a:t>
+            </a:r>
+            <a:r>
+              <a:rPr lang="en-US" altLang="zh-CN" b="1" dirty="0" err="1" smtClean="0">
+                <a:solidFill>
+                  <a:srgbClr val="0066FF"/>
+                </a:solidFill>
                 <a:latin typeface="微软雅黑" pitchFamily="34" charset="-122"/>
                 <a:ea typeface="微软雅黑" pitchFamily="34" charset="-122"/>
               </a:rPr>
               <a:t>mongodb</a:t>
             </a:r>
             <a:r>
-              <a:rPr lang="zh-CN" altLang="en-US">
-                <a:latin typeface="微软雅黑" pitchFamily="34" charset="-122"/>
-                <a:ea typeface="微软雅黑" pitchFamily="34" charset="-122"/>
-              </a:rPr>
-              <a:t>能做到这点，因为</a:t>
-            </a:r>
-            <a:r>
-              <a:rPr lang="en-US" altLang="zh-CN">
+              <a:rPr lang="zh-CN" altLang="en-US" b="1" dirty="0" smtClean="0">
+                <a:solidFill>
+                  <a:srgbClr val="0066FF"/>
+                </a:solidFill>
+                <a:latin typeface="微软雅黑" pitchFamily="34" charset="-122"/>
+                <a:ea typeface="微软雅黑" pitchFamily="34" charset="-122"/>
+              </a:rPr>
+              <a:t>能够很好地支持这个特性，</a:t>
+            </a:r>
+            <a:r>
+              <a:rPr lang="zh-CN" altLang="en-US" b="1" dirty="0">
+                <a:solidFill>
+                  <a:srgbClr val="0066FF"/>
+                </a:solidFill>
+                <a:latin typeface="微软雅黑" pitchFamily="34" charset="-122"/>
+                <a:ea typeface="微软雅黑" pitchFamily="34" charset="-122"/>
+              </a:rPr>
+              <a:t>因为</a:t>
+            </a:r>
+            <a:r>
+              <a:rPr lang="en-US" altLang="zh-CN" b="1" dirty="0" err="1">
+                <a:solidFill>
+                  <a:srgbClr val="0066FF"/>
+                </a:solidFill>
                 <a:latin typeface="微软雅黑" pitchFamily="34" charset="-122"/>
                 <a:ea typeface="微软雅黑" pitchFamily="34" charset="-122"/>
               </a:rPr>
               <a:t>mongodb</a:t>
             </a:r>
             <a:r>
-              <a:rPr lang="zh-CN" altLang="en-US">
-                <a:latin typeface="微软雅黑" pitchFamily="34" charset="-122"/>
-                <a:ea typeface="微软雅黑" pitchFamily="34" charset="-122"/>
-              </a:rPr>
-              <a:t>的表结构是动态的，每条记录包含的字段都可以不一样）</a:t>
+              <a:rPr lang="zh-CN" altLang="en-US" b="1" dirty="0">
+                <a:solidFill>
+                  <a:srgbClr val="0066FF"/>
+                </a:solidFill>
+                <a:latin typeface="微软雅黑" pitchFamily="34" charset="-122"/>
+                <a:ea typeface="微软雅黑" pitchFamily="34" charset="-122"/>
+              </a:rPr>
+              <a:t>的表结构是动态的，每条记录包含的字段都可以不一样</a:t>
+            </a:r>
+            <a:r>
+              <a:rPr lang="zh-CN" altLang="en-US" dirty="0">
+                <a:latin typeface="微软雅黑" pitchFamily="34" charset="-122"/>
+                <a:ea typeface="微软雅黑" pitchFamily="34" charset="-122"/>
+              </a:rPr>
+              <a:t>）</a:t>
             </a:r>
           </a:p>
         </p:txBody>
@@ -23769,12 +23749,6 @@
               </a:rPr>
               <a:t>双主备模式</a:t>
             </a:r>
-            <a:endParaRPr lang="zh-CN" altLang="en-US" dirty="0">
-              <a:solidFill>
-                <a:srgbClr val="000066"/>
-              </a:solidFill>
-              <a:cs typeface="Arial Unicode MS" pitchFamily="34" charset="-122"/>
-            </a:endParaRPr>
           </a:p>
         </p:txBody>
       </p:sp>
@@ -25089,13 +25063,6 @@
               </a:rPr>
               <a:t>概述</a:t>
             </a:r>
-            <a:endParaRPr lang="zh-CN" altLang="en-US" dirty="0">
-              <a:solidFill>
-                <a:srgbClr val="A6A6A6"/>
-              </a:solidFill>
-              <a:latin typeface="微软雅黑" pitchFamily="34" charset="-122"/>
-              <a:ea typeface="微软雅黑" pitchFamily="34" charset="-122"/>
-            </a:endParaRPr>
           </a:p>
         </p:txBody>
       </p:sp>
@@ -25741,12 +25708,6 @@
               </a:rPr>
               <a:t>应用集成</a:t>
             </a:r>
-            <a:endParaRPr lang="zh-CN" altLang="en-US" dirty="0">
-              <a:solidFill>
-                <a:srgbClr val="000066"/>
-              </a:solidFill>
-              <a:cs typeface="Arial Unicode MS" pitchFamily="34" charset="-122"/>
-            </a:endParaRPr>
           </a:p>
         </p:txBody>
       </p:sp>
@@ -25962,13 +25923,6 @@
               </a:rPr>
               <a:t>概述</a:t>
             </a:r>
-            <a:endParaRPr lang="zh-CN" altLang="en-US" dirty="0">
-              <a:solidFill>
-                <a:srgbClr val="A6A6A6"/>
-              </a:solidFill>
-              <a:latin typeface="微软雅黑" pitchFamily="34" charset="-122"/>
-              <a:ea typeface="微软雅黑" pitchFamily="34" charset="-122"/>
-            </a:endParaRPr>
           </a:p>
         </p:txBody>
       </p:sp>
@@ -27793,13 +27747,6 @@
               </a:rPr>
               <a:t>概述</a:t>
             </a:r>
-            <a:endParaRPr lang="zh-CN" altLang="en-US" dirty="0">
-              <a:solidFill>
-                <a:srgbClr val="A6A6A6"/>
-              </a:solidFill>
-              <a:latin typeface="微软雅黑" pitchFamily="34" charset="-122"/>
-              <a:ea typeface="微软雅黑" pitchFamily="34" charset="-122"/>
-            </a:endParaRPr>
           </a:p>
         </p:txBody>
       </p:sp>
@@ -28661,13 +28608,6 @@
               </a:rPr>
               <a:t>概述</a:t>
             </a:r>
-            <a:endParaRPr lang="zh-CN" altLang="en-US" dirty="0">
-              <a:solidFill>
-                <a:srgbClr val="A6A6A6"/>
-              </a:solidFill>
-              <a:latin typeface="微软雅黑" pitchFamily="34" charset="-122"/>
-              <a:ea typeface="微软雅黑" pitchFamily="34" charset="-122"/>
-            </a:endParaRPr>
           </a:p>
         </p:txBody>
       </p:sp>

--- a/文档/SanyPDP平台会话共享介绍.pptx
+++ b/文档/SanyPDP平台会话共享介绍.pptx
@@ -4266,7 +4266,7 @@
           <a:p>
             <a:fld id="{F3884A90-E904-45C9-8029-9EC010CE5385}" type="datetimeFigureOut">
               <a:rPr lang="zh-CN" altLang="en-US" smtClean="0"/>
-              <a:t>2014/7/1</a:t>
+              <a:t>2014/7/12</a:t>
             </a:fld>
             <a:endParaRPr lang="zh-CN" altLang="en-US"/>
           </a:p>
@@ -4431,7 +4431,7 @@
           <a:p>
             <a:fld id="{97533E92-6E11-4012-9FFD-C518C7720CE5}" type="datetimeFigureOut">
               <a:rPr lang="zh-CN" altLang="en-US" smtClean="0"/>
-              <a:t>2014/7/1</a:t>
+              <a:t>2014/7/12</a:t>
             </a:fld>
             <a:endParaRPr lang="zh-CN" altLang="en-US"/>
           </a:p>
@@ -5460,7 +5460,7 @@
           <a:p>
             <a:fld id="{27A6EF20-78E2-44F4-9691-E11D24E0EE72}" type="datetime1">
               <a:rPr lang="zh-CN" altLang="en-US" smtClean="0"/>
-              <a:t>2014/7/1</a:t>
+              <a:t>2014/7/12</a:t>
             </a:fld>
             <a:endParaRPr lang="zh-CN" altLang="en-US" dirty="0"/>
           </a:p>
@@ -5566,7 +5566,7 @@
           <a:p>
             <a:fld id="{813283B1-1446-4F80-A9EB-F57E382195D1}" type="datetime1">
               <a:rPr lang="zh-CN" altLang="en-US" smtClean="0"/>
-              <a:t>2014/7/1</a:t>
+              <a:t>2014/7/12</a:t>
             </a:fld>
             <a:endParaRPr lang="zh-CN" altLang="en-US" dirty="0"/>
           </a:p>
@@ -7377,7 +7377,7 @@
           <a:p>
             <a:fld id="{D7646321-B1DD-42DC-A054-BA47414388AD}" type="datetime1">
               <a:rPr lang="zh-CN" altLang="en-US" smtClean="0"/>
-              <a:t>2014/7/1</a:t>
+              <a:t>2014/7/12</a:t>
             </a:fld>
             <a:endParaRPr lang="zh-CN" altLang="en-US"/>
           </a:p>
@@ -8388,7 +8388,7 @@
           <a:p>
             <a:fld id="{27A6EF20-78E2-44F4-9691-E11D24E0EE72}" type="datetime1">
               <a:rPr lang="zh-CN" altLang="en-US" smtClean="0"/>
-              <a:t>2014/7/1</a:t>
+              <a:t>2014/7/12</a:t>
             </a:fld>
             <a:endParaRPr lang="zh-CN" altLang="en-US" dirty="0"/>
           </a:p>
@@ -26050,27 +26050,7 @@
                 <a:latin typeface="微软雅黑" pitchFamily="34" charset="-122"/>
                 <a:ea typeface="微软雅黑" pitchFamily="34" charset="-122"/>
               </a:rPr>
-              <a:t>监听器需</a:t>
-            </a:r>
-            <a:r>
-              <a:rPr lang="zh-CN" altLang="en-US" b="1" dirty="0" smtClean="0">
-                <a:solidFill>
-                  <a:srgbClr val="0066FF"/>
-                </a:solidFill>
-                <a:latin typeface="微软雅黑" pitchFamily="34" charset="-122"/>
-                <a:ea typeface="微软雅黑" pitchFamily="34" charset="-122"/>
-              </a:rPr>
-              <a:t>遵循会话共享规范</a:t>
-            </a:r>
-            <a:r>
-              <a:rPr lang="zh-CN" altLang="en-US" b="1" dirty="0" smtClean="0">
-                <a:solidFill>
-                  <a:srgbClr val="0066FF"/>
-                </a:solidFill>
-                <a:latin typeface="微软雅黑" pitchFamily="34" charset="-122"/>
-                <a:ea typeface="微软雅黑" pitchFamily="34" charset="-122"/>
-              </a:rPr>
-              <a:t>，需使用</a:t>
+              <a:t>监听器需遵循会话共享规范，需使用</a:t>
             </a:r>
             <a:r>
               <a:rPr lang="en-US" altLang="zh-CN" b="1" dirty="0" smtClean="0">
@@ -27700,131 +27680,6 @@
       </p:sp>
       <p:sp>
         <p:nvSpPr>
-          <p:cNvPr id="28" name="圆柱形 27"/>
-          <p:cNvSpPr/>
-          <p:nvPr/>
-        </p:nvSpPr>
-        <p:spPr>
-          <a:xfrm>
-            <a:off x="4563033" y="5265738"/>
-            <a:ext cx="819150" cy="431800"/>
-          </a:xfrm>
-          <a:prstGeom prst="can">
-            <a:avLst/>
-          </a:prstGeom>
-        </p:spPr>
-        <p:style>
-          <a:lnRef idx="1">
-            <a:schemeClr val="accent2"/>
-          </a:lnRef>
-          <a:fillRef idx="3">
-            <a:schemeClr val="accent2"/>
-          </a:fillRef>
-          <a:effectRef idx="2">
-            <a:schemeClr val="accent2"/>
-          </a:effectRef>
-          <a:fontRef idx="minor">
-            <a:schemeClr val="lt1"/>
-          </a:fontRef>
-        </p:style>
-        <p:txBody>
-          <a:bodyPr anchor="ctr"/>
-          <a:lstStyle/>
-          <a:p>
-            <a:pPr algn="ctr">
-              <a:defRPr/>
-            </a:pPr>
-            <a:r>
-              <a:rPr lang="en-US" altLang="zh-CN" sz="1200" dirty="0">
-                <a:latin typeface="微软雅黑" pitchFamily="34" charset="-122"/>
-                <a:ea typeface="微软雅黑" pitchFamily="34" charset="-122"/>
-              </a:rPr>
-              <a:t>DB</a:t>
-            </a:r>
-          </a:p>
-          <a:p>
-            <a:pPr algn="ctr">
-              <a:defRPr/>
-            </a:pPr>
-            <a:r>
-              <a:rPr lang="zh-CN" altLang="en-US" sz="1200" dirty="0">
-                <a:latin typeface="微软雅黑" pitchFamily="34" charset="-122"/>
-                <a:ea typeface="微软雅黑" pitchFamily="34" charset="-122"/>
-              </a:rPr>
-              <a:t>（未实现）</a:t>
-            </a:r>
-          </a:p>
-        </p:txBody>
-      </p:sp>
-      <p:sp>
-        <p:nvSpPr>
-          <p:cNvPr id="29" name="圆柱形 28"/>
-          <p:cNvSpPr/>
-          <p:nvPr/>
-        </p:nvSpPr>
-        <p:spPr>
-          <a:xfrm>
-            <a:off x="5831682" y="5265738"/>
-            <a:ext cx="1658937" cy="476250"/>
-          </a:xfrm>
-          <a:prstGeom prst="can">
-            <a:avLst/>
-          </a:prstGeom>
-        </p:spPr>
-        <p:style>
-          <a:lnRef idx="1">
-            <a:schemeClr val="accent2"/>
-          </a:lnRef>
-          <a:fillRef idx="3">
-            <a:schemeClr val="accent2"/>
-          </a:fillRef>
-          <a:effectRef idx="2">
-            <a:schemeClr val="accent2"/>
-          </a:effectRef>
-          <a:fontRef idx="minor">
-            <a:schemeClr val="lt1"/>
-          </a:fontRef>
-        </p:style>
-        <p:txBody>
-          <a:bodyPr anchor="ctr"/>
-          <a:lstStyle/>
-          <a:p>
-            <a:pPr algn="ctr">
-              <a:defRPr/>
-            </a:pPr>
-            <a:r>
-              <a:rPr lang="en-US" altLang="zh-CN" sz="1200" dirty="0" err="1">
-                <a:latin typeface="微软雅黑" pitchFamily="34" charset="-122"/>
-                <a:ea typeface="微软雅黑" pitchFamily="34" charset="-122"/>
-              </a:rPr>
-              <a:t>Redis</a:t>
-            </a:r>
-            <a:r>
-              <a:rPr lang="en-US" altLang="zh-CN" sz="1200" dirty="0">
-                <a:latin typeface="微软雅黑" pitchFamily="34" charset="-122"/>
-                <a:ea typeface="微软雅黑" pitchFamily="34" charset="-122"/>
-              </a:rPr>
-              <a:t>/</a:t>
-            </a:r>
-            <a:r>
-              <a:rPr lang="en-US" altLang="zh-CN" sz="1200" dirty="0" err="1">
-                <a:latin typeface="微软雅黑" pitchFamily="34" charset="-122"/>
-                <a:ea typeface="微软雅黑" pitchFamily="34" charset="-122"/>
-              </a:rPr>
-              <a:t>MemCached</a:t>
-            </a:r>
-            <a:r>
-              <a:rPr lang="zh-CN" altLang="en-US" sz="1200" dirty="0">
-                <a:latin typeface="微软雅黑" pitchFamily="34" charset="-122"/>
-                <a:ea typeface="微软雅黑" pitchFamily="34" charset="-122"/>
-              </a:rPr>
-              <a:t>（未实现）</a:t>
-            </a:r>
-          </a:p>
-        </p:txBody>
-      </p:sp>
-      <p:sp>
-        <p:nvSpPr>
           <p:cNvPr id="30" name="矩形 29"/>
           <p:cNvSpPr/>
           <p:nvPr/>
@@ -29287,6 +29142,202 @@
           <a:p>
             <a:pPr algn="ctr"/>
             <a:endParaRPr lang="zh-CN" altLang="en-US"/>
+          </a:p>
+        </p:txBody>
+      </p:sp>
+      <p:sp>
+        <p:nvSpPr>
+          <p:cNvPr id="48" name="圆柱形 47"/>
+          <p:cNvSpPr/>
+          <p:nvPr/>
+        </p:nvSpPr>
+        <p:spPr>
+          <a:xfrm>
+            <a:off x="3187700" y="5052126"/>
+            <a:ext cx="1219200" cy="431800"/>
+          </a:xfrm>
+          <a:prstGeom prst="can">
+            <a:avLst/>
+          </a:prstGeom>
+        </p:spPr>
+        <p:style>
+          <a:lnRef idx="1">
+            <a:schemeClr val="accent5"/>
+          </a:lnRef>
+          <a:fillRef idx="3">
+            <a:schemeClr val="accent5"/>
+          </a:fillRef>
+          <a:effectRef idx="2">
+            <a:schemeClr val="accent5"/>
+          </a:effectRef>
+          <a:fontRef idx="minor">
+            <a:schemeClr val="lt1"/>
+          </a:fontRef>
+        </p:style>
+        <p:txBody>
+          <a:bodyPr anchor="ctr"/>
+          <a:lstStyle/>
+          <a:p>
+            <a:pPr algn="ctr">
+              <a:defRPr/>
+            </a:pPr>
+            <a:r>
+              <a:rPr lang="en-US" altLang="zh-CN" sz="1200" dirty="0" err="1">
+                <a:latin typeface="微软雅黑" pitchFamily="34" charset="-122"/>
+                <a:ea typeface="微软雅黑" pitchFamily="34" charset="-122"/>
+              </a:rPr>
+              <a:t>MongoDB</a:t>
+            </a:r>
+            <a:endParaRPr lang="zh-CN" altLang="en-US" sz="1200" dirty="0">
+              <a:latin typeface="微软雅黑" pitchFamily="34" charset="-122"/>
+              <a:ea typeface="微软雅黑" pitchFamily="34" charset="-122"/>
+            </a:endParaRPr>
+          </a:p>
+        </p:txBody>
+      </p:sp>
+      <p:sp>
+        <p:nvSpPr>
+          <p:cNvPr id="49" name="圆柱形 48"/>
+          <p:cNvSpPr/>
+          <p:nvPr/>
+        </p:nvSpPr>
+        <p:spPr>
+          <a:xfrm>
+            <a:off x="5652120" y="5241925"/>
+            <a:ext cx="1219200" cy="431800"/>
+          </a:xfrm>
+          <a:prstGeom prst="can">
+            <a:avLst/>
+          </a:prstGeom>
+        </p:spPr>
+        <p:style>
+          <a:lnRef idx="1">
+            <a:schemeClr val="accent5"/>
+          </a:lnRef>
+          <a:fillRef idx="3">
+            <a:schemeClr val="accent5"/>
+          </a:fillRef>
+          <a:effectRef idx="2">
+            <a:schemeClr val="accent5"/>
+          </a:effectRef>
+          <a:fontRef idx="minor">
+            <a:schemeClr val="lt1"/>
+          </a:fontRef>
+        </p:style>
+        <p:txBody>
+          <a:bodyPr anchor="ctr"/>
+          <a:lstStyle/>
+          <a:p>
+            <a:pPr algn="ctr">
+              <a:defRPr/>
+            </a:pPr>
+            <a:r>
+              <a:rPr lang="en-US" altLang="zh-CN" sz="1200" dirty="0" err="1">
+                <a:latin typeface="微软雅黑" pitchFamily="34" charset="-122"/>
+                <a:ea typeface="微软雅黑" pitchFamily="34" charset="-122"/>
+              </a:rPr>
+              <a:t>MongoDB</a:t>
+            </a:r>
+            <a:endParaRPr lang="zh-CN" altLang="en-US" sz="1200" dirty="0">
+              <a:latin typeface="微软雅黑" pitchFamily="34" charset="-122"/>
+              <a:ea typeface="微软雅黑" pitchFamily="34" charset="-122"/>
+            </a:endParaRPr>
+          </a:p>
+        </p:txBody>
+      </p:sp>
+      <p:sp>
+        <p:nvSpPr>
+          <p:cNvPr id="50" name="圆柱形 49"/>
+          <p:cNvSpPr/>
+          <p:nvPr/>
+        </p:nvSpPr>
+        <p:spPr>
+          <a:xfrm>
+            <a:off x="4787106" y="5018438"/>
+            <a:ext cx="1219200" cy="431800"/>
+          </a:xfrm>
+          <a:prstGeom prst="can">
+            <a:avLst/>
+          </a:prstGeom>
+        </p:spPr>
+        <p:style>
+          <a:lnRef idx="1">
+            <a:schemeClr val="accent5"/>
+          </a:lnRef>
+          <a:fillRef idx="3">
+            <a:schemeClr val="accent5"/>
+          </a:fillRef>
+          <a:effectRef idx="2">
+            <a:schemeClr val="accent5"/>
+          </a:effectRef>
+          <a:fontRef idx="minor">
+            <a:schemeClr val="lt1"/>
+          </a:fontRef>
+        </p:style>
+        <p:txBody>
+          <a:bodyPr anchor="ctr"/>
+          <a:lstStyle/>
+          <a:p>
+            <a:pPr algn="ctr">
+              <a:defRPr/>
+            </a:pPr>
+            <a:r>
+              <a:rPr lang="en-US" altLang="zh-CN" sz="1200" dirty="0" err="1">
+                <a:latin typeface="微软雅黑" pitchFamily="34" charset="-122"/>
+                <a:ea typeface="微软雅黑" pitchFamily="34" charset="-122"/>
+              </a:rPr>
+              <a:t>MongoDB</a:t>
+            </a:r>
+            <a:endParaRPr lang="zh-CN" altLang="en-US" sz="1200" dirty="0">
+              <a:latin typeface="微软雅黑" pitchFamily="34" charset="-122"/>
+              <a:ea typeface="微软雅黑" pitchFamily="34" charset="-122"/>
+            </a:endParaRPr>
+          </a:p>
+        </p:txBody>
+      </p:sp>
+      <p:sp>
+        <p:nvSpPr>
+          <p:cNvPr id="6" name="TextBox 5"/>
+          <p:cNvSpPr txBox="1"/>
+          <p:nvPr/>
+        </p:nvSpPr>
+        <p:spPr>
+          <a:xfrm>
+            <a:off x="3824601" y="5673725"/>
+            <a:ext cx="1830694" cy="369332"/>
+          </a:xfrm>
+          <a:prstGeom prst="rect">
+            <a:avLst/>
+          </a:prstGeom>
+          <a:noFill/>
+        </p:spPr>
+        <p:txBody>
+          <a:bodyPr wrap="none" rtlCol="0">
+            <a:spAutoFit/>
+          </a:bodyPr>
+          <a:lstStyle/>
+          <a:p>
+            <a:r>
+              <a:rPr lang="en-US" altLang="zh-CN" dirty="0" err="1" smtClean="0">
+                <a:solidFill>
+                  <a:schemeClr val="bg1"/>
+                </a:solidFill>
+              </a:rPr>
+              <a:t>MongoDB</a:t>
+            </a:r>
+            <a:r>
+              <a:rPr lang="en-US" altLang="zh-CN" dirty="0" smtClean="0">
+                <a:solidFill>
+                  <a:schemeClr val="bg1"/>
+                </a:solidFill>
+              </a:rPr>
+              <a:t> Cluster</a:t>
+            </a:r>
+            <a:endParaRPr lang="zh-CN" altLang="en-US" dirty="0">
+              <a:solidFill>
+                <a:schemeClr val="bg1"/>
+              </a:solidFill>
+            </a:endParaRPr>
           </a:p>
         </p:txBody>
       </p:sp>

--- a/文档/SanyPDP平台会话共享介绍.pptx
+++ b/文档/SanyPDP平台会话共享介绍.pptx
@@ -4272,7 +4272,7 @@
           <a:p>
             <a:fld id="{F3884A90-E904-45C9-8029-9EC010CE5385}" type="datetimeFigureOut">
               <a:rPr lang="zh-CN" altLang="en-US" smtClean="0"/>
-              <a:t>2014/7/19</a:t>
+              <a:t>2014/7/22</a:t>
             </a:fld>
             <a:endParaRPr lang="zh-CN" altLang="en-US"/>
           </a:p>
@@ -4437,7 +4437,7 @@
           <a:p>
             <a:fld id="{97533E92-6E11-4012-9FFD-C518C7720CE5}" type="datetimeFigureOut">
               <a:rPr lang="zh-CN" altLang="en-US" smtClean="0"/>
-              <a:t>2014/7/19</a:t>
+              <a:t>2014/7/22</a:t>
             </a:fld>
             <a:endParaRPr lang="zh-CN" altLang="en-US"/>
           </a:p>
@@ -5466,7 +5466,7 @@
           <a:p>
             <a:fld id="{27A6EF20-78E2-44F4-9691-E11D24E0EE72}" type="datetime1">
               <a:rPr lang="zh-CN" altLang="en-US" smtClean="0"/>
-              <a:t>2014/7/19</a:t>
+              <a:t>2014/7/22</a:t>
             </a:fld>
             <a:endParaRPr lang="zh-CN" altLang="en-US" dirty="0"/>
           </a:p>
@@ -5572,7 +5572,7 @@
           <a:p>
             <a:fld id="{813283B1-1446-4F80-A9EB-F57E382195D1}" type="datetime1">
               <a:rPr lang="zh-CN" altLang="en-US" smtClean="0"/>
-              <a:t>2014/7/19</a:t>
+              <a:t>2014/7/22</a:t>
             </a:fld>
             <a:endParaRPr lang="zh-CN" altLang="en-US" dirty="0"/>
           </a:p>
@@ -7383,7 +7383,7 @@
           <a:p>
             <a:fld id="{D7646321-B1DD-42DC-A054-BA47414388AD}" type="datetime1">
               <a:rPr lang="zh-CN" altLang="en-US" smtClean="0"/>
-              <a:t>2014/7/19</a:t>
+              <a:t>2014/7/22</a:t>
             </a:fld>
             <a:endParaRPr lang="zh-CN" altLang="en-US"/>
           </a:p>
@@ -8394,7 +8394,7 @@
           <a:p>
             <a:fld id="{27A6EF20-78E2-44F4-9691-E11D24E0EE72}" type="datetime1">
               <a:rPr lang="zh-CN" altLang="en-US" smtClean="0"/>
-              <a:t>2014/7/19</a:t>
+              <a:t>2014/7/22</a:t>
             </a:fld>
             <a:endParaRPr lang="zh-CN" altLang="en-US" dirty="0"/>
           </a:p>
@@ -9646,20 +9646,29 @@
               <a:defRPr/>
             </a:pPr>
             <a:r>
-              <a:rPr lang="en-US" altLang="zh-CN" sz="1200" dirty="0">
+              <a:rPr lang="en-US" altLang="zh-CN" sz="1200" b="1" dirty="0">
+                <a:solidFill>
+                  <a:srgbClr val="0066FF"/>
+                </a:solidFill>
                 <a:latin typeface="微软雅黑" pitchFamily="34" charset="-122"/>
                 <a:ea typeface="微软雅黑" pitchFamily="34" charset="-122"/>
               </a:rPr>
               <a:t>Session</a:t>
             </a:r>
             <a:r>
-              <a:rPr lang="zh-CN" altLang="en-US" sz="1200" dirty="0">
+              <a:rPr lang="zh-CN" altLang="en-US" sz="1200" b="1" dirty="0">
+                <a:solidFill>
+                  <a:srgbClr val="0066FF"/>
+                </a:solidFill>
                 <a:latin typeface="微软雅黑" pitchFamily="34" charset="-122"/>
                 <a:ea typeface="微软雅黑" pitchFamily="34" charset="-122"/>
               </a:rPr>
               <a:t>共享组件</a:t>
             </a:r>
-            <a:endParaRPr lang="en-US" altLang="zh-CN" sz="1200" dirty="0">
+            <a:endParaRPr lang="en-US" altLang="zh-CN" sz="1200" b="1" dirty="0">
+              <a:solidFill>
+                <a:srgbClr val="0066FF"/>
+              </a:solidFill>
               <a:latin typeface="微软雅黑" pitchFamily="34" charset="-122"/>
               <a:ea typeface="微软雅黑" pitchFamily="34" charset="-122"/>
             </a:endParaRPr>
@@ -10208,20 +10217,29 @@
               <a:defRPr/>
             </a:pPr>
             <a:r>
-              <a:rPr lang="en-US" altLang="zh-CN" sz="1200" dirty="0">
+              <a:rPr lang="en-US" altLang="zh-CN" sz="1200" u="sng" dirty="0">
+                <a:solidFill>
+                  <a:srgbClr val="0066FF"/>
+                </a:solidFill>
                 <a:latin typeface="微软雅黑" pitchFamily="34" charset="-122"/>
                 <a:ea typeface="微软雅黑" pitchFamily="34" charset="-122"/>
               </a:rPr>
               <a:t>Session</a:t>
             </a:r>
             <a:r>
-              <a:rPr lang="zh-CN" altLang="en-US" sz="1200" dirty="0">
+              <a:rPr lang="zh-CN" altLang="en-US" sz="1200" u="sng" dirty="0">
+                <a:solidFill>
+                  <a:srgbClr val="0066FF"/>
+                </a:solidFill>
                 <a:latin typeface="微软雅黑" pitchFamily="34" charset="-122"/>
                 <a:ea typeface="微软雅黑" pitchFamily="34" charset="-122"/>
               </a:rPr>
               <a:t>共享组件</a:t>
             </a:r>
-            <a:endParaRPr lang="en-US" altLang="zh-CN" sz="1200" dirty="0">
+            <a:endParaRPr lang="en-US" altLang="zh-CN" sz="1200" u="sng" dirty="0">
+              <a:solidFill>
+                <a:srgbClr val="0066FF"/>
+              </a:solidFill>
               <a:latin typeface="微软雅黑" pitchFamily="34" charset="-122"/>
               <a:ea typeface="微软雅黑" pitchFamily="34" charset="-122"/>
             </a:endParaRPr>
@@ -10549,7 +10567,35 @@
                 <a:latin typeface="微软雅黑" pitchFamily="34" charset="-122"/>
                 <a:ea typeface="微软雅黑" pitchFamily="34" charset="-122"/>
               </a:rPr>
-              <a:t>说明：目前</a:t>
+              <a:t>说明：</a:t>
+            </a:r>
+            <a:r>
+              <a:rPr lang="zh-CN" altLang="en-US" sz="1600" dirty="0" smtClean="0">
+                <a:latin typeface="微软雅黑" pitchFamily="34" charset="-122"/>
+                <a:ea typeface="微软雅黑" pitchFamily="34" charset="-122"/>
+              </a:rPr>
+              <a:t>目前采用</a:t>
+            </a:r>
+            <a:r>
+              <a:rPr lang="en-US" altLang="zh-CN" sz="1600" dirty="0">
+                <a:latin typeface="微软雅黑" pitchFamily="34" charset="-122"/>
+                <a:ea typeface="微软雅黑" pitchFamily="34" charset="-122"/>
+              </a:rPr>
+              <a:t>3</a:t>
+            </a:r>
+            <a:r>
+              <a:rPr lang="zh-CN" altLang="en-US" sz="1600" dirty="0">
+                <a:latin typeface="微软雅黑" pitchFamily="34" charset="-122"/>
+                <a:ea typeface="微软雅黑" pitchFamily="34" charset="-122"/>
+              </a:rPr>
+              <a:t>台虚机</a:t>
+            </a:r>
+            <a:r>
+              <a:rPr lang="zh-CN" altLang="en-US" sz="1600" dirty="0" smtClean="0">
+                <a:latin typeface="微软雅黑" pitchFamily="34" charset="-122"/>
+                <a:ea typeface="微软雅黑" pitchFamily="34" charset="-122"/>
+              </a:rPr>
+              <a:t>搭建</a:t>
             </a:r>
             <a:r>
               <a:rPr lang="en-US" altLang="zh-CN" sz="1600" dirty="0" err="1">
@@ -10563,21 +10609,14 @@
                 <a:latin typeface="微软雅黑" pitchFamily="34" charset="-122"/>
                 <a:ea typeface="微软雅黑" pitchFamily="34" charset="-122"/>
               </a:rPr>
-              <a:t>测试环境采用</a:t>
-            </a:r>
-            <a:r>
-              <a:rPr lang="en-US" altLang="zh-CN" sz="1600" dirty="0">
-                <a:latin typeface="微软雅黑" pitchFamily="34" charset="-122"/>
-                <a:ea typeface="微软雅黑" pitchFamily="34" charset="-122"/>
-              </a:rPr>
-              <a:t>3</a:t>
+              <a:t>测试环境，</a:t>
             </a:r>
             <a:r>
               <a:rPr lang="zh-CN" altLang="en-US" sz="1600" dirty="0">
                 <a:latin typeface="微软雅黑" pitchFamily="34" charset="-122"/>
                 <a:ea typeface="微软雅黑" pitchFamily="34" charset="-122"/>
               </a:rPr>
-              <a:t>台虚机搭建，拟采用</a:t>
+              <a:t>拟采用</a:t>
             </a:r>
             <a:r>
               <a:rPr lang="en-US" altLang="zh-CN" sz="1600" dirty="0">
@@ -35024,7 +35063,7 @@
         </p:nvCxnSpPr>
         <p:spPr bwMode="auto">
           <a:xfrm>
-            <a:off x="0" y="1412875"/>
+            <a:off x="0" y="1340768"/>
             <a:ext cx="9144000" cy="0"/>
           </a:xfrm>
           <a:prstGeom prst="line">
@@ -35114,8 +35153,8 @@
         </p:nvSpPr>
         <p:spPr bwMode="auto">
           <a:xfrm>
-            <a:off x="285750" y="1419268"/>
-            <a:ext cx="8572500" cy="5250092"/>
+            <a:off x="285750" y="1372143"/>
+            <a:ext cx="8572500" cy="4890057"/>
           </a:xfrm>
           <a:prstGeom prst="rect">
             <a:avLst/>
@@ -35342,38 +35381,295 @@
             </a:endParaRPr>
           </a:p>
           <a:p>
+            <a:r>
+              <a:rPr lang="en-US" altLang="zh-CN" sz="1500" dirty="0">
+                <a:latin typeface="微软雅黑" pitchFamily="34" charset="-122"/>
+                <a:ea typeface="微软雅黑" pitchFamily="34" charset="-122"/>
+              </a:rPr>
+              <a:t>	</a:t>
+            </a:r>
+            <a:r>
+              <a:rPr lang="zh-CN" altLang="zh-CN" sz="1500" dirty="0">
+                <a:latin typeface="微软雅黑" pitchFamily="34" charset="-122"/>
+                <a:ea typeface="微软雅黑" pitchFamily="34" charset="-122"/>
+              </a:rPr>
+              <a:t>跨域跨应用共享会话并实现</a:t>
+            </a:r>
+            <a:r>
+              <a:rPr lang="en-US" altLang="zh-CN" sz="1500" dirty="0">
+                <a:latin typeface="微软雅黑" pitchFamily="34" charset="-122"/>
+                <a:ea typeface="微软雅黑" pitchFamily="34" charset="-122"/>
+              </a:rPr>
+              <a:t>SSO</a:t>
+            </a:r>
+            <a:r>
+              <a:rPr lang="zh-CN" altLang="zh-CN" sz="1500" dirty="0" smtClean="0">
+                <a:latin typeface="微软雅黑" pitchFamily="34" charset="-122"/>
+                <a:ea typeface="微软雅黑" pitchFamily="34" charset="-122"/>
+              </a:rPr>
+              <a:t>功能</a:t>
+            </a:r>
+            <a:r>
+              <a:rPr lang="zh-CN" altLang="en-US" sz="1500" dirty="0" smtClean="0">
+                <a:latin typeface="微软雅黑" pitchFamily="34" charset="-122"/>
+                <a:ea typeface="微软雅黑" pitchFamily="34" charset="-122"/>
+              </a:rPr>
+              <a:t>；</a:t>
+            </a:r>
+            <a:r>
+              <a:rPr lang="zh-CN" altLang="zh-CN" sz="1500" dirty="0">
+                <a:latin typeface="微软雅黑" pitchFamily="34" charset="-122"/>
+                <a:ea typeface="微软雅黑" pitchFamily="34" charset="-122"/>
+              </a:rPr>
+              <a:t>解决了会话</a:t>
+            </a:r>
+            <a:r>
+              <a:rPr lang="zh-CN" altLang="zh-CN" sz="1500" dirty="0" smtClean="0">
+                <a:latin typeface="微软雅黑" pitchFamily="34" charset="-122"/>
+                <a:ea typeface="微软雅黑" pitchFamily="34" charset="-122"/>
+              </a:rPr>
+              <a:t>共享</a:t>
+            </a:r>
+            <a:r>
+              <a:rPr lang="zh-CN" altLang="en-US" sz="1500" dirty="0">
+                <a:latin typeface="微软雅黑" pitchFamily="34" charset="-122"/>
+                <a:ea typeface="微软雅黑" pitchFamily="34" charset="-122"/>
+              </a:rPr>
+              <a:t>五</a:t>
+            </a:r>
+            <a:r>
+              <a:rPr lang="zh-CN" altLang="zh-CN" sz="1500" dirty="0" smtClean="0">
+                <a:latin typeface="微软雅黑" pitchFamily="34" charset="-122"/>
+                <a:ea typeface="微软雅黑" pitchFamily="34" charset="-122"/>
+              </a:rPr>
+              <a:t>大</a:t>
+            </a:r>
+            <a:r>
+              <a:rPr lang="zh-CN" altLang="zh-CN" sz="1500" dirty="0">
+                <a:latin typeface="微软雅黑" pitchFamily="34" charset="-122"/>
+                <a:ea typeface="微软雅黑" pitchFamily="34" charset="-122"/>
+              </a:rPr>
+              <a:t>技术难题：</a:t>
+            </a:r>
+            <a:r>
+              <a:rPr lang="en-US" altLang="zh-CN" sz="1500" dirty="0">
+                <a:latin typeface="微软雅黑" pitchFamily="34" charset="-122"/>
+                <a:ea typeface="微软雅黑" pitchFamily="34" charset="-122"/>
+              </a:rPr>
+              <a:t>session</a:t>
+            </a:r>
+            <a:r>
+              <a:rPr lang="zh-CN" altLang="zh-CN" sz="1500" dirty="0">
+                <a:latin typeface="微软雅黑" pitchFamily="34" charset="-122"/>
+                <a:ea typeface="微软雅黑" pitchFamily="34" charset="-122"/>
+              </a:rPr>
+              <a:t>数据</a:t>
+            </a:r>
+            <a:r>
+              <a:rPr lang="zh-CN" altLang="zh-CN" sz="1500" dirty="0" smtClean="0">
+                <a:latin typeface="微软雅黑" pitchFamily="34" charset="-122"/>
+                <a:ea typeface="微软雅黑" pitchFamily="34" charset="-122"/>
+              </a:rPr>
+              <a:t>序列</a:t>
+            </a:r>
+            <a:r>
+              <a:rPr lang="en-US" altLang="zh-CN" sz="1500" dirty="0" smtClean="0">
+                <a:latin typeface="微软雅黑" pitchFamily="34" charset="-122"/>
+                <a:ea typeface="微软雅黑" pitchFamily="34" charset="-122"/>
+              </a:rPr>
+              <a:t>	</a:t>
+            </a:r>
+            <a:r>
+              <a:rPr lang="zh-CN" altLang="zh-CN" sz="1500" dirty="0" smtClean="0">
+                <a:latin typeface="微软雅黑" pitchFamily="34" charset="-122"/>
+                <a:ea typeface="微软雅黑" pitchFamily="34" charset="-122"/>
+              </a:rPr>
+              <a:t>化</a:t>
+            </a:r>
+            <a:r>
+              <a:rPr lang="zh-CN" altLang="zh-CN" sz="1500" dirty="0">
+                <a:latin typeface="微软雅黑" pitchFamily="34" charset="-122"/>
+                <a:ea typeface="微软雅黑" pitchFamily="34" charset="-122"/>
+              </a:rPr>
+              <a:t>问题，</a:t>
+            </a:r>
+            <a:r>
+              <a:rPr lang="en-US" altLang="zh-CN" sz="1500" dirty="0">
+                <a:latin typeface="微软雅黑" pitchFamily="34" charset="-122"/>
+                <a:ea typeface="微软雅黑" pitchFamily="34" charset="-122"/>
+              </a:rPr>
+              <a:t>session sticking</a:t>
+            </a:r>
+            <a:r>
+              <a:rPr lang="zh-CN" altLang="zh-CN" sz="1500" dirty="0">
+                <a:latin typeface="微软雅黑" pitchFamily="34" charset="-122"/>
+                <a:ea typeface="微软雅黑" pitchFamily="34" charset="-122"/>
+              </a:rPr>
+              <a:t>问题，跨域跨应用</a:t>
+            </a:r>
+            <a:r>
+              <a:rPr lang="en-US" altLang="zh-CN" sz="1500" dirty="0">
+                <a:latin typeface="微软雅黑" pitchFamily="34" charset="-122"/>
+                <a:ea typeface="微软雅黑" pitchFamily="34" charset="-122"/>
+              </a:rPr>
+              <a:t>session</a:t>
+            </a:r>
+            <a:r>
+              <a:rPr lang="zh-CN" altLang="zh-CN" sz="1500" dirty="0">
+                <a:latin typeface="微软雅黑" pitchFamily="34" charset="-122"/>
+                <a:ea typeface="微软雅黑" pitchFamily="34" charset="-122"/>
+              </a:rPr>
+              <a:t>共享问题，跨</a:t>
+            </a:r>
+            <a:r>
+              <a:rPr lang="zh-CN" altLang="zh-CN" sz="1500" dirty="0" smtClean="0">
+                <a:latin typeface="微软雅黑" pitchFamily="34" charset="-122"/>
+                <a:ea typeface="微软雅黑" pitchFamily="34" charset="-122"/>
+              </a:rPr>
+              <a:t>容器</a:t>
+            </a:r>
+            <a:r>
+              <a:rPr lang="en-US" altLang="zh-CN" sz="1500" dirty="0" smtClean="0">
+                <a:latin typeface="微软雅黑" pitchFamily="34" charset="-122"/>
+                <a:ea typeface="微软雅黑" pitchFamily="34" charset="-122"/>
+              </a:rPr>
+              <a:t>	(</a:t>
+            </a:r>
+            <a:r>
+              <a:rPr lang="en-US" altLang="zh-CN" sz="1500" dirty="0" err="1">
+                <a:latin typeface="微软雅黑" pitchFamily="34" charset="-122"/>
+                <a:ea typeface="微软雅黑" pitchFamily="34" charset="-122"/>
+              </a:rPr>
+              <a:t>tomcat,jetty,weblogic</a:t>
+            </a:r>
+            <a:r>
+              <a:rPr lang="en-US" altLang="zh-CN" sz="1500" dirty="0">
+                <a:latin typeface="微软雅黑" pitchFamily="34" charset="-122"/>
+                <a:ea typeface="微软雅黑" pitchFamily="34" charset="-122"/>
+              </a:rPr>
+              <a:t>)</a:t>
+            </a:r>
+            <a:r>
+              <a:rPr lang="zh-CN" altLang="zh-CN" sz="1500" dirty="0">
+                <a:latin typeface="微软雅黑" pitchFamily="34" charset="-122"/>
+                <a:ea typeface="微软雅黑" pitchFamily="34" charset="-122"/>
+              </a:rPr>
+              <a:t>共享</a:t>
+            </a:r>
+            <a:r>
+              <a:rPr lang="en-US" altLang="zh-CN" sz="1500" dirty="0">
+                <a:latin typeface="微软雅黑" pitchFamily="34" charset="-122"/>
+                <a:ea typeface="微软雅黑" pitchFamily="34" charset="-122"/>
+              </a:rPr>
+              <a:t>session</a:t>
+            </a:r>
+            <a:r>
+              <a:rPr lang="zh-CN" altLang="zh-CN" sz="1500" dirty="0" smtClean="0">
+                <a:latin typeface="微软雅黑" pitchFamily="34" charset="-122"/>
+                <a:ea typeface="微软雅黑" pitchFamily="34" charset="-122"/>
+              </a:rPr>
+              <a:t>问题</a:t>
+            </a:r>
+            <a:r>
+              <a:rPr lang="zh-CN" altLang="en-US" sz="1500" dirty="0" smtClean="0">
+                <a:latin typeface="微软雅黑" pitchFamily="34" charset="-122"/>
+                <a:ea typeface="微软雅黑" pitchFamily="34" charset="-122"/>
+              </a:rPr>
+              <a:t>，</a:t>
+            </a:r>
+            <a:r>
+              <a:rPr lang="en-US" altLang="zh-CN" sz="1500" dirty="0" err="1" smtClean="0">
+                <a:latin typeface="微软雅黑" pitchFamily="34" charset="-122"/>
+                <a:ea typeface="微软雅黑" pitchFamily="34" charset="-122"/>
+              </a:rPr>
+              <a:t>sso</a:t>
+            </a:r>
+            <a:r>
+              <a:rPr lang="zh-CN" altLang="en-US" sz="1500" dirty="0">
+                <a:latin typeface="微软雅黑" pitchFamily="34" charset="-122"/>
+                <a:ea typeface="微软雅黑" pitchFamily="34" charset="-122"/>
+              </a:rPr>
+              <a:t>单点登入单点登</a:t>
+            </a:r>
+            <a:r>
+              <a:rPr lang="zh-CN" altLang="en-US" sz="1500" dirty="0" smtClean="0">
+                <a:latin typeface="微软雅黑" pitchFamily="34" charset="-122"/>
+                <a:ea typeface="微软雅黑" pitchFamily="34" charset="-122"/>
+              </a:rPr>
+              <a:t>出一致性问题</a:t>
+            </a:r>
+            <a:r>
+              <a:rPr lang="zh-CN" altLang="zh-CN" sz="1500" dirty="0" smtClean="0">
+                <a:latin typeface="微软雅黑" pitchFamily="34" charset="-122"/>
+                <a:ea typeface="微软雅黑" pitchFamily="34" charset="-122"/>
+              </a:rPr>
+              <a:t>。</a:t>
+            </a:r>
+            <a:endParaRPr lang="zh-CN" altLang="zh-CN" sz="1500" dirty="0">
+              <a:latin typeface="微软雅黑" pitchFamily="34" charset="-122"/>
+              <a:ea typeface="微软雅黑" pitchFamily="34" charset="-122"/>
+            </a:endParaRPr>
+          </a:p>
+          <a:p>
             <a:pPr eaLnBrk="1" hangingPunct="1">
               <a:lnSpc>
                 <a:spcPct val="114000"/>
               </a:lnSpc>
             </a:pPr>
             <a:r>
-              <a:rPr lang="en-US" altLang="zh-CN" sz="1500" dirty="0">
-                <a:latin typeface="微软雅黑" pitchFamily="34" charset="-122"/>
-                <a:ea typeface="微软雅黑" pitchFamily="34" charset="-122"/>
-              </a:rPr>
-              <a:t>	</a:t>
-            </a:r>
-            <a:r>
-              <a:rPr lang="zh-CN" altLang="en-US" sz="1500" dirty="0" smtClean="0">
-                <a:latin typeface="微软雅黑" pitchFamily="34" charset="-122"/>
-                <a:ea typeface="微软雅黑" pitchFamily="34" charset="-122"/>
-              </a:rPr>
-              <a:t>为同一域名或者同根域子域名下不同应用提供会话共享并实现</a:t>
-            </a:r>
-            <a:r>
-              <a:rPr lang="en-US" altLang="zh-CN" sz="1500" dirty="0" smtClean="0">
-                <a:latin typeface="微软雅黑" pitchFamily="34" charset="-122"/>
-                <a:ea typeface="微软雅黑" pitchFamily="34" charset="-122"/>
-              </a:rPr>
-              <a:t>SSO</a:t>
-            </a:r>
-            <a:r>
-              <a:rPr lang="zh-CN" altLang="en-US" sz="1500" dirty="0" smtClean="0">
-                <a:latin typeface="微软雅黑" pitchFamily="34" charset="-122"/>
-                <a:ea typeface="微软雅黑" pitchFamily="34" charset="-122"/>
-              </a:rPr>
-              <a:t>功能</a:t>
+              <a:rPr lang="zh-CN" altLang="en-US" b="1" dirty="0" smtClean="0">
+                <a:latin typeface="微软雅黑" pitchFamily="34" charset="-122"/>
+                <a:ea typeface="微软雅黑" pitchFamily="34" charset="-122"/>
+              </a:rPr>
+              <a:t>存    </a:t>
+            </a:r>
+            <a:r>
+              <a:rPr lang="zh-CN" altLang="en-US" b="1" dirty="0">
+                <a:latin typeface="微软雅黑" pitchFamily="34" charset="-122"/>
+                <a:ea typeface="微软雅黑" pitchFamily="34" charset="-122"/>
+              </a:rPr>
+              <a:t>储：</a:t>
+            </a:r>
+            <a:r>
+              <a:rPr lang="zh-CN" altLang="en-US" sz="1500" dirty="0">
+                <a:latin typeface="微软雅黑" pitchFamily="34" charset="-122"/>
+                <a:ea typeface="微软雅黑" pitchFamily="34" charset="-122"/>
+              </a:rPr>
+              <a:t>采用</a:t>
+            </a:r>
+            <a:r>
+              <a:rPr lang="en-US" altLang="zh-CN" sz="2400" b="1" dirty="0" err="1">
+                <a:solidFill>
+                  <a:srgbClr val="0066FF"/>
+                </a:solidFill>
+                <a:latin typeface="微软雅黑" pitchFamily="34" charset="-122"/>
+                <a:ea typeface="微软雅黑" pitchFamily="34" charset="-122"/>
+              </a:rPr>
+              <a:t>mongodb</a:t>
+            </a:r>
+            <a:r>
+              <a:rPr lang="zh-CN" altLang="en-US" sz="1500" dirty="0">
+                <a:latin typeface="微软雅黑" pitchFamily="34" charset="-122"/>
+                <a:ea typeface="微软雅黑" pitchFamily="34" charset="-122"/>
+              </a:rPr>
+              <a:t>存储会话数据，采用</a:t>
+            </a:r>
+            <a:r>
+              <a:rPr lang="zh-CN" altLang="en-US" b="1" dirty="0">
+                <a:solidFill>
+                  <a:srgbClr val="0066FF"/>
+                </a:solidFill>
+                <a:latin typeface="微软雅黑" pitchFamily="34" charset="-122"/>
+                <a:ea typeface="微软雅黑" pitchFamily="34" charset="-122"/>
+              </a:rPr>
+              <a:t>增量模式</a:t>
+            </a:r>
+            <a:r>
+              <a:rPr lang="zh-CN" altLang="en-US" sz="1500" dirty="0">
+                <a:latin typeface="微软雅黑" pitchFamily="34" charset="-122"/>
+                <a:ea typeface="微软雅黑" pitchFamily="34" charset="-122"/>
+              </a:rPr>
+              <a:t>修改会话属性，简单高效</a:t>
             </a:r>
             <a:endParaRPr lang="en-US" altLang="zh-CN" sz="1500" dirty="0">
               <a:latin typeface="微软雅黑" pitchFamily="34" charset="-122"/>
@@ -35391,48 +35687,93 @@
                 <a:latin typeface="微软雅黑" pitchFamily="34" charset="-122"/>
                 <a:ea typeface="微软雅黑" pitchFamily="34" charset="-122"/>
               </a:rPr>
-              <a:t>存    储：</a:t>
+              <a:t>序列化</a:t>
+            </a:r>
+            <a:r>
+              <a:rPr lang="zh-CN" altLang="en-US" b="1" dirty="0" smtClean="0">
+                <a:latin typeface="微软雅黑" pitchFamily="34" charset="-122"/>
+                <a:ea typeface="微软雅黑" pitchFamily="34" charset="-122"/>
+              </a:rPr>
+              <a:t>：</a:t>
+            </a:r>
+            <a:r>
+              <a:rPr lang="zh-CN" altLang="en-US" sz="1500" dirty="0" smtClean="0">
+                <a:latin typeface="微软雅黑" pitchFamily="34" charset="-122"/>
+                <a:ea typeface="微软雅黑" pitchFamily="34" charset="-122"/>
+              </a:rPr>
+              <a:t>采用</a:t>
+            </a:r>
+            <a:r>
+              <a:rPr lang="en-US" altLang="zh-CN" sz="1500" dirty="0" err="1">
+                <a:latin typeface="微软雅黑" pitchFamily="34" charset="-122"/>
+                <a:ea typeface="微软雅黑" pitchFamily="34" charset="-122"/>
+              </a:rPr>
+              <a:t>bboss</a:t>
             </a:r>
             <a:r>
               <a:rPr lang="zh-CN" altLang="en-US" sz="1500" dirty="0">
                 <a:latin typeface="微软雅黑" pitchFamily="34" charset="-122"/>
                 <a:ea typeface="微软雅黑" pitchFamily="34" charset="-122"/>
               </a:rPr>
-              <a:t>采用</a:t>
-            </a:r>
-            <a:r>
-              <a:rPr lang="en-US" altLang="zh-CN" sz="2400" b="1" dirty="0" err="1">
+              <a:t>序列化</a:t>
+            </a:r>
+            <a:r>
+              <a:rPr lang="zh-CN" altLang="en-US" sz="1500" dirty="0" smtClean="0">
+                <a:latin typeface="微软雅黑" pitchFamily="34" charset="-122"/>
+                <a:ea typeface="微软雅黑" pitchFamily="34" charset="-122"/>
+              </a:rPr>
+              <a:t>机制以</a:t>
+            </a:r>
+            <a:r>
+              <a:rPr lang="en-US" altLang="zh-CN" sz="1500" dirty="0" smtClean="0">
+                <a:latin typeface="微软雅黑" pitchFamily="34" charset="-122"/>
+                <a:ea typeface="微软雅黑" pitchFamily="34" charset="-122"/>
+              </a:rPr>
+              <a:t>xml</a:t>
+            </a:r>
+            <a:r>
+              <a:rPr lang="zh-CN" altLang="en-US" sz="1500" dirty="0" smtClean="0">
+                <a:latin typeface="微软雅黑" pitchFamily="34" charset="-122"/>
+                <a:ea typeface="微软雅黑" pitchFamily="34" charset="-122"/>
+              </a:rPr>
+              <a:t>格式序列化会话数据，可读性好，易于监控，提供</a:t>
+            </a:r>
+            <a:r>
+              <a:rPr lang="zh-CN" altLang="en-US" b="1" dirty="0" smtClean="0">
                 <a:solidFill>
                   <a:srgbClr val="0066FF"/>
                 </a:solidFill>
                 <a:latin typeface="微软雅黑" pitchFamily="34" charset="-122"/>
                 <a:ea typeface="微软雅黑" pitchFamily="34" charset="-122"/>
               </a:rPr>
-              <a:t>mongodb</a:t>
+              <a:t>序列化</a:t>
+            </a:r>
+            <a:r>
+              <a:rPr lang="en-US" altLang="zh-CN" b="1" dirty="0" smtClean="0">
+                <a:solidFill>
+                  <a:srgbClr val="0066FF"/>
+                </a:solidFill>
+                <a:latin typeface="微软雅黑" pitchFamily="34" charset="-122"/>
+                <a:ea typeface="微软雅黑" pitchFamily="34" charset="-122"/>
+              </a:rPr>
+              <a:t>	</a:t>
+            </a:r>
+            <a:r>
+              <a:rPr lang="zh-CN" altLang="en-US" b="1" dirty="0" smtClean="0">
+                <a:solidFill>
+                  <a:srgbClr val="0066FF"/>
+                </a:solidFill>
+                <a:latin typeface="微软雅黑" pitchFamily="34" charset="-122"/>
+                <a:ea typeface="微软雅黑" pitchFamily="34" charset="-122"/>
+              </a:rPr>
+              <a:t>插件</a:t>
             </a:r>
             <a:r>
               <a:rPr lang="zh-CN" altLang="en-US" sz="1500" dirty="0">
                 <a:latin typeface="微软雅黑" pitchFamily="34" charset="-122"/>
                 <a:ea typeface="微软雅黑" pitchFamily="34" charset="-122"/>
               </a:rPr>
-              <a:t>存储会话数据，采用</a:t>
-            </a:r>
-            <a:r>
-              <a:rPr lang="zh-CN" altLang="en-US" b="1" dirty="0">
-                <a:solidFill>
-                  <a:srgbClr val="0066FF"/>
-                </a:solidFill>
-                <a:latin typeface="微软雅黑" pitchFamily="34" charset="-122"/>
-                <a:ea typeface="微软雅黑" pitchFamily="34" charset="-122"/>
-              </a:rPr>
-              <a:t>增量模式</a:t>
-            </a:r>
-            <a:r>
-              <a:rPr lang="zh-CN" altLang="en-US" sz="1500" dirty="0">
-                <a:latin typeface="微软雅黑" pitchFamily="34" charset="-122"/>
-                <a:ea typeface="微软雅黑" pitchFamily="34" charset="-122"/>
-              </a:rPr>
-              <a:t>修改会话属性，简单高效</a:t>
+              <a:t>，扩展性强</a:t>
             </a:r>
             <a:endParaRPr lang="en-US" altLang="zh-CN" sz="1500" dirty="0">
               <a:latin typeface="微软雅黑" pitchFamily="34" charset="-122"/>
@@ -35450,98 +35791,231 @@
                 <a:latin typeface="微软雅黑" pitchFamily="34" charset="-122"/>
                 <a:ea typeface="微软雅黑" pitchFamily="34" charset="-122"/>
               </a:rPr>
-              <a:t>序列化</a:t>
+              <a:t>规    范：</a:t>
+            </a:r>
+            <a:r>
+              <a:rPr lang="zh-CN" altLang="en-US" b="1" dirty="0">
+                <a:solidFill>
+                  <a:srgbClr val="0066FF"/>
+                </a:solidFill>
+                <a:latin typeface="微软雅黑" pitchFamily="34" charset="-122"/>
+                <a:ea typeface="微软雅黑" pitchFamily="34" charset="-122"/>
+              </a:rPr>
+              <a:t>遵循</a:t>
+            </a:r>
+            <a:r>
+              <a:rPr lang="en-US" altLang="zh-CN" b="1" dirty="0">
+                <a:solidFill>
+                  <a:srgbClr val="0066FF"/>
+                </a:solidFill>
+                <a:latin typeface="微软雅黑" pitchFamily="34" charset="-122"/>
+                <a:ea typeface="微软雅黑" pitchFamily="34" charset="-122"/>
+              </a:rPr>
+              <a:t>servlet 2/3</a:t>
+            </a:r>
+            <a:r>
+              <a:rPr lang="zh-CN" altLang="en-US" b="1" dirty="0">
+                <a:solidFill>
+                  <a:srgbClr val="0066FF"/>
+                </a:solidFill>
+                <a:latin typeface="微软雅黑" pitchFamily="34" charset="-122"/>
+                <a:ea typeface="微软雅黑" pitchFamily="34" charset="-122"/>
+              </a:rPr>
+              <a:t>规范</a:t>
+            </a:r>
+            <a:r>
+              <a:rPr lang="zh-CN" altLang="en-US" sz="1500" b="1" dirty="0" smtClean="0">
+                <a:solidFill>
+                  <a:srgbClr val="0066FF"/>
+                </a:solidFill>
+                <a:latin typeface="微软雅黑" pitchFamily="34" charset="-122"/>
+                <a:ea typeface="微软雅黑" pitchFamily="34" charset="-122"/>
+              </a:rPr>
+              <a:t>，</a:t>
             </a:r>
             <a:r>
               <a:rPr lang="zh-CN" altLang="en-US" b="1" dirty="0" smtClean="0">
-                <a:latin typeface="微软雅黑" pitchFamily="34" charset="-122"/>
-                <a:ea typeface="微软雅黑" pitchFamily="34" charset="-122"/>
-              </a:rPr>
-              <a:t>：</a:t>
-            </a:r>
-            <a:r>
-              <a:rPr lang="zh-CN" altLang="en-US" sz="1500" dirty="0" smtClean="0">
-                <a:latin typeface="微软雅黑" pitchFamily="34" charset="-122"/>
-                <a:ea typeface="微软雅黑" pitchFamily="34" charset="-122"/>
-              </a:rPr>
-              <a:t>采用</a:t>
-            </a:r>
-            <a:r>
-              <a:rPr lang="en-US" altLang="zh-CN" sz="1500" dirty="0" err="1">
-                <a:latin typeface="微软雅黑" pitchFamily="34" charset="-122"/>
-                <a:ea typeface="微软雅黑" pitchFamily="34" charset="-122"/>
-              </a:rPr>
+                <a:solidFill>
+                  <a:srgbClr val="0066FF"/>
+                </a:solidFill>
+                <a:latin typeface="微软雅黑" pitchFamily="34" charset="-122"/>
+                <a:ea typeface="微软雅黑" pitchFamily="34" charset="-122"/>
+              </a:rPr>
+              <a:t>可</a:t>
+            </a:r>
+            <a:r>
+              <a:rPr lang="zh-CN" altLang="en-US" b="1" dirty="0">
+                <a:solidFill>
+                  <a:srgbClr val="0066FF"/>
+                </a:solidFill>
+                <a:latin typeface="微软雅黑" pitchFamily="34" charset="-122"/>
+                <a:ea typeface="微软雅黑" pitchFamily="34" charset="-122"/>
+              </a:rPr>
+              <a:t>无缝与现有应用</a:t>
+            </a:r>
+            <a:r>
+              <a:rPr lang="zh-CN" altLang="en-US" b="1" dirty="0" smtClean="0">
+                <a:solidFill>
+                  <a:srgbClr val="0066FF"/>
+                </a:solidFill>
+                <a:latin typeface="微软雅黑" pitchFamily="34" charset="-122"/>
+                <a:ea typeface="微软雅黑" pitchFamily="34" charset="-122"/>
+              </a:rPr>
+              <a:t>系统集成，</a:t>
+            </a:r>
+            <a:r>
+              <a:rPr lang="zh-CN" altLang="zh-CN" dirty="0"/>
+              <a:t> </a:t>
+            </a:r>
+            <a:r>
+              <a:rPr lang="zh-CN" altLang="zh-CN" dirty="0" smtClean="0"/>
+              <a:t>无需</a:t>
+            </a:r>
+            <a:r>
+              <a:rPr lang="zh-CN" altLang="zh-CN" dirty="0"/>
+              <a:t>或者少量</a:t>
+            </a:r>
+            <a:r>
+              <a:rPr lang="zh-CN" altLang="zh-CN" dirty="0" smtClean="0"/>
+              <a:t>修改</a:t>
+            </a:r>
+            <a:r>
+              <a:rPr lang="en-US" altLang="zh-CN" dirty="0" smtClean="0"/>
+              <a:t>	</a:t>
+            </a:r>
+            <a:r>
+              <a:rPr lang="zh-CN" altLang="zh-CN" dirty="0" smtClean="0"/>
+              <a:t>应用</a:t>
+            </a:r>
+            <a:r>
+              <a:rPr lang="zh-CN" altLang="zh-CN" dirty="0"/>
+              <a:t>代码。</a:t>
+            </a:r>
+            <a:r>
+              <a:rPr lang="en-US" altLang="zh-CN" dirty="0"/>
+              <a:t>Session</a:t>
+            </a:r>
+            <a:r>
+              <a:rPr lang="zh-CN" altLang="zh-CN" dirty="0"/>
+              <a:t>监听器需遵循</a:t>
+            </a:r>
+            <a:r>
+              <a:rPr lang="en-US" altLang="zh-CN" dirty="0" err="1"/>
               <a:t>bboss</a:t>
             </a:r>
             <a:r>
-              <a:rPr lang="zh-CN" altLang="en-US" sz="1500" dirty="0">
-                <a:latin typeface="微软雅黑" pitchFamily="34" charset="-122"/>
-                <a:ea typeface="微软雅黑" pitchFamily="34" charset="-122"/>
-              </a:rPr>
-              <a:t>序列化</a:t>
-            </a:r>
-            <a:r>
-              <a:rPr lang="zh-CN" altLang="en-US" sz="1500" dirty="0" smtClean="0">
-                <a:latin typeface="微软雅黑" pitchFamily="34" charset="-122"/>
-                <a:ea typeface="微软雅黑" pitchFamily="34" charset="-122"/>
-              </a:rPr>
-              <a:t>机制以</a:t>
-            </a:r>
-            <a:r>
-              <a:rPr lang="en-US" altLang="zh-CN" sz="1500" dirty="0" smtClean="0">
-                <a:latin typeface="微软雅黑" pitchFamily="34" charset="-122"/>
-                <a:ea typeface="微软雅黑" pitchFamily="34" charset="-122"/>
-              </a:rPr>
-              <a:t>xml</a:t>
-            </a:r>
-            <a:r>
-              <a:rPr lang="zh-CN" altLang="en-US" sz="1500" dirty="0" smtClean="0">
-                <a:latin typeface="微软雅黑" pitchFamily="34" charset="-122"/>
-                <a:ea typeface="微软雅黑" pitchFamily="34" charset="-122"/>
-              </a:rPr>
-              <a:t>格式序列化会话数据，可读性好，易于监控，提供</a:t>
-            </a:r>
-            <a:r>
-              <a:rPr lang="zh-CN" altLang="en-US" b="1" dirty="0" smtClean="0">
-                <a:solidFill>
-                  <a:srgbClr val="0066FF"/>
-                </a:solidFill>
-                <a:latin typeface="微软雅黑" pitchFamily="34" charset="-122"/>
-                <a:ea typeface="微软雅黑" pitchFamily="34" charset="-122"/>
-              </a:rPr>
-              <a:t>序列化</a:t>
-            </a:r>
-            <a:r>
-              <a:rPr lang="en-US" altLang="zh-CN" b="1" dirty="0" smtClean="0">
-                <a:solidFill>
-                  <a:srgbClr val="0066FF"/>
-                </a:solidFill>
-                <a:latin typeface="微软雅黑" pitchFamily="34" charset="-122"/>
-                <a:ea typeface="微软雅黑" pitchFamily="34" charset="-122"/>
-              </a:rPr>
+              <a:rPr lang="zh-CN" altLang="zh-CN" dirty="0"/>
+              <a:t>会话</a:t>
+            </a:r>
+            <a:r>
+              <a:rPr lang="zh-CN" altLang="zh-CN" dirty="0" smtClean="0"/>
+              <a:t>共享规范</a:t>
+            </a:r>
+            <a:r>
+              <a:rPr lang="zh-CN" altLang="zh-CN" dirty="0"/>
+              <a:t>，</a:t>
+            </a:r>
+            <a:r>
+              <a:rPr lang="zh-CN" altLang="zh-CN" dirty="0" smtClean="0"/>
+              <a:t>需将</a:t>
+            </a:r>
+            <a:r>
+              <a:rPr lang="zh-CN" altLang="zh-CN" dirty="0"/>
+              <a:t>原来</a:t>
+            </a:r>
+            <a:r>
+              <a:rPr lang="zh-CN" altLang="zh-CN" dirty="0" smtClean="0"/>
+              <a:t>容器</a:t>
+            </a:r>
+            <a:r>
+              <a:rPr lang="en-US" altLang="zh-CN" dirty="0" smtClean="0"/>
+              <a:t>	session</a:t>
+            </a:r>
+            <a:r>
+              <a:rPr lang="zh-CN" altLang="zh-CN" dirty="0"/>
+              <a:t>监听器迁移到</a:t>
+            </a:r>
+            <a:r>
+              <a:rPr lang="en-US" altLang="zh-CN" dirty="0" err="1"/>
+              <a:t>bboss</a:t>
+            </a:r>
+            <a:r>
+              <a:rPr lang="zh-CN" altLang="zh-CN" dirty="0"/>
+              <a:t>会话共享实现。如</a:t>
+            </a:r>
+            <a:r>
+              <a:rPr lang="zh-CN" altLang="zh-CN" dirty="0" smtClean="0"/>
+              <a:t>修改</a:t>
+            </a:r>
+            <a:r>
+              <a:rPr lang="en-US" altLang="zh-CN" dirty="0" smtClean="0"/>
+              <a:t>session</a:t>
+            </a:r>
+            <a:r>
+              <a:rPr lang="zh-CN" altLang="zh-CN" dirty="0"/>
+              <a:t>中对象数据</a:t>
+            </a:r>
+            <a:r>
+              <a:rPr lang="zh-CN" altLang="zh-CN" dirty="0" smtClean="0"/>
+              <a:t>，</a:t>
+            </a:r>
+            <a:r>
+              <a:rPr lang="en-US" altLang="zh-CN" dirty="0" smtClean="0"/>
               <a:t>	</a:t>
             </a:r>
             <a:r>
-              <a:rPr lang="zh-CN" altLang="en-US" b="1" dirty="0" smtClean="0">
-                <a:solidFill>
-                  <a:srgbClr val="0066FF"/>
-                </a:solidFill>
-                <a:latin typeface="微软雅黑" pitchFamily="34" charset="-122"/>
-                <a:ea typeface="微软雅黑" pitchFamily="34" charset="-122"/>
-              </a:rPr>
-              <a:t>插件</a:t>
-            </a:r>
-            <a:r>
-              <a:rPr lang="zh-CN" altLang="en-US" sz="1500" dirty="0">
-                <a:latin typeface="微软雅黑" pitchFamily="34" charset="-122"/>
-                <a:ea typeface="微软雅黑" pitchFamily="34" charset="-122"/>
-              </a:rPr>
-              <a:t>，扩展性强</a:t>
-            </a:r>
-            <a:endParaRPr lang="en-US" altLang="zh-CN" sz="1500" dirty="0">
-              <a:latin typeface="微软雅黑" pitchFamily="34" charset="-122"/>
-              <a:ea typeface="微软雅黑" pitchFamily="34" charset="-122"/>
-            </a:endParaRPr>
+              <a:rPr lang="zh-CN" altLang="zh-CN" dirty="0" smtClean="0"/>
+              <a:t>必须</a:t>
+            </a:r>
+            <a:r>
+              <a:rPr lang="zh-CN" altLang="zh-CN" dirty="0"/>
+              <a:t>调用</a:t>
+            </a:r>
+            <a:r>
+              <a:rPr lang="en-US" altLang="zh-CN" dirty="0" err="1"/>
+              <a:t>session.setAttribute</a:t>
+            </a:r>
+            <a:r>
+              <a:rPr lang="zh-CN" altLang="zh-CN" dirty="0"/>
+              <a:t>方法将对象</a:t>
+            </a:r>
+            <a:r>
+              <a:rPr lang="zh-CN" altLang="zh-CN" dirty="0" smtClean="0"/>
+              <a:t>数据更新到</a:t>
+            </a:r>
+            <a:r>
+              <a:rPr lang="en-US" altLang="zh-CN" dirty="0" err="1" smtClean="0"/>
+              <a:t>mongodb</a:t>
+            </a:r>
+            <a:r>
+              <a:rPr lang="zh-CN" altLang="zh-CN" dirty="0"/>
+              <a:t>中，以便</a:t>
+            </a:r>
+            <a:r>
+              <a:rPr lang="zh-CN" altLang="zh-CN" dirty="0" smtClean="0"/>
+              <a:t>将</a:t>
+            </a:r>
+            <a:r>
+              <a:rPr lang="en-US" altLang="zh-CN" dirty="0" smtClean="0"/>
+              <a:t>	</a:t>
+            </a:r>
+            <a:r>
+              <a:rPr lang="zh-CN" altLang="en-US" dirty="0" smtClean="0"/>
+              <a:t>更新后的</a:t>
+            </a:r>
+            <a:r>
+              <a:rPr lang="zh-CN" altLang="zh-CN" dirty="0" smtClean="0"/>
+              <a:t>数据共享</a:t>
+            </a:r>
+            <a:r>
+              <a:rPr lang="zh-CN" altLang="zh-CN" dirty="0"/>
+              <a:t>给其他应用</a:t>
+            </a:r>
+            <a:r>
+              <a:rPr lang="zh-CN" altLang="zh-CN" dirty="0" smtClean="0"/>
+              <a:t>。</a:t>
+            </a:r>
+            <a:endParaRPr lang="en-US" altLang="zh-CN" dirty="0" smtClean="0"/>
           </a:p>
           <a:p>
             <a:pPr eaLnBrk="1" hangingPunct="1">
@@ -35550,210 +36024,107 @@
               </a:lnSpc>
             </a:pPr>
             <a:r>
+              <a:rPr lang="zh-CN" altLang="en-US" b="1" dirty="0" smtClean="0">
+                <a:latin typeface="微软雅黑" pitchFamily="34" charset="-122"/>
+                <a:ea typeface="微软雅黑" pitchFamily="34" charset="-122"/>
+              </a:rPr>
+              <a:t>兼容性</a:t>
+            </a:r>
+            <a:r>
               <a:rPr lang="zh-CN" altLang="en-US" b="1" dirty="0">
                 <a:latin typeface="微软雅黑" pitchFamily="34" charset="-122"/>
                 <a:ea typeface="微软雅黑" pitchFamily="34" charset="-122"/>
               </a:rPr>
-              <a:t>规    范：</a:t>
-            </a:r>
-            <a:r>
-              <a:rPr lang="zh-CN" altLang="en-US" b="1" dirty="0">
+              <a:t>：</a:t>
+            </a:r>
+            <a:r>
+              <a:rPr lang="zh-CN" altLang="en-US" sz="1600" b="1" dirty="0">
                 <a:solidFill>
                   <a:srgbClr val="0066FF"/>
                 </a:solidFill>
                 <a:latin typeface="微软雅黑" pitchFamily="34" charset="-122"/>
                 <a:ea typeface="微软雅黑" pitchFamily="34" charset="-122"/>
               </a:rPr>
-              <a:t>遵循</a:t>
-            </a:r>
-            <a:r>
-              <a:rPr lang="en-US" altLang="zh-CN" b="1" dirty="0">
-                <a:solidFill>
-                  <a:srgbClr val="0066FF"/>
-                </a:solidFill>
-                <a:latin typeface="微软雅黑" pitchFamily="34" charset="-122"/>
-                <a:ea typeface="微软雅黑" pitchFamily="34" charset="-122"/>
-              </a:rPr>
-              <a:t>servlet 2/3</a:t>
-            </a:r>
-            <a:r>
-              <a:rPr lang="zh-CN" altLang="en-US" b="1" dirty="0">
-                <a:solidFill>
-                  <a:srgbClr val="0066FF"/>
-                </a:solidFill>
-                <a:latin typeface="微软雅黑" pitchFamily="34" charset="-122"/>
-                <a:ea typeface="微软雅黑" pitchFamily="34" charset="-122"/>
-              </a:rPr>
-              <a:t>规范</a:t>
-            </a:r>
-            <a:r>
-              <a:rPr lang="zh-CN" altLang="en-US" sz="1500" b="1" dirty="0">
-                <a:solidFill>
-                  <a:srgbClr val="0066FF"/>
-                </a:solidFill>
-                <a:latin typeface="微软雅黑" pitchFamily="34" charset="-122"/>
-                <a:ea typeface="微软雅黑" pitchFamily="34" charset="-122"/>
-              </a:rPr>
-              <a:t>，</a:t>
-            </a:r>
-            <a:r>
-              <a:rPr lang="zh-CN" altLang="en-US" b="1" dirty="0">
-                <a:solidFill>
-                  <a:srgbClr val="0066FF"/>
-                </a:solidFill>
-                <a:latin typeface="微软雅黑" pitchFamily="34" charset="-122"/>
-                <a:ea typeface="微软雅黑" pitchFamily="34" charset="-122"/>
-              </a:rPr>
-              <a:t>兼容</a:t>
+              <a:t>跨容器，</a:t>
             </a:r>
             <a:r>
               <a:rPr lang="zh-CN" altLang="en-US" sz="1500" dirty="0">
                 <a:latin typeface="微软雅黑" pitchFamily="34" charset="-122"/>
                 <a:ea typeface="微软雅黑" pitchFamily="34" charset="-122"/>
               </a:rPr>
-              <a:t>遗留系统会话数据的管理</a:t>
-            </a:r>
-            <a:r>
-              <a:rPr lang="en-US" altLang="zh-CN" sz="1500" dirty="0">
-                <a:latin typeface="微软雅黑" pitchFamily="34" charset="-122"/>
-                <a:ea typeface="微软雅黑" pitchFamily="34" charset="-122"/>
-              </a:rPr>
-              <a:t>,</a:t>
-            </a:r>
-            <a:r>
-              <a:rPr lang="zh-CN" altLang="en-US" b="1" dirty="0">
-                <a:solidFill>
-                  <a:srgbClr val="0066FF"/>
-                </a:solidFill>
-                <a:latin typeface="微软雅黑" pitchFamily="34" charset="-122"/>
-                <a:ea typeface="微软雅黑" pitchFamily="34" charset="-122"/>
-              </a:rPr>
-              <a:t>可无缝与现有应用</a:t>
-            </a:r>
-            <a:r>
-              <a:rPr lang="zh-CN" altLang="en-US" b="1" dirty="0" smtClean="0">
-                <a:solidFill>
-                  <a:srgbClr val="0066FF"/>
-                </a:solidFill>
-                <a:latin typeface="微软雅黑" pitchFamily="34" charset="-122"/>
-                <a:ea typeface="微软雅黑" pitchFamily="34" charset="-122"/>
-              </a:rPr>
-              <a:t>系统</a:t>
-            </a:r>
-            <a:r>
-              <a:rPr lang="en-US" altLang="zh-CN" b="1" dirty="0" smtClean="0">
-                <a:solidFill>
-                  <a:srgbClr val="0066FF"/>
-                </a:solidFill>
+              <a:t>兼容业界主流的应用服务器（</a:t>
+            </a:r>
+            <a:r>
+              <a:rPr lang="en-US" altLang="zh-CN" sz="1500" dirty="0" err="1">
+                <a:latin typeface="微软雅黑" pitchFamily="34" charset="-122"/>
+                <a:ea typeface="微软雅黑" pitchFamily="34" charset="-122"/>
+              </a:rPr>
+              <a:t>tomcat,weblogic,webspere,jetty</a:t>
+            </a:r>
+            <a:r>
+              <a:rPr lang="zh-CN" altLang="en-US" sz="1500" dirty="0" smtClean="0">
+                <a:latin typeface="微软雅黑" pitchFamily="34" charset="-122"/>
+                <a:ea typeface="微软雅黑" pitchFamily="34" charset="-122"/>
+              </a:rPr>
+              <a:t>），支持容器</a:t>
+            </a:r>
+            <a:r>
+              <a:rPr lang="en-US" altLang="zh-CN" sz="1500" dirty="0" smtClean="0">
                 <a:latin typeface="微软雅黑" pitchFamily="34" charset="-122"/>
                 <a:ea typeface="微软雅黑" pitchFamily="34" charset="-122"/>
               </a:rPr>
               <a:t>	</a:t>
             </a:r>
             <a:r>
-              <a:rPr lang="zh-CN" altLang="en-US" b="1" dirty="0" smtClean="0">
-                <a:solidFill>
-                  <a:srgbClr val="0066FF"/>
-                </a:solidFill>
-                <a:latin typeface="微软雅黑" pitchFamily="34" charset="-122"/>
-                <a:ea typeface="微软雅黑" pitchFamily="34" charset="-122"/>
-              </a:rPr>
-              <a:t>集成，无需</a:t>
-            </a:r>
-            <a:r>
-              <a:rPr lang="zh-CN" altLang="en-US" b="1" dirty="0">
-                <a:solidFill>
-                  <a:srgbClr val="0066FF"/>
-                </a:solidFill>
-                <a:latin typeface="微软雅黑" pitchFamily="34" charset="-122"/>
-                <a:ea typeface="微软雅黑" pitchFamily="34" charset="-122"/>
-              </a:rPr>
-              <a:t>修改应用</a:t>
-            </a:r>
-            <a:r>
-              <a:rPr lang="zh-CN" altLang="en-US" b="1" dirty="0" smtClean="0">
-                <a:solidFill>
-                  <a:srgbClr val="0066FF"/>
-                </a:solidFill>
-                <a:latin typeface="微软雅黑" pitchFamily="34" charset="-122"/>
-                <a:ea typeface="微软雅黑" pitchFamily="34" charset="-122"/>
-              </a:rPr>
-              <a:t>代码。</a:t>
-            </a:r>
-            <a:r>
-              <a:rPr lang="en-US" altLang="zh-CN" b="1" dirty="0" smtClean="0">
-                <a:solidFill>
-                  <a:srgbClr val="0066FF"/>
-                </a:solidFill>
-                <a:latin typeface="微软雅黑" pitchFamily="34" charset="-122"/>
-                <a:ea typeface="微软雅黑" pitchFamily="34" charset="-122"/>
-              </a:rPr>
-              <a:t>Session</a:t>
-            </a:r>
-            <a:r>
-              <a:rPr lang="zh-CN" altLang="en-US" b="1" dirty="0" smtClean="0">
-                <a:solidFill>
-                  <a:srgbClr val="0066FF"/>
-                </a:solidFill>
-                <a:latin typeface="微软雅黑" pitchFamily="34" charset="-122"/>
-                <a:ea typeface="微软雅黑" pitchFamily="34" charset="-122"/>
-              </a:rPr>
-              <a:t>监听器需遵循会话共享规范，需使用</a:t>
-            </a:r>
-            <a:r>
-              <a:rPr lang="en-US" altLang="zh-CN" b="1" dirty="0" smtClean="0">
-                <a:solidFill>
-                  <a:srgbClr val="0066FF"/>
-                </a:solidFill>
-                <a:latin typeface="微软雅黑" pitchFamily="34" charset="-122"/>
-                <a:ea typeface="微软雅黑" pitchFamily="34" charset="-122"/>
-              </a:rPr>
-              <a:t>	</a:t>
-            </a:r>
-            <a:r>
-              <a:rPr lang="zh-CN" altLang="en-US" b="1" dirty="0">
-                <a:solidFill>
-                  <a:srgbClr val="0066FF"/>
-                </a:solidFill>
-                <a:latin typeface="微软雅黑" pitchFamily="34" charset="-122"/>
-                <a:ea typeface="微软雅黑" pitchFamily="34" charset="-122"/>
-              </a:rPr>
-              <a:t>会话共享实现</a:t>
-            </a:r>
-            <a:r>
-              <a:rPr lang="zh-CN" altLang="en-US" b="1" dirty="0" smtClean="0">
-                <a:solidFill>
-                  <a:srgbClr val="0066FF"/>
-                </a:solidFill>
-                <a:latin typeface="微软雅黑" pitchFamily="34" charset="-122"/>
-                <a:ea typeface="微软雅黑" pitchFamily="34" charset="-122"/>
-              </a:rPr>
-              <a:t>替换原来容器的</a:t>
-            </a:r>
-            <a:r>
-              <a:rPr lang="en-US" altLang="zh-CN" b="1" dirty="0" smtClean="0">
-                <a:solidFill>
-                  <a:srgbClr val="0066FF"/>
-                </a:solidFill>
-                <a:latin typeface="微软雅黑" pitchFamily="34" charset="-122"/>
-                <a:ea typeface="微软雅黑" pitchFamily="34" charset="-122"/>
-              </a:rPr>
-              <a:t>session</a:t>
-            </a:r>
-            <a:r>
-              <a:rPr lang="zh-CN" altLang="en-US" b="1" dirty="0" smtClean="0">
-                <a:solidFill>
-                  <a:srgbClr val="0066FF"/>
-                </a:solidFill>
-                <a:latin typeface="微软雅黑" pitchFamily="34" charset="-122"/>
-                <a:ea typeface="微软雅黑" pitchFamily="34" charset="-122"/>
-              </a:rPr>
-              <a:t>监听器。</a:t>
-            </a:r>
-            <a:endParaRPr lang="en-US" altLang="zh-CN" b="1" dirty="0">
-              <a:solidFill>
-                <a:srgbClr val="0066FF"/>
-              </a:solidFill>
+              <a:rPr lang="zh-CN" altLang="en-US" sz="1500" dirty="0" smtClean="0">
+                <a:latin typeface="微软雅黑" pitchFamily="34" charset="-122"/>
+                <a:ea typeface="微软雅黑" pitchFamily="34" charset="-122"/>
+              </a:rPr>
+              <a:t>会话</a:t>
+            </a:r>
+            <a:r>
+              <a:rPr lang="zh-CN" altLang="en-US" sz="1500" dirty="0">
+                <a:latin typeface="微软雅黑" pitchFamily="34" charset="-122"/>
+                <a:ea typeface="微软雅黑" pitchFamily="34" charset="-122"/>
+              </a:rPr>
+              <a:t>管理和</a:t>
+            </a:r>
+            <a:r>
+              <a:rPr lang="en-US" altLang="zh-CN" sz="1500" dirty="0" err="1">
+                <a:latin typeface="微软雅黑" pitchFamily="34" charset="-122"/>
+                <a:ea typeface="微软雅黑" pitchFamily="34" charset="-122"/>
+              </a:rPr>
+              <a:t>bboss</a:t>
+            </a:r>
+            <a:r>
+              <a:rPr lang="zh-CN" altLang="en-US" sz="1500" dirty="0">
+                <a:latin typeface="微软雅黑" pitchFamily="34" charset="-122"/>
+                <a:ea typeface="微软雅黑" pitchFamily="34" charset="-122"/>
+              </a:rPr>
+              <a:t>会话管理两种</a:t>
+            </a:r>
+            <a:r>
+              <a:rPr lang="zh-CN" altLang="en-US" sz="1500" dirty="0" smtClean="0">
+                <a:latin typeface="微软雅黑" pitchFamily="34" charset="-122"/>
+                <a:ea typeface="微软雅黑" pitchFamily="34" charset="-122"/>
+              </a:rPr>
+              <a:t>机制，可</a:t>
+            </a:r>
+            <a:r>
+              <a:rPr lang="zh-CN" altLang="en-US" sz="1500" dirty="0">
+                <a:latin typeface="微软雅黑" pitchFamily="34" charset="-122"/>
+                <a:ea typeface="微软雅黑" pitchFamily="34" charset="-122"/>
+              </a:rPr>
+              <a:t>根据实际</a:t>
+            </a:r>
+            <a:r>
+              <a:rPr lang="zh-CN" altLang="en-US" sz="1500" dirty="0" smtClean="0">
+                <a:latin typeface="微软雅黑" pitchFamily="34" charset="-122"/>
+                <a:ea typeface="微软雅黑" pitchFamily="34" charset="-122"/>
+              </a:rPr>
+              <a:t>需要自由切换应用会话管理机制。</a:t>
+            </a:r>
+            <a:endParaRPr lang="en-US" altLang="zh-CN" sz="1500" dirty="0">
               <a:latin typeface="微软雅黑" pitchFamily="34" charset="-122"/>
               <a:ea typeface="微软雅黑" pitchFamily="34" charset="-122"/>
             </a:endParaRPr>
@@ -35769,444 +36140,108 @@
                 <a:latin typeface="微软雅黑" pitchFamily="34" charset="-122"/>
                 <a:ea typeface="微软雅黑" pitchFamily="34" charset="-122"/>
               </a:rPr>
-              <a:t>兼容性：</a:t>
-            </a:r>
-            <a:r>
-              <a:rPr lang="zh-CN" altLang="en-US" sz="1600" b="1" dirty="0">
+              <a:t>约    束：</a:t>
+            </a:r>
+            <a:r>
+              <a:rPr lang="zh-CN" altLang="en-US" b="1" dirty="0">
                 <a:solidFill>
                   <a:srgbClr val="0066FF"/>
                 </a:solidFill>
                 <a:latin typeface="微软雅黑" pitchFamily="34" charset="-122"/>
                 <a:ea typeface="微软雅黑" pitchFamily="34" charset="-122"/>
               </a:rPr>
-              <a:t>跨容器，</a:t>
+              <a:t>无约束，</a:t>
             </a:r>
             <a:r>
               <a:rPr lang="zh-CN" altLang="en-US" sz="1500" dirty="0">
                 <a:latin typeface="微软雅黑" pitchFamily="34" charset="-122"/>
                 <a:ea typeface="微软雅黑" pitchFamily="34" charset="-122"/>
               </a:rPr>
-              <a:t>兼容业界主流的应用服务器（</a:t>
-            </a:r>
-            <a:r>
-              <a:rPr lang="en-US" altLang="zh-CN" sz="1500" dirty="0" err="1">
-                <a:latin typeface="微软雅黑" pitchFamily="34" charset="-122"/>
-                <a:ea typeface="微软雅黑" pitchFamily="34" charset="-122"/>
-              </a:rPr>
-              <a:t>tomcat,weblogic,webspere,jetty</a:t>
+              <a:t>无需</a:t>
+            </a:r>
+            <a:r>
+              <a:rPr lang="en-US" altLang="zh-CN" sz="1500" dirty="0">
+                <a:latin typeface="微软雅黑" pitchFamily="34" charset="-122"/>
+                <a:ea typeface="微软雅黑" pitchFamily="34" charset="-122"/>
+              </a:rPr>
+              <a:t>session sticking</a:t>
+            </a:r>
+            <a:r>
+              <a:rPr lang="zh-CN" altLang="en-US" sz="1500" dirty="0" smtClean="0">
+                <a:latin typeface="微软雅黑" pitchFamily="34" charset="-122"/>
+                <a:ea typeface="微软雅黑" pitchFamily="34" charset="-122"/>
+              </a:rPr>
+              <a:t>，客户端请求</a:t>
             </a:r>
             <a:r>
               <a:rPr lang="zh-CN" altLang="en-US" sz="1500" dirty="0">
                 <a:latin typeface="微软雅黑" pitchFamily="34" charset="-122"/>
                 <a:ea typeface="微软雅黑" pitchFamily="34" charset="-122"/>
               </a:rPr>
-              <a:t>）</a:t>
-            </a:r>
-            <a:endParaRPr lang="en-US" altLang="zh-CN" sz="1500" dirty="0">
-              <a:latin typeface="微软雅黑" pitchFamily="34" charset="-122"/>
-              <a:ea typeface="微软雅黑" pitchFamily="34" charset="-122"/>
-            </a:endParaRPr>
-          </a:p>
-          <a:p>
-            <a:pPr eaLnBrk="1" hangingPunct="1">
-              <a:lnSpc>
-                <a:spcPct val="114000"/>
-              </a:lnSpc>
-            </a:pPr>
-            <a:r>
-              <a:rPr lang="zh-CN" altLang="en-US" b="1" dirty="0">
-                <a:latin typeface="微软雅黑" pitchFamily="34" charset="-122"/>
-                <a:ea typeface="微软雅黑" pitchFamily="34" charset="-122"/>
-              </a:rPr>
-              <a:t>约    束：</a:t>
-            </a:r>
-            <a:r>
-              <a:rPr lang="zh-CN" altLang="en-US" b="1" dirty="0">
-                <a:solidFill>
-                  <a:srgbClr val="0066FF"/>
-                </a:solidFill>
-                <a:latin typeface="微软雅黑" pitchFamily="34" charset="-122"/>
-                <a:ea typeface="微软雅黑" pitchFamily="34" charset="-122"/>
-              </a:rPr>
-              <a:t>无约束，</a:t>
+              <a:t>可以平均分派给各集群节点，</a:t>
+            </a:r>
+            <a:r>
+              <a:rPr lang="zh-CN" altLang="en-US" sz="1500" dirty="0" smtClean="0">
+                <a:latin typeface="微软雅黑" pitchFamily="34" charset="-122"/>
+                <a:ea typeface="微软雅黑" pitchFamily="34" charset="-122"/>
+              </a:rPr>
+              <a:t>支持</a:t>
+            </a:r>
+            <a:r>
+              <a:rPr lang="en-US" altLang="zh-CN" sz="1500" dirty="0" smtClean="0">
+                <a:latin typeface="微软雅黑" pitchFamily="34" charset="-122"/>
+                <a:ea typeface="微软雅黑" pitchFamily="34" charset="-122"/>
+              </a:rPr>
+              <a:t>	</a:t>
+            </a:r>
+            <a:r>
+              <a:rPr lang="en-US" altLang="zh-CN" sz="1500" dirty="0" err="1" smtClean="0">
+                <a:latin typeface="微软雅黑" pitchFamily="34" charset="-122"/>
+                <a:ea typeface="微软雅黑" pitchFamily="34" charset="-122"/>
+              </a:rPr>
+              <a:t>lvs,haproxy</a:t>
+            </a:r>
+            <a:r>
+              <a:rPr lang="zh-CN" altLang="en-US" sz="1500" dirty="0" smtClean="0">
+                <a:latin typeface="微软雅黑" pitchFamily="34" charset="-122"/>
+                <a:ea typeface="微软雅黑" pitchFamily="34" charset="-122"/>
+              </a:rPr>
+              <a:t>，</a:t>
+            </a:r>
+            <a:r>
+              <a:rPr lang="en-US" altLang="zh-CN" sz="1500" dirty="0" err="1" smtClean="0">
+                <a:latin typeface="微软雅黑" pitchFamily="34" charset="-122"/>
+                <a:ea typeface="微软雅黑" pitchFamily="34" charset="-122"/>
+              </a:rPr>
+              <a:t>ngix</a:t>
+            </a:r>
+            <a:r>
+              <a:rPr lang="en-US" altLang="zh-CN" sz="1500" dirty="0" smtClean="0">
+                <a:latin typeface="微软雅黑" pitchFamily="34" charset="-122"/>
+                <a:ea typeface="微软雅黑" pitchFamily="34" charset="-122"/>
+              </a:rPr>
+              <a:t> </a:t>
+            </a:r>
+            <a:r>
+              <a:rPr lang="en-US" altLang="zh-CN" sz="1500" dirty="0">
+                <a:latin typeface="微软雅黑" pitchFamily="34" charset="-122"/>
+                <a:ea typeface="微软雅黑" pitchFamily="34" charset="-122"/>
+              </a:rPr>
+              <a:t>4,7</a:t>
             </a:r>
             <a:r>
               <a:rPr lang="zh-CN" altLang="en-US" sz="1500" dirty="0">
                 <a:latin typeface="微软雅黑" pitchFamily="34" charset="-122"/>
                 <a:ea typeface="微软雅黑" pitchFamily="34" charset="-122"/>
               </a:rPr>
-              <a:t>无需</a:t>
-            </a:r>
-            <a:r>
-              <a:rPr lang="en-US" altLang="zh-CN" sz="1500" dirty="0">
-                <a:latin typeface="微软雅黑" pitchFamily="34" charset="-122"/>
-                <a:ea typeface="微软雅黑" pitchFamily="34" charset="-122"/>
-              </a:rPr>
-              <a:t>session sticking</a:t>
-            </a:r>
-            <a:r>
-              <a:rPr lang="zh-CN" altLang="en-US" sz="1500" dirty="0">
-                <a:latin typeface="微软雅黑" pitchFamily="34" charset="-122"/>
-                <a:ea typeface="微软雅黑" pitchFamily="34" charset="-122"/>
-              </a:rPr>
-              <a:t>，访问请求可以平均分派给各集群节点，</a:t>
+              <a:t>层</a:t>
             </a:r>
             <a:r>
               <a:rPr lang="zh-CN" altLang="en-US" sz="1500" dirty="0" smtClean="0">
                 <a:latin typeface="微软雅黑" pitchFamily="34" charset="-122"/>
                 <a:ea typeface="微软雅黑" pitchFamily="34" charset="-122"/>
               </a:rPr>
-              <a:t>支持</a:t>
-            </a:r>
-            <a:r>
-              <a:rPr lang="en-US" altLang="zh-CN" sz="1500" dirty="0" smtClean="0">
-                <a:latin typeface="微软雅黑" pitchFamily="34" charset="-122"/>
-                <a:ea typeface="微软雅黑" pitchFamily="34" charset="-122"/>
-              </a:rPr>
-              <a:t>	</a:t>
-            </a:r>
-            <a:r>
-              <a:rPr lang="en-US" altLang="zh-CN" sz="1500" dirty="0" err="1" smtClean="0">
-                <a:latin typeface="微软雅黑" pitchFamily="34" charset="-122"/>
-                <a:ea typeface="微软雅黑" pitchFamily="34" charset="-122"/>
-              </a:rPr>
-              <a:t>lvs,haproxy</a:t>
-            </a:r>
-            <a:r>
-              <a:rPr lang="zh-CN" altLang="en-US" sz="1500" dirty="0" smtClean="0">
-                <a:latin typeface="微软雅黑" pitchFamily="34" charset="-122"/>
-                <a:ea typeface="微软雅黑" pitchFamily="34" charset="-122"/>
-              </a:rPr>
-              <a:t>，</a:t>
-            </a:r>
-            <a:r>
-              <a:rPr lang="en-US" altLang="zh-CN" sz="1500" dirty="0" err="1" smtClean="0">
-                <a:latin typeface="微软雅黑" pitchFamily="34" charset="-122"/>
-                <a:ea typeface="微软雅黑" pitchFamily="34" charset="-122"/>
-              </a:rPr>
-              <a:t>ngix</a:t>
-            </a:r>
-            <a:r>
-              <a:rPr lang="en-US" altLang="zh-CN" sz="1500" dirty="0" smtClean="0">
-                <a:latin typeface="微软雅黑" pitchFamily="34" charset="-122"/>
-                <a:ea typeface="微软雅黑" pitchFamily="34" charset="-122"/>
-              </a:rPr>
-              <a:t> </a:t>
-            </a:r>
-            <a:r>
-              <a:rPr lang="en-US" altLang="zh-CN" sz="1500" dirty="0">
-                <a:latin typeface="微软雅黑" pitchFamily="34" charset="-122"/>
-                <a:ea typeface="微软雅黑" pitchFamily="34" charset="-122"/>
-              </a:rPr>
-              <a:t>4,7</a:t>
-            </a:r>
-            <a:r>
-              <a:rPr lang="zh-CN" altLang="en-US" sz="1500" dirty="0">
-                <a:latin typeface="微软雅黑" pitchFamily="34" charset="-122"/>
-                <a:ea typeface="微软雅黑" pitchFamily="34" charset="-122"/>
-              </a:rPr>
-              <a:t>层</a:t>
-            </a:r>
-            <a:r>
-              <a:rPr lang="zh-CN" altLang="en-US" sz="1500" dirty="0" smtClean="0">
-                <a:latin typeface="微软雅黑" pitchFamily="34" charset="-122"/>
-                <a:ea typeface="微软雅黑" pitchFamily="34" charset="-122"/>
-              </a:rPr>
-              <a:t>负载。如果修改</a:t>
-            </a:r>
-            <a:r>
-              <a:rPr lang="en-US" altLang="zh-CN" sz="1500" dirty="0" smtClean="0">
-                <a:latin typeface="微软雅黑" pitchFamily="34" charset="-122"/>
-                <a:ea typeface="微软雅黑" pitchFamily="34" charset="-122"/>
-              </a:rPr>
-              <a:t>session</a:t>
-            </a:r>
-            <a:r>
-              <a:rPr lang="zh-CN" altLang="en-US" sz="1500" dirty="0" smtClean="0">
-                <a:latin typeface="微软雅黑" pitchFamily="34" charset="-122"/>
-                <a:ea typeface="微软雅黑" pitchFamily="34" charset="-122"/>
-              </a:rPr>
-              <a:t>中属性对象中的属性，必须调用</a:t>
-            </a:r>
-            <a:r>
-              <a:rPr lang="en-US" altLang="zh-CN" sz="1500" dirty="0" smtClean="0">
-                <a:latin typeface="微软雅黑" pitchFamily="34" charset="-122"/>
-                <a:ea typeface="微软雅黑" pitchFamily="34" charset="-122"/>
-              </a:rPr>
-              <a:t>	</a:t>
-            </a:r>
-            <a:r>
-              <a:rPr lang="en-US" altLang="zh-CN" sz="1500" dirty="0" err="1" smtClean="0">
-                <a:latin typeface="微软雅黑" pitchFamily="34" charset="-122"/>
-                <a:ea typeface="微软雅黑" pitchFamily="34" charset="-122"/>
-              </a:rPr>
-              <a:t>session.setAttribute</a:t>
-            </a:r>
-            <a:r>
-              <a:rPr lang="zh-CN" altLang="en-US" sz="1500" dirty="0" smtClean="0">
-                <a:latin typeface="微软雅黑" pitchFamily="34" charset="-122"/>
-                <a:ea typeface="微软雅黑" pitchFamily="34" charset="-122"/>
-              </a:rPr>
-              <a:t>重新将对象到设置到</a:t>
-            </a:r>
-            <a:r>
-              <a:rPr lang="en-US" altLang="zh-CN" sz="1500" dirty="0" smtClean="0">
-                <a:latin typeface="微软雅黑" pitchFamily="34" charset="-122"/>
-                <a:ea typeface="微软雅黑" pitchFamily="34" charset="-122"/>
-              </a:rPr>
-              <a:t>session</a:t>
-            </a:r>
-            <a:r>
-              <a:rPr lang="zh-CN" altLang="en-US" sz="1500" dirty="0" smtClean="0">
-                <a:latin typeface="微软雅黑" pitchFamily="34" charset="-122"/>
-                <a:ea typeface="微软雅黑" pitchFamily="34" charset="-122"/>
-              </a:rPr>
-              <a:t>中，以便将修改存储到</a:t>
-            </a:r>
-            <a:r>
-              <a:rPr lang="en-US" altLang="zh-CN" sz="1500" dirty="0" err="1" smtClean="0">
-                <a:latin typeface="微软雅黑" pitchFamily="34" charset="-122"/>
-                <a:ea typeface="微软雅黑" pitchFamily="34" charset="-122"/>
-              </a:rPr>
-              <a:t>mongodb</a:t>
-            </a:r>
-            <a:r>
-              <a:rPr lang="zh-CN" altLang="en-US" sz="1500" dirty="0" smtClean="0">
-                <a:latin typeface="微软雅黑" pitchFamily="34" charset="-122"/>
-                <a:ea typeface="微软雅黑" pitchFamily="34" charset="-122"/>
-              </a:rPr>
-              <a:t>中。</a:t>
-            </a:r>
-            <a:endParaRPr lang="en-US" altLang="zh-CN" sz="1500" dirty="0">
-              <a:latin typeface="微软雅黑" pitchFamily="34" charset="-122"/>
-              <a:ea typeface="微软雅黑" pitchFamily="34" charset="-122"/>
-            </a:endParaRPr>
-          </a:p>
-          <a:p>
-            <a:pPr eaLnBrk="1" hangingPunct="1">
-              <a:lnSpc>
-                <a:spcPct val="114000"/>
-              </a:lnSpc>
-            </a:pPr>
-            <a:r>
-              <a:rPr lang="zh-CN" altLang="en-US" b="1" dirty="0">
-                <a:latin typeface="微软雅黑" pitchFamily="34" charset="-122"/>
-                <a:ea typeface="微软雅黑" pitchFamily="34" charset="-122"/>
-              </a:rPr>
-              <a:t>安全性：</a:t>
-            </a:r>
-            <a:r>
-              <a:rPr lang="zh-CN" altLang="en-US" sz="1500" dirty="0">
-                <a:latin typeface="微软雅黑" pitchFamily="34" charset="-122"/>
-                <a:ea typeface="微软雅黑" pitchFamily="34" charset="-122"/>
-              </a:rPr>
-              <a:t>客户端基于</a:t>
-            </a:r>
-            <a:r>
-              <a:rPr lang="en-US" altLang="zh-CN" sz="1500" dirty="0">
-                <a:latin typeface="微软雅黑" pitchFamily="34" charset="-122"/>
-                <a:ea typeface="微软雅黑" pitchFamily="34" charset="-122"/>
-              </a:rPr>
-              <a:t>cookie</a:t>
-            </a:r>
-            <a:r>
-              <a:rPr lang="zh-CN" altLang="en-US" sz="1500" dirty="0">
-                <a:latin typeface="微软雅黑" pitchFamily="34" charset="-122"/>
-                <a:ea typeface="微软雅黑" pitchFamily="34" charset="-122"/>
-              </a:rPr>
-              <a:t>机制存储</a:t>
-            </a:r>
-            <a:r>
-              <a:rPr lang="en-US" altLang="zh-CN" sz="1500" dirty="0" err="1">
-                <a:latin typeface="微软雅黑" pitchFamily="34" charset="-122"/>
-                <a:ea typeface="微软雅黑" pitchFamily="34" charset="-122"/>
-              </a:rPr>
-              <a:t>sessionid</a:t>
-            </a:r>
-            <a:r>
-              <a:rPr lang="zh-CN" altLang="en-US" sz="1500" dirty="0">
-                <a:latin typeface="微软雅黑" pitchFamily="34" charset="-122"/>
-                <a:ea typeface="微软雅黑" pitchFamily="34" charset="-122"/>
-              </a:rPr>
-              <a:t>，通过设置</a:t>
-            </a:r>
-            <a:r>
-              <a:rPr lang="en-US" altLang="zh-CN" sz="1500" dirty="0">
-                <a:latin typeface="微软雅黑" pitchFamily="34" charset="-122"/>
-                <a:ea typeface="微软雅黑" pitchFamily="34" charset="-122"/>
-              </a:rPr>
-              <a:t>cookie </a:t>
-            </a:r>
-            <a:r>
-              <a:rPr lang="en-US" altLang="zh-CN" sz="2400" b="1" dirty="0" err="1">
-                <a:solidFill>
-                  <a:srgbClr val="0066FF"/>
-                </a:solidFill>
-                <a:latin typeface="微软雅黑" pitchFamily="34" charset="-122"/>
-                <a:ea typeface="微软雅黑" pitchFamily="34" charset="-122"/>
-              </a:rPr>
-              <a:t>httponly</a:t>
-            </a:r>
-            <a:r>
-              <a:rPr lang="zh-CN" altLang="en-US" sz="1500" dirty="0">
-                <a:latin typeface="微软雅黑" pitchFamily="34" charset="-122"/>
-                <a:ea typeface="微软雅黑" pitchFamily="34" charset="-122"/>
-              </a:rPr>
-              <a:t>属性阻止</a:t>
-            </a:r>
-            <a:r>
-              <a:rPr lang="en-US" altLang="zh-CN" sz="1500" dirty="0">
-                <a:latin typeface="微软雅黑" pitchFamily="34" charset="-122"/>
-                <a:ea typeface="微软雅黑" pitchFamily="34" charset="-122"/>
-              </a:rPr>
-              <a:t>XSS</a:t>
-            </a:r>
-            <a:r>
-              <a:rPr lang="zh-CN" altLang="en-US" sz="1500" dirty="0" smtClean="0">
-                <a:latin typeface="微软雅黑" pitchFamily="34" charset="-122"/>
-                <a:ea typeface="微软雅黑" pitchFamily="34" charset="-122"/>
-              </a:rPr>
-              <a:t>窃</a:t>
-            </a:r>
-            <a:r>
-              <a:rPr lang="en-US" altLang="zh-CN" sz="1500" dirty="0" smtClean="0">
-                <a:latin typeface="微软雅黑" pitchFamily="34" charset="-122"/>
-                <a:ea typeface="微软雅黑" pitchFamily="34" charset="-122"/>
-              </a:rPr>
-              <a:t>	</a:t>
-            </a:r>
-            <a:r>
-              <a:rPr lang="zh-CN" altLang="en-US" sz="1500" dirty="0" smtClean="0">
-                <a:latin typeface="微软雅黑" pitchFamily="34" charset="-122"/>
-                <a:ea typeface="微软雅黑" pitchFamily="34" charset="-122"/>
-              </a:rPr>
-              <a:t>取</a:t>
-            </a:r>
-            <a:r>
-              <a:rPr lang="en-US" altLang="zh-CN" sz="1500" dirty="0" err="1" smtClean="0">
-                <a:latin typeface="微软雅黑" pitchFamily="34" charset="-122"/>
-                <a:ea typeface="微软雅黑" pitchFamily="34" charset="-122"/>
-              </a:rPr>
-              <a:t>sessionid</a:t>
-            </a:r>
-            <a:r>
-              <a:rPr lang="zh-CN" altLang="en-US" sz="1500" dirty="0">
-                <a:latin typeface="微软雅黑" pitchFamily="34" charset="-122"/>
-                <a:ea typeface="微软雅黑" pitchFamily="34" charset="-122"/>
-              </a:rPr>
-              <a:t>，通过设置</a:t>
-            </a:r>
-            <a:r>
-              <a:rPr lang="en-US" altLang="zh-CN" sz="2400" b="1" dirty="0">
-                <a:solidFill>
-                  <a:srgbClr val="0066FF"/>
-                </a:solidFill>
-                <a:latin typeface="微软雅黑" pitchFamily="34" charset="-122"/>
-                <a:ea typeface="微软雅黑" pitchFamily="34" charset="-122"/>
-              </a:rPr>
-              <a:t>secure</a:t>
-            </a:r>
-            <a:r>
-              <a:rPr lang="zh-CN" altLang="en-US" sz="1500" dirty="0">
-                <a:latin typeface="微软雅黑" pitchFamily="34" charset="-122"/>
-                <a:ea typeface="微软雅黑" pitchFamily="34" charset="-122"/>
-              </a:rPr>
-              <a:t>属性并结合</a:t>
-            </a:r>
-            <a:r>
-              <a:rPr lang="en-US" altLang="zh-CN" sz="1500" dirty="0">
-                <a:latin typeface="微软雅黑" pitchFamily="34" charset="-122"/>
-                <a:ea typeface="微软雅黑" pitchFamily="34" charset="-122"/>
-              </a:rPr>
-              <a:t>https</a:t>
-            </a:r>
-            <a:r>
-              <a:rPr lang="zh-CN" altLang="en-US" sz="1500" dirty="0">
-                <a:latin typeface="微软雅黑" pitchFamily="34" charset="-122"/>
-                <a:ea typeface="微软雅黑" pitchFamily="34" charset="-122"/>
-              </a:rPr>
-              <a:t>阻止传输过程中</a:t>
-            </a:r>
-            <a:r>
-              <a:rPr lang="en-US" altLang="zh-CN" sz="1500" dirty="0" err="1">
-                <a:latin typeface="微软雅黑" pitchFamily="34" charset="-122"/>
-                <a:ea typeface="微软雅黑" pitchFamily="34" charset="-122"/>
-              </a:rPr>
-              <a:t>sessionid</a:t>
-            </a:r>
-            <a:r>
-              <a:rPr lang="zh-CN" altLang="en-US" sz="1500" dirty="0">
-                <a:latin typeface="微软雅黑" pitchFamily="34" charset="-122"/>
-                <a:ea typeface="微软雅黑" pitchFamily="34" charset="-122"/>
-              </a:rPr>
-              <a:t>被窃取</a:t>
-            </a:r>
-            <a:endParaRPr lang="en-US" altLang="zh-CN" sz="1500" dirty="0">
-              <a:latin typeface="微软雅黑" pitchFamily="34" charset="-122"/>
-              <a:ea typeface="微软雅黑" pitchFamily="34" charset="-122"/>
-            </a:endParaRPr>
-          </a:p>
-          <a:p>
-            <a:pPr eaLnBrk="1" hangingPunct="1">
-              <a:lnSpc>
-                <a:spcPct val="114000"/>
-              </a:lnSpc>
-            </a:pPr>
-            <a:r>
-              <a:rPr lang="zh-CN" altLang="en-US" b="1" dirty="0">
-                <a:latin typeface="微软雅黑" pitchFamily="34" charset="-122"/>
-                <a:ea typeface="微软雅黑" pitchFamily="34" charset="-122"/>
-              </a:rPr>
-              <a:t>监    管：</a:t>
-            </a:r>
-            <a:r>
-              <a:rPr lang="en-US" altLang="zh-CN" sz="1500" dirty="0">
-                <a:latin typeface="微软雅黑" pitchFamily="34" charset="-122"/>
-                <a:ea typeface="微软雅黑" pitchFamily="34" charset="-122"/>
-              </a:rPr>
-              <a:t>session</a:t>
-            </a:r>
-            <a:r>
-              <a:rPr lang="zh-CN" altLang="en-US" sz="1500" dirty="0">
-                <a:latin typeface="微软雅黑" pitchFamily="34" charset="-122"/>
-                <a:ea typeface="微软雅黑" pitchFamily="34" charset="-122"/>
-              </a:rPr>
-              <a:t>信息统计查询</a:t>
-            </a:r>
-            <a:r>
-              <a:rPr lang="en-US" altLang="zh-CN" sz="1500" dirty="0">
-                <a:latin typeface="微软雅黑" pitchFamily="34" charset="-122"/>
-                <a:ea typeface="微软雅黑" pitchFamily="34" charset="-122"/>
-              </a:rPr>
-              <a:t>,</a:t>
-            </a:r>
-            <a:r>
-              <a:rPr lang="zh-CN" altLang="en-US" sz="1500" dirty="0">
-                <a:latin typeface="微软雅黑" pitchFamily="34" charset="-122"/>
-                <a:ea typeface="微软雅黑" pitchFamily="34" charset="-122"/>
-              </a:rPr>
-              <a:t> 应用在线用户数统计查询，应用会话管理功能（包括删除会话、</a:t>
-            </a:r>
-            <a:r>
-              <a:rPr lang="en-US" altLang="zh-CN" sz="1500" dirty="0">
-                <a:latin typeface="微软雅黑" pitchFamily="34" charset="-122"/>
-                <a:ea typeface="微软雅黑" pitchFamily="34" charset="-122"/>
-              </a:rPr>
-              <a:t>	</a:t>
-            </a:r>
-            <a:r>
-              <a:rPr lang="zh-CN" altLang="en-US" sz="1500" dirty="0">
-                <a:latin typeface="微软雅黑" pitchFamily="34" charset="-122"/>
-                <a:ea typeface="微软雅黑" pitchFamily="34" charset="-122"/>
-              </a:rPr>
-              <a:t>查看会话属性数据</a:t>
-            </a:r>
-            <a:r>
-              <a:rPr lang="zh-CN" altLang="en-US" sz="1500" dirty="0" smtClean="0">
-                <a:latin typeface="微软雅黑" pitchFamily="34" charset="-122"/>
-                <a:ea typeface="微软雅黑" pitchFamily="34" charset="-122"/>
-              </a:rPr>
-              <a:t>）</a:t>
+              <a:t>负载。</a:t>
             </a:r>
             <a:endParaRPr lang="en-US" altLang="zh-CN" sz="1500" dirty="0" smtClean="0">
               <a:latin typeface="微软雅黑" pitchFamily="34" charset="-122"/>
@@ -36903,8 +36938,8 @@
         </p:nvSpPr>
         <p:spPr bwMode="auto">
           <a:xfrm>
-            <a:off x="285750" y="1512888"/>
-            <a:ext cx="8572500" cy="4092211"/>
+            <a:off x="285750" y="1412776"/>
+            <a:ext cx="8572500" cy="5250092"/>
           </a:xfrm>
           <a:prstGeom prst="rect">
             <a:avLst/>
@@ -37055,7 +37090,253 @@
                 <a:latin typeface="微软雅黑" pitchFamily="34" charset="-122"/>
                 <a:ea typeface="微软雅黑" pitchFamily="34" charset="-122"/>
               </a:rPr>
-              <a:t>高    阶</a:t>
+              <a:t>安全性：</a:t>
+            </a:r>
+            <a:r>
+              <a:rPr lang="zh-CN" altLang="en-US" sz="1500" dirty="0">
+                <a:latin typeface="微软雅黑" pitchFamily="34" charset="-122"/>
+                <a:ea typeface="微软雅黑" pitchFamily="34" charset="-122"/>
+              </a:rPr>
+              <a:t>客户端基于</a:t>
+            </a:r>
+            <a:r>
+              <a:rPr lang="en-US" altLang="zh-CN" sz="1500" dirty="0">
+                <a:latin typeface="微软雅黑" pitchFamily="34" charset="-122"/>
+                <a:ea typeface="微软雅黑" pitchFamily="34" charset="-122"/>
+              </a:rPr>
+              <a:t>cookie</a:t>
+            </a:r>
+            <a:r>
+              <a:rPr lang="zh-CN" altLang="en-US" sz="1500" dirty="0">
+                <a:latin typeface="微软雅黑" pitchFamily="34" charset="-122"/>
+                <a:ea typeface="微软雅黑" pitchFamily="34" charset="-122"/>
+              </a:rPr>
+              <a:t>机制存储</a:t>
+            </a:r>
+            <a:r>
+              <a:rPr lang="en-US" altLang="zh-CN" sz="1500" dirty="0" err="1">
+                <a:latin typeface="微软雅黑" pitchFamily="34" charset="-122"/>
+                <a:ea typeface="微软雅黑" pitchFamily="34" charset="-122"/>
+              </a:rPr>
+              <a:t>sessionid</a:t>
+            </a:r>
+            <a:r>
+              <a:rPr lang="zh-CN" altLang="en-US" sz="1500" dirty="0">
+                <a:latin typeface="微软雅黑" pitchFamily="34" charset="-122"/>
+                <a:ea typeface="微软雅黑" pitchFamily="34" charset="-122"/>
+              </a:rPr>
+              <a:t>，通过设置</a:t>
+            </a:r>
+            <a:r>
+              <a:rPr lang="en-US" altLang="zh-CN" sz="1500" dirty="0">
+                <a:latin typeface="微软雅黑" pitchFamily="34" charset="-122"/>
+                <a:ea typeface="微软雅黑" pitchFamily="34" charset="-122"/>
+              </a:rPr>
+              <a:t>cookie </a:t>
+            </a:r>
+            <a:r>
+              <a:rPr lang="en-US" altLang="zh-CN" sz="1500" dirty="0" err="1">
+                <a:latin typeface="微软雅黑" pitchFamily="34" charset="-122"/>
+                <a:ea typeface="微软雅黑" pitchFamily="34" charset="-122"/>
+              </a:rPr>
+              <a:t>httponly</a:t>
+            </a:r>
+            <a:r>
+              <a:rPr lang="zh-CN" altLang="en-US" sz="1500" dirty="0">
+                <a:latin typeface="微软雅黑" pitchFamily="34" charset="-122"/>
+                <a:ea typeface="微软雅黑" pitchFamily="34" charset="-122"/>
+              </a:rPr>
+              <a:t>属性阻止</a:t>
+            </a:r>
+            <a:r>
+              <a:rPr lang="en-US" altLang="zh-CN" sz="1500" dirty="0">
+                <a:latin typeface="微软雅黑" pitchFamily="34" charset="-122"/>
+                <a:ea typeface="微软雅黑" pitchFamily="34" charset="-122"/>
+              </a:rPr>
+              <a:t>XSS</a:t>
+            </a:r>
+            <a:r>
+              <a:rPr lang="zh-CN" altLang="en-US" sz="1500" dirty="0">
+                <a:latin typeface="微软雅黑" pitchFamily="34" charset="-122"/>
+                <a:ea typeface="微软雅黑" pitchFamily="34" charset="-122"/>
+              </a:rPr>
+              <a:t>窃</a:t>
+            </a:r>
+            <a:r>
+              <a:rPr lang="en-US" altLang="zh-CN" sz="1500" dirty="0">
+                <a:latin typeface="微软雅黑" pitchFamily="34" charset="-122"/>
+                <a:ea typeface="微软雅黑" pitchFamily="34" charset="-122"/>
+              </a:rPr>
+              <a:t>	</a:t>
+            </a:r>
+            <a:r>
+              <a:rPr lang="zh-CN" altLang="en-US" sz="1500" dirty="0">
+                <a:latin typeface="微软雅黑" pitchFamily="34" charset="-122"/>
+                <a:ea typeface="微软雅黑" pitchFamily="34" charset="-122"/>
+              </a:rPr>
+              <a:t>取</a:t>
+            </a:r>
+            <a:r>
+              <a:rPr lang="en-US" altLang="zh-CN" sz="1500" dirty="0" err="1">
+                <a:latin typeface="微软雅黑" pitchFamily="34" charset="-122"/>
+                <a:ea typeface="微软雅黑" pitchFamily="34" charset="-122"/>
+              </a:rPr>
+              <a:t>sessionid</a:t>
+            </a:r>
+            <a:r>
+              <a:rPr lang="zh-CN" altLang="en-US" sz="1500" dirty="0">
+                <a:latin typeface="微软雅黑" pitchFamily="34" charset="-122"/>
+                <a:ea typeface="微软雅黑" pitchFamily="34" charset="-122"/>
+              </a:rPr>
+              <a:t>，通过设置</a:t>
+            </a:r>
+            <a:r>
+              <a:rPr lang="en-US" altLang="zh-CN" sz="1500" dirty="0">
+                <a:latin typeface="微软雅黑" pitchFamily="34" charset="-122"/>
+                <a:ea typeface="微软雅黑" pitchFamily="34" charset="-122"/>
+              </a:rPr>
+              <a:t>secure</a:t>
+            </a:r>
+            <a:r>
+              <a:rPr lang="zh-CN" altLang="en-US" sz="1500" dirty="0">
+                <a:latin typeface="微软雅黑" pitchFamily="34" charset="-122"/>
+                <a:ea typeface="微软雅黑" pitchFamily="34" charset="-122"/>
+              </a:rPr>
+              <a:t>属性并结合</a:t>
+            </a:r>
+            <a:r>
+              <a:rPr lang="en-US" altLang="zh-CN" sz="1500" dirty="0">
+                <a:latin typeface="微软雅黑" pitchFamily="34" charset="-122"/>
+                <a:ea typeface="微软雅黑" pitchFamily="34" charset="-122"/>
+              </a:rPr>
+              <a:t>https</a:t>
+            </a:r>
+            <a:r>
+              <a:rPr lang="zh-CN" altLang="en-US" sz="1500" dirty="0">
+                <a:latin typeface="微软雅黑" pitchFamily="34" charset="-122"/>
+                <a:ea typeface="微软雅黑" pitchFamily="34" charset="-122"/>
+              </a:rPr>
+              <a:t>阻止传输过程中</a:t>
+            </a:r>
+            <a:r>
+              <a:rPr lang="en-US" altLang="zh-CN" sz="1500" dirty="0" err="1">
+                <a:latin typeface="微软雅黑" pitchFamily="34" charset="-122"/>
+                <a:ea typeface="微软雅黑" pitchFamily="34" charset="-122"/>
+              </a:rPr>
+              <a:t>sessionid</a:t>
+            </a:r>
+            <a:r>
+              <a:rPr lang="zh-CN" altLang="en-US" sz="1500" dirty="0">
+                <a:latin typeface="微软雅黑" pitchFamily="34" charset="-122"/>
+                <a:ea typeface="微软雅黑" pitchFamily="34" charset="-122"/>
+              </a:rPr>
+              <a:t>被窃取</a:t>
+            </a:r>
+            <a:endParaRPr lang="en-US" altLang="zh-CN" sz="1500" dirty="0">
+              <a:latin typeface="微软雅黑" pitchFamily="34" charset="-122"/>
+              <a:ea typeface="微软雅黑" pitchFamily="34" charset="-122"/>
+            </a:endParaRPr>
+          </a:p>
+          <a:p>
+            <a:pPr eaLnBrk="1" hangingPunct="1">
+              <a:lnSpc>
+                <a:spcPct val="114000"/>
+              </a:lnSpc>
+            </a:pPr>
+            <a:r>
+              <a:rPr lang="zh-CN" altLang="en-US" b="1" dirty="0" smtClean="0">
+                <a:latin typeface="微软雅黑" pitchFamily="34" charset="-122"/>
+                <a:ea typeface="微软雅黑" pitchFamily="34" charset="-122"/>
+              </a:rPr>
+              <a:t>监    </a:t>
+            </a:r>
+            <a:r>
+              <a:rPr lang="zh-CN" altLang="en-US" b="1" dirty="0">
+                <a:latin typeface="微软雅黑" pitchFamily="34" charset="-122"/>
+                <a:ea typeface="微软雅黑" pitchFamily="34" charset="-122"/>
+              </a:rPr>
+              <a:t>管：</a:t>
+            </a:r>
+            <a:r>
+              <a:rPr lang="en-US" altLang="zh-CN" sz="1500" dirty="0">
+                <a:latin typeface="微软雅黑" pitchFamily="34" charset="-122"/>
+                <a:ea typeface="微软雅黑" pitchFamily="34" charset="-122"/>
+              </a:rPr>
+              <a:t>session</a:t>
+            </a:r>
+            <a:r>
+              <a:rPr lang="zh-CN" altLang="en-US" sz="1500" dirty="0">
+                <a:latin typeface="微软雅黑" pitchFamily="34" charset="-122"/>
+                <a:ea typeface="微软雅黑" pitchFamily="34" charset="-122"/>
+              </a:rPr>
+              <a:t>信息统计查询</a:t>
+            </a:r>
+            <a:r>
+              <a:rPr lang="en-US" altLang="zh-CN" sz="1500" dirty="0">
+                <a:latin typeface="微软雅黑" pitchFamily="34" charset="-122"/>
+                <a:ea typeface="微软雅黑" pitchFamily="34" charset="-122"/>
+              </a:rPr>
+              <a:t>,</a:t>
+            </a:r>
+            <a:r>
+              <a:rPr lang="zh-CN" altLang="en-US" sz="1500" dirty="0">
+                <a:latin typeface="微软雅黑" pitchFamily="34" charset="-122"/>
+                <a:ea typeface="微软雅黑" pitchFamily="34" charset="-122"/>
+              </a:rPr>
+              <a:t> 应用在线用户数统计查询，应用会话管理功能（包括删除会话</a:t>
+            </a:r>
+            <a:r>
+              <a:rPr lang="zh-CN" altLang="en-US" sz="1500" dirty="0" smtClean="0">
+                <a:latin typeface="微软雅黑" pitchFamily="34" charset="-122"/>
+                <a:ea typeface="微软雅黑" pitchFamily="34" charset="-122"/>
+              </a:rPr>
+              <a:t>、</a:t>
+            </a:r>
+            <a:r>
+              <a:rPr lang="en-US" altLang="zh-CN" sz="1500" dirty="0" smtClean="0">
+                <a:latin typeface="微软雅黑" pitchFamily="34" charset="-122"/>
+                <a:ea typeface="微软雅黑" pitchFamily="34" charset="-122"/>
+              </a:rPr>
+              <a:t>	</a:t>
+            </a:r>
+            <a:r>
+              <a:rPr lang="zh-CN" altLang="en-US" sz="1500" dirty="0" smtClean="0">
+                <a:latin typeface="微软雅黑" pitchFamily="34" charset="-122"/>
+                <a:ea typeface="微软雅黑" pitchFamily="34" charset="-122"/>
+              </a:rPr>
+              <a:t>查看</a:t>
+            </a:r>
+            <a:r>
+              <a:rPr lang="zh-CN" altLang="en-US" sz="1500" dirty="0">
+                <a:latin typeface="微软雅黑" pitchFamily="34" charset="-122"/>
+                <a:ea typeface="微软雅黑" pitchFamily="34" charset="-122"/>
+              </a:rPr>
+              <a:t>会话属性数据）</a:t>
+            </a:r>
+            <a:endParaRPr lang="en-US" altLang="zh-CN" sz="1500" dirty="0">
+              <a:latin typeface="微软雅黑" pitchFamily="34" charset="-122"/>
+              <a:ea typeface="微软雅黑" pitchFamily="34" charset="-122"/>
+            </a:endParaRPr>
+          </a:p>
+          <a:p>
+            <a:pPr eaLnBrk="1" hangingPunct="1">
+              <a:lnSpc>
+                <a:spcPct val="114000"/>
+              </a:lnSpc>
+            </a:pPr>
+            <a:r>
+              <a:rPr lang="zh-CN" altLang="en-US" b="1" dirty="0" smtClean="0">
+                <a:latin typeface="微软雅黑" pitchFamily="34" charset="-122"/>
+                <a:ea typeface="微软雅黑" pitchFamily="34" charset="-122"/>
+              </a:rPr>
+              <a:t>高    </a:t>
+            </a:r>
+            <a:r>
+              <a:rPr lang="zh-CN" altLang="en-US" b="1" dirty="0">
+                <a:latin typeface="微软雅黑" pitchFamily="34" charset="-122"/>
+                <a:ea typeface="微软雅黑" pitchFamily="34" charset="-122"/>
+              </a:rPr>
+              <a:t>阶</a:t>
             </a:r>
             <a:r>
               <a:rPr lang="zh-CN" altLang="en-US" b="1" dirty="0" smtClean="0">
@@ -37929,7 +38210,7 @@
         </p:nvSpPr>
         <p:spPr>
           <a:xfrm>
-            <a:off x="3203848" y="1976829"/>
+            <a:off x="3203848" y="2332635"/>
             <a:ext cx="2728985" cy="1600421"/>
           </a:xfrm>
           <a:prstGeom prst="rect">
@@ -38208,7 +38489,7 @@
         <p:spPr bwMode="auto">
           <a:xfrm>
             <a:off x="285750" y="1340768"/>
-            <a:ext cx="4286250" cy="408125"/>
+            <a:ext cx="8772524" cy="688843"/>
           </a:xfrm>
           <a:prstGeom prst="rect">
             <a:avLst/>
@@ -38387,7 +38668,49 @@
                 <a:latin typeface="微软雅黑" pitchFamily="34" charset="-122"/>
                 <a:ea typeface="微软雅黑" pitchFamily="34" charset="-122"/>
               </a:rPr>
-              <a:t>模式一起使用示意图</a:t>
+              <a:t>模式一起使用</a:t>
+            </a:r>
+            <a:r>
+              <a:rPr lang="zh-CN" altLang="en-US" sz="1500" dirty="0" smtClean="0">
+                <a:latin typeface="微软雅黑" pitchFamily="34" charset="-122"/>
+                <a:ea typeface="微软雅黑" pitchFamily="34" charset="-122"/>
+              </a:rPr>
+              <a:t>示意图</a:t>
+            </a:r>
+            <a:r>
+              <a:rPr lang="en-US" altLang="zh-CN" sz="1500" dirty="0" smtClean="0">
+                <a:latin typeface="微软雅黑" pitchFamily="34" charset="-122"/>
+                <a:ea typeface="微软雅黑" pitchFamily="34" charset="-122"/>
+              </a:rPr>
+              <a:t>(</a:t>
+            </a:r>
+            <a:r>
+              <a:rPr lang="zh-CN" altLang="zh-CN" sz="1600" b="1" dirty="0" smtClean="0"/>
+              <a:t>前提</a:t>
+            </a:r>
+            <a:r>
+              <a:rPr lang="en-US" altLang="zh-CN" sz="1600" b="1" dirty="0" smtClean="0"/>
+              <a:t>:</a:t>
+            </a:r>
+            <a:r>
+              <a:rPr lang="zh-CN" altLang="zh-CN" sz="1600" b="1" dirty="0" smtClean="0"/>
+              <a:t>应用</a:t>
+            </a:r>
+            <a:r>
+              <a:rPr lang="zh-CN" altLang="zh-CN" sz="1600" b="1" dirty="0"/>
+              <a:t>必须使用同一个域名或者都拥有相同的根域名，根域名不同的话可以使用</a:t>
+            </a:r>
+            <a:r>
+              <a:rPr lang="en-US" altLang="zh-CN" sz="1600" b="1" dirty="0" err="1"/>
+              <a:t>bboss</a:t>
+            </a:r>
+            <a:r>
+              <a:rPr lang="zh-CN" altLang="zh-CN" sz="1600" b="1" dirty="0"/>
+              <a:t>统一令牌系统实现跨根域系统之间的</a:t>
+            </a:r>
+            <a:r>
+              <a:rPr lang="en-US" altLang="zh-CN" sz="1600" b="1" dirty="0" smtClean="0"/>
+              <a:t>SSO)</a:t>
             </a:r>
             <a:endParaRPr lang="zh-CN" altLang="en-US" sz="1500" dirty="0">
               <a:latin typeface="微软雅黑" pitchFamily="34" charset="-122"/>
@@ -38807,7 +39130,7 @@
         </p:nvSpPr>
         <p:spPr>
           <a:xfrm>
-            <a:off x="4177100" y="2537803"/>
+            <a:off x="4177100" y="2893609"/>
             <a:ext cx="734714" cy="360040"/>
           </a:xfrm>
           <a:prstGeom prst="rect">
@@ -38856,7 +39179,7 @@
         </p:nvSpPr>
         <p:spPr>
           <a:xfrm>
-            <a:off x="4863371" y="2277999"/>
+            <a:off x="4863371" y="2633805"/>
             <a:ext cx="734714" cy="360040"/>
           </a:xfrm>
           <a:prstGeom prst="rect">
@@ -38905,7 +39228,7 @@
         </p:nvSpPr>
         <p:spPr>
           <a:xfrm>
-            <a:off x="4841541" y="2717823"/>
+            <a:off x="4841541" y="3073629"/>
             <a:ext cx="734714" cy="360040"/>
           </a:xfrm>
           <a:prstGeom prst="rect">
@@ -39227,7 +39550,7 @@
         </p:nvSpPr>
         <p:spPr>
           <a:xfrm>
-            <a:off x="3181042" y="2033781"/>
+            <a:off x="3181042" y="2348880"/>
             <a:ext cx="2903126" cy="276999"/>
           </a:xfrm>
           <a:prstGeom prst="rect">
@@ -39400,7 +39723,7 @@
         </p:nvSpPr>
         <p:spPr>
           <a:xfrm>
-            <a:off x="3365837" y="3115585"/>
+            <a:off x="3349107" y="3399383"/>
             <a:ext cx="2566995" cy="461665"/>
           </a:xfrm>
           <a:prstGeom prst="rect">
@@ -39579,8 +39902,8 @@
         </p:nvSpPr>
         <p:spPr>
           <a:xfrm>
-            <a:off x="2698911" y="3501007"/>
-            <a:ext cx="3561290" cy="2486695"/>
+            <a:off x="2698911" y="3861048"/>
+            <a:ext cx="3561290" cy="2126654"/>
           </a:xfrm>
           <a:prstGeom prst="triangle">
             <a:avLst>
@@ -39608,74 +39931,6 @@
           <a:bodyPr rtlCol="0" anchor="ctr"/>
           <a:lstStyle/>
           <a:p>
-            <a:r>
-              <a:rPr lang="zh-CN" altLang="en-US" sz="1200" dirty="0"/>
-              <a:t>跨应用跨</a:t>
-            </a:r>
-            <a:r>
-              <a:rPr lang="zh-CN" altLang="en-US" sz="1200" dirty="0" smtClean="0"/>
-              <a:t>域</a:t>
-            </a:r>
-            <a:r>
-              <a:rPr lang="en-US" altLang="zh-CN" sz="1200" dirty="0" smtClean="0"/>
-              <a:t>session</a:t>
-            </a:r>
-            <a:r>
-              <a:rPr lang="zh-CN" altLang="en-US" sz="1200" dirty="0"/>
-              <a:t>共享模式</a:t>
-            </a:r>
-            <a:r>
-              <a:rPr lang="en-US" altLang="zh-CN" sz="1200" dirty="0" smtClean="0"/>
-              <a:t>,</a:t>
-            </a:r>
-            <a:r>
-              <a:rPr lang="zh-CN" altLang="en-US" sz="1200" dirty="0" smtClean="0"/>
-              <a:t>通过存储在</a:t>
-            </a:r>
-            <a:r>
-              <a:rPr lang="en-US" altLang="zh-CN" sz="1200" dirty="0" smtClean="0"/>
-              <a:t>session</a:t>
-            </a:r>
-            <a:r>
-              <a:rPr lang="zh-CN" altLang="en-US" sz="1200" dirty="0"/>
-              <a:t>共享</a:t>
-            </a:r>
-            <a:r>
-              <a:rPr lang="zh-CN" altLang="en-US" sz="1200" dirty="0" smtClean="0"/>
-              <a:t>区的用户会话信息实现</a:t>
-            </a:r>
-            <a:r>
-              <a:rPr lang="en-US" altLang="zh-CN" sz="1200" dirty="0" smtClean="0"/>
-              <a:t>SSO</a:t>
-            </a:r>
-            <a:r>
-              <a:rPr lang="zh-CN" altLang="en-US" sz="1200" dirty="0" smtClean="0"/>
-              <a:t>，</a:t>
-            </a:r>
-            <a:r>
-              <a:rPr lang="zh-CN" altLang="en-US" sz="1200" dirty="0"/>
-              <a:t>私有区数据只对应用自己</a:t>
-            </a:r>
-            <a:r>
-              <a:rPr lang="zh-CN" altLang="en-US" sz="1200" dirty="0" smtClean="0"/>
-              <a:t>可见，可有效</a:t>
-            </a:r>
-            <a:r>
-              <a:rPr lang="zh-CN" altLang="en-US" sz="1200" dirty="0" smtClean="0"/>
-              <a:t>避免</a:t>
-            </a:r>
-            <a:r>
-              <a:rPr lang="zh-CN" altLang="en-US" sz="1200" dirty="0" smtClean="0"/>
-              <a:t>应用间会话</a:t>
-            </a:r>
-            <a:r>
-              <a:rPr lang="zh-CN" altLang="en-US" sz="1200" dirty="0" smtClean="0"/>
-              <a:t>数据</a:t>
-            </a:r>
-            <a:r>
-              <a:rPr lang="zh-CN" altLang="en-US" sz="1200" dirty="0" smtClean="0"/>
-              <a:t>冲突</a:t>
-            </a:r>
             <a:endParaRPr lang="zh-CN" altLang="en-US" sz="1200" dirty="0"/>
           </a:p>
         </p:txBody>
@@ -39688,7 +39943,7 @@
         </p:nvSpPr>
         <p:spPr>
           <a:xfrm>
-            <a:off x="3216555" y="1691516"/>
+            <a:off x="3216555" y="2047322"/>
             <a:ext cx="779381" cy="369332"/>
           </a:xfrm>
           <a:prstGeom prst="rect">
@@ -39818,6 +40073,136 @@
               <a:t>C</a:t>
             </a:r>
             <a:endParaRPr lang="zh-CN" altLang="en-US" dirty="0"/>
+          </a:p>
+        </p:txBody>
+      </p:sp>
+      <p:sp>
+        <p:nvSpPr>
+          <p:cNvPr id="43" name="矩形 42"/>
+          <p:cNvSpPr/>
+          <p:nvPr/>
+        </p:nvSpPr>
+        <p:spPr>
+          <a:xfrm>
+            <a:off x="3995936" y="4113427"/>
+            <a:ext cx="830997" cy="377775"/>
+          </a:xfrm>
+          <a:prstGeom prst="rect">
+            <a:avLst/>
+          </a:prstGeom>
+          <a:ln/>
+        </p:spPr>
+        <p:style>
+          <a:lnRef idx="2">
+            <a:schemeClr val="accent3"/>
+          </a:lnRef>
+          <a:fillRef idx="1">
+            <a:schemeClr val="lt1"/>
+          </a:fillRef>
+          <a:effectRef idx="0">
+            <a:schemeClr val="accent3"/>
+          </a:effectRef>
+          <a:fontRef idx="minor">
+            <a:schemeClr val="dk1"/>
+          </a:fontRef>
+        </p:style>
+        <p:txBody>
+          <a:bodyPr rtlCol="0" anchor="ctr"/>
+          <a:lstStyle/>
+          <a:p>
+            <a:pPr algn="ctr"/>
+            <a:r>
+              <a:rPr lang="en-US" altLang="zh-CN" sz="1200" b="1" dirty="0" smtClean="0">
+                <a:solidFill>
+                  <a:srgbClr val="EE0000"/>
+                </a:solidFill>
+              </a:rPr>
+              <a:t>SSO</a:t>
+            </a:r>
+            <a:endParaRPr lang="zh-CN" altLang="en-US" sz="1200" b="1" dirty="0">
+              <a:solidFill>
+                <a:srgbClr val="EE0000"/>
+              </a:solidFill>
+            </a:endParaRPr>
+          </a:p>
+        </p:txBody>
+      </p:sp>
+      <p:sp>
+        <p:nvSpPr>
+          <p:cNvPr id="7" name="TextBox 6"/>
+          <p:cNvSpPr txBox="1"/>
+          <p:nvPr/>
+        </p:nvSpPr>
+        <p:spPr>
+          <a:xfrm>
+            <a:off x="3563888" y="4581128"/>
+            <a:ext cx="1757843" cy="1384995"/>
+          </a:xfrm>
+          <a:prstGeom prst="rect">
+            <a:avLst/>
+          </a:prstGeom>
+        </p:spPr>
+        <p:style>
+          <a:lnRef idx="1">
+            <a:schemeClr val="accent4"/>
+          </a:lnRef>
+          <a:fillRef idx="3">
+            <a:schemeClr val="accent4"/>
+          </a:fillRef>
+          <a:effectRef idx="2">
+            <a:schemeClr val="accent4"/>
+          </a:effectRef>
+          <a:fontRef idx="minor">
+            <a:schemeClr val="lt1"/>
+          </a:fontRef>
+        </p:style>
+        <p:txBody>
+          <a:bodyPr wrap="square" rtlCol="0">
+            <a:spAutoFit/>
+          </a:bodyPr>
+          <a:lstStyle/>
+          <a:p>
+            <a:r>
+              <a:rPr lang="zh-CN" altLang="en-US" sz="1200" dirty="0"/>
+              <a:t>跨应用跨域</a:t>
+            </a:r>
+            <a:r>
+              <a:rPr lang="en-US" altLang="zh-CN" sz="1200" dirty="0"/>
+              <a:t>session</a:t>
+            </a:r>
+            <a:r>
+              <a:rPr lang="zh-CN" altLang="en-US" sz="1200" dirty="0"/>
+              <a:t>共享模式</a:t>
+            </a:r>
+            <a:r>
+              <a:rPr lang="en-US" altLang="zh-CN" sz="1200" dirty="0"/>
+              <a:t>,</a:t>
+            </a:r>
+            <a:r>
+              <a:rPr lang="zh-CN" altLang="en-US" sz="1200" dirty="0"/>
+              <a:t>通过存储在</a:t>
+            </a:r>
+            <a:r>
+              <a:rPr lang="en-US" altLang="zh-CN" sz="1200" dirty="0"/>
+              <a:t>session</a:t>
+            </a:r>
+            <a:r>
+              <a:rPr lang="zh-CN" altLang="en-US" sz="1200" dirty="0"/>
+              <a:t>共享区的用户会话信息实现</a:t>
+            </a:r>
+            <a:r>
+              <a:rPr lang="en-US" altLang="zh-CN" sz="1200" dirty="0"/>
+              <a:t>SSO</a:t>
+            </a:r>
+            <a:r>
+              <a:rPr lang="zh-CN" altLang="en-US" sz="1200" dirty="0"/>
+              <a:t>，私有区数据只对应用自己可见，可有效避免应用间会话数据冲突</a:t>
+            </a:r>
+            <a:r>
+              <a:rPr lang="zh-CN" altLang="en-US" sz="1200" dirty="0" smtClean="0"/>
+              <a:t>问题</a:t>
+            </a:r>
+            <a:endParaRPr lang="zh-CN" altLang="en-US" sz="1200" dirty="0"/>
           </a:p>
         </p:txBody>
       </p:sp>
@@ -40443,7 +40828,7 @@
               <a:defRPr/>
             </a:pPr>
             <a:r>
-              <a:rPr lang="en-US" altLang="zh-CN" sz="1200" dirty="0">
+              <a:rPr lang="en-US" altLang="zh-CN" sz="1200" dirty="0" smtClean="0">
                 <a:latin typeface="微软雅黑" pitchFamily="34" charset="-122"/>
                 <a:ea typeface="微软雅黑" pitchFamily="34" charset="-122"/>
               </a:rPr>
@@ -40454,7 +40839,7 @@
                 <a:latin typeface="微软雅黑" pitchFamily="34" charset="-122"/>
                 <a:ea typeface="微软雅黑" pitchFamily="34" charset="-122"/>
               </a:rPr>
-              <a:t>存储服务</a:t>
+              <a:t>监控管理服务</a:t>
             </a:r>
             <a:endParaRPr lang="zh-CN" altLang="en-US" sz="1200" dirty="0">
               <a:latin typeface="微软雅黑" pitchFamily="34" charset="-122"/>
@@ -40659,7 +41044,7 @@
         </p:nvSpPr>
         <p:spPr>
           <a:xfrm>
-            <a:off x="847725" y="2975677"/>
+            <a:off x="847725" y="2996952"/>
             <a:ext cx="1009650" cy="431800"/>
           </a:xfrm>
           <a:prstGeom prst="rect">
@@ -40841,7 +41226,7 @@
         <p:spPr>
           <a:xfrm flipV="1">
             <a:off x="1352550" y="2332739"/>
-            <a:ext cx="0" cy="642938"/>
+            <a:ext cx="1" cy="664213"/>
           </a:xfrm>
           <a:prstGeom prst="line">
             <a:avLst/>
@@ -41094,7 +41479,7 @@
           <a:p>
             <a:pPr eaLnBrk="1" hangingPunct="1"/>
             <a:r>
-              <a:rPr lang="en-US" altLang="zh-CN" sz="1200">
+              <a:rPr lang="en-US" altLang="zh-CN" sz="1200" dirty="0" err="1">
                 <a:solidFill>
                   <a:srgbClr val="00B050"/>
                 </a:solidFill>
@@ -41103,33 +41488,60 @@
               </a:rPr>
               <a:t>HttpSession</a:t>
             </a:r>
+            <a:endParaRPr lang="en-US" altLang="zh-CN" sz="1200" dirty="0">
+              <a:solidFill>
+                <a:srgbClr val="00B050"/>
+              </a:solidFill>
+              <a:latin typeface="微软雅黑" pitchFamily="34" charset="-122"/>
+              <a:ea typeface="微软雅黑" pitchFamily="34" charset="-122"/>
+            </a:endParaRPr>
           </a:p>
           <a:p>
             <a:pPr eaLnBrk="1" hangingPunct="1"/>
             <a:r>
-              <a:rPr lang="en-US" altLang="zh-CN" sz="1200">
+              <a:rPr lang="en-US" altLang="zh-CN" sz="1200" dirty="0" err="1">
                 <a:solidFill>
                   <a:srgbClr val="00B050"/>
                 </a:solidFill>
                 <a:latin typeface="微软雅黑" pitchFamily="34" charset="-122"/>
                 <a:ea typeface="微软雅黑" pitchFamily="34" charset="-122"/>
               </a:rPr>
-              <a:t>request.getSession()</a:t>
+              <a:t>request.getSession</a:t>
+            </a:r>
+            <a:r>
+              <a:rPr lang="en-US" altLang="zh-CN" sz="1200" dirty="0">
+                <a:solidFill>
+                  <a:srgbClr val="00B050"/>
+                </a:solidFill>
+                <a:latin typeface="微软雅黑" pitchFamily="34" charset="-122"/>
+                <a:ea typeface="微软雅黑" pitchFamily="34" charset="-122"/>
+              </a:rPr>
+              <a:t>()</a:t>
             </a:r>
           </a:p>
           <a:p>
             <a:pPr eaLnBrk="1" hangingPunct="1"/>
             <a:r>
-              <a:rPr lang="en-US" altLang="zh-CN" sz="1200">
+              <a:rPr lang="en-US" altLang="zh-CN" sz="1200" dirty="0" err="1">
                 <a:solidFill>
                   <a:srgbClr val="00B050"/>
                 </a:solidFill>
                 <a:latin typeface="微软雅黑" pitchFamily="34" charset="-122"/>
                 <a:ea typeface="微软雅黑" pitchFamily="34" charset="-122"/>
               </a:rPr>
-              <a:t>request.getSession(create)</a:t>
-            </a:r>
-            <a:endParaRPr lang="zh-CN" altLang="en-US" sz="1200">
+              <a:t>request.getSession</a:t>
+            </a:r>
+            <a:r>
+              <a:rPr lang="en-US" altLang="zh-CN" sz="1200" dirty="0">
+                <a:solidFill>
+                  <a:srgbClr val="00B050"/>
+                </a:solidFill>
+                <a:latin typeface="微软雅黑" pitchFamily="34" charset="-122"/>
+                <a:ea typeface="微软雅黑" pitchFamily="34" charset="-122"/>
+              </a:rPr>
+              <a:t>(create)</a:t>
+            </a:r>
+            <a:endParaRPr lang="zh-CN" altLang="en-US" sz="1200" dirty="0">
               <a:solidFill>
                 <a:srgbClr val="00B050"/>
               </a:solidFill>
@@ -42464,6 +42876,42 @@
           </a:p>
         </p:txBody>
       </p:sp>
+      <p:cxnSp>
+        <p:nvCxnSpPr>
+          <p:cNvPr id="66" name="直接箭头连接符 65"/>
+          <p:cNvCxnSpPr>
+            <a:stCxn id="23" idx="1"/>
+            <a:endCxn id="32" idx="3"/>
+          </p:cNvCxnSpPr>
+          <p:nvPr/>
+        </p:nvCxnSpPr>
+        <p:spPr>
+          <a:xfrm flipH="1">
+            <a:off x="1857375" y="3205071"/>
+            <a:ext cx="573088" cy="7781"/>
+          </a:xfrm>
+          <a:prstGeom prst="straightConnector1">
+            <a:avLst/>
+          </a:prstGeom>
+          <a:ln>
+            <a:tailEnd type="arrow"/>
+          </a:ln>
+        </p:spPr>
+        <p:style>
+          <a:lnRef idx="3">
+            <a:schemeClr val="accent4"/>
+          </a:lnRef>
+          <a:fillRef idx="0">
+            <a:schemeClr val="accent4"/>
+          </a:fillRef>
+          <a:effectRef idx="2">
+            <a:schemeClr val="accent4"/>
+          </a:effectRef>
+          <a:fontRef idx="minor">
+            <a:schemeClr val="tx1"/>
+          </a:fontRef>
+        </p:style>
+      </p:cxnSp>
     </p:spTree>
     <p:extLst>
       <p:ext uri="{BB962C8B-B14F-4D97-AF65-F5344CB8AC3E}">

--- a/文档/SanyPDP平台会话共享介绍.pptx
+++ b/文档/SanyPDP平台会话共享介绍.pptx
@@ -1106,79 +1106,6 @@
         </a:p>
       </dgm:t>
     </dgm:pt>
-    <dgm:pt modelId="{613018C8-F35B-4B84-BBE7-D1726E3B5B42}">
-      <dgm:prSet>
-        <dgm:style>
-          <a:lnRef idx="1">
-            <a:schemeClr val="accent6"/>
-          </a:lnRef>
-          <a:fillRef idx="3">
-            <a:schemeClr val="accent6"/>
-          </a:fillRef>
-          <a:effectRef idx="2">
-            <a:schemeClr val="accent6"/>
-          </a:effectRef>
-          <a:fontRef idx="minor">
-            <a:schemeClr val="lt1"/>
-          </a:fontRef>
-        </dgm:style>
-      </dgm:prSet>
-      <dgm:spPr/>
-      <dgm:t>
-        <a:bodyPr/>
-        <a:lstStyle/>
-        <a:p>
-          <a:pPr rtl="0"/>
-          <a:r>
-            <a:rPr lang="zh-CN" altLang="en-US" dirty="0" smtClean="0">
-              <a:latin typeface="微软雅黑" pitchFamily="34" charset="-122"/>
-              <a:ea typeface="微软雅黑" pitchFamily="34" charset="-122"/>
-            </a:rPr>
-            <a:t>四</a:t>
-          </a:r>
-          <a:r>
-            <a:rPr lang="zh-CN" dirty="0" smtClean="0">
-              <a:latin typeface="微软雅黑" pitchFamily="34" charset="-122"/>
-              <a:ea typeface="微软雅黑" pitchFamily="34" charset="-122"/>
-            </a:rPr>
-            <a:t>、</a:t>
-          </a:r>
-          <a:r>
-            <a:rPr lang="zh-CN" altLang="en-US" dirty="0" smtClean="0">
-              <a:latin typeface="微软雅黑" pitchFamily="34" charset="-122"/>
-              <a:ea typeface="微软雅黑" pitchFamily="34" charset="-122"/>
-            </a:rPr>
-            <a:t>应用部署</a:t>
-          </a:r>
-          <a:endParaRPr lang="en-US" dirty="0">
-            <a:latin typeface="微软雅黑" pitchFamily="34" charset="-122"/>
-            <a:ea typeface="微软雅黑" pitchFamily="34" charset="-122"/>
-          </a:endParaRPr>
-        </a:p>
-      </dgm:t>
-    </dgm:pt>
-    <dgm:pt modelId="{FD4F0035-153B-4D4F-B4E3-47C212BEAF1C}" type="parTrans" cxnId="{37D25905-782A-42B5-AD1F-9652945C7F49}">
-      <dgm:prSet/>
-      <dgm:spPr/>
-      <dgm:t>
-        <a:bodyPr/>
-        <a:lstStyle/>
-        <a:p>
-          <a:endParaRPr lang="zh-CN" altLang="en-US"/>
-        </a:p>
-      </dgm:t>
-    </dgm:pt>
-    <dgm:pt modelId="{EB7FE703-8518-4529-AE21-5B4D16EDF477}" type="sibTrans" cxnId="{37D25905-782A-42B5-AD1F-9652945C7F49}">
-      <dgm:prSet/>
-      <dgm:spPr/>
-      <dgm:t>
-        <a:bodyPr/>
-        <a:lstStyle/>
-        <a:p>
-          <a:endParaRPr lang="zh-CN" altLang="en-US"/>
-        </a:p>
-      </dgm:t>
-    </dgm:pt>
     <dgm:pt modelId="{565F9B00-D13A-45E2-A2AC-2C25BE35C446}">
       <dgm:prSet>
         <dgm:style>
@@ -1238,6 +1165,138 @@
         </a:p>
       </dgm:t>
     </dgm:pt>
+    <dgm:pt modelId="{A55CE43A-89AD-48FD-AC05-70C8630B5271}">
+      <dgm:prSet>
+        <dgm:style>
+          <a:lnRef idx="1">
+            <a:schemeClr val="accent4"/>
+          </a:lnRef>
+          <a:fillRef idx="2">
+            <a:schemeClr val="accent4"/>
+          </a:fillRef>
+          <a:effectRef idx="1">
+            <a:schemeClr val="accent4"/>
+          </a:effectRef>
+          <a:fontRef idx="minor">
+            <a:schemeClr val="dk1"/>
+          </a:fontRef>
+        </dgm:style>
+      </dgm:prSet>
+      <dgm:spPr/>
+      <dgm:t>
+        <a:bodyPr/>
+        <a:lstStyle/>
+        <a:p>
+          <a:pPr rtl="0"/>
+          <a:r>
+            <a:rPr lang="zh-CN" altLang="en-US" dirty="0" smtClean="0">
+              <a:latin typeface="微软雅黑" pitchFamily="34" charset="-122"/>
+              <a:ea typeface="微软雅黑" pitchFamily="34" charset="-122"/>
+            </a:rPr>
+            <a:t>六、领导决策</a:t>
+          </a:r>
+          <a:endParaRPr lang="en-US" dirty="0">
+            <a:latin typeface="微软雅黑" pitchFamily="34" charset="-122"/>
+            <a:ea typeface="微软雅黑" pitchFamily="34" charset="-122"/>
+          </a:endParaRPr>
+        </a:p>
+      </dgm:t>
+    </dgm:pt>
+    <dgm:pt modelId="{A064CD48-CF14-4121-80A6-562DC76EE482}" type="sibTrans" cxnId="{14AACC25-AD38-4AF4-8FAF-B4C8E740EE9F}">
+      <dgm:prSet/>
+      <dgm:spPr/>
+      <dgm:t>
+        <a:bodyPr/>
+        <a:lstStyle/>
+        <a:p>
+          <a:endParaRPr lang="zh-CN" altLang="en-US"/>
+        </a:p>
+      </dgm:t>
+    </dgm:pt>
+    <dgm:pt modelId="{E4F68F14-2758-4FEA-9965-D8605AAA18E1}" type="parTrans" cxnId="{14AACC25-AD38-4AF4-8FAF-B4C8E740EE9F}">
+      <dgm:prSet/>
+      <dgm:spPr/>
+      <dgm:t>
+        <a:bodyPr/>
+        <a:lstStyle/>
+        <a:p>
+          <a:endParaRPr lang="zh-CN" altLang="en-US"/>
+        </a:p>
+      </dgm:t>
+    </dgm:pt>
+    <dgm:pt modelId="{613018C8-F35B-4B84-BBE7-D1726E3B5B42}">
+      <dgm:prSet>
+        <dgm:style>
+          <a:lnRef idx="1">
+            <a:schemeClr val="accent6"/>
+          </a:lnRef>
+          <a:fillRef idx="3">
+            <a:schemeClr val="accent6"/>
+          </a:fillRef>
+          <a:effectRef idx="2">
+            <a:schemeClr val="accent6"/>
+          </a:effectRef>
+          <a:fontRef idx="minor">
+            <a:schemeClr val="lt1"/>
+          </a:fontRef>
+        </dgm:style>
+      </dgm:prSet>
+      <dgm:spPr/>
+      <dgm:t>
+        <a:bodyPr/>
+        <a:lstStyle/>
+        <a:p>
+          <a:pPr rtl="0"/>
+          <a:r>
+            <a:rPr lang="zh-CN" altLang="en-US" dirty="0" smtClean="0">
+              <a:latin typeface="微软雅黑" pitchFamily="34" charset="-122"/>
+              <a:ea typeface="微软雅黑" pitchFamily="34" charset="-122"/>
+            </a:rPr>
+            <a:t>四</a:t>
+          </a:r>
+          <a:r>
+            <a:rPr lang="zh-CN" dirty="0" smtClean="0">
+              <a:latin typeface="微软雅黑" pitchFamily="34" charset="-122"/>
+              <a:ea typeface="微软雅黑" pitchFamily="34" charset="-122"/>
+            </a:rPr>
+            <a:t>、</a:t>
+          </a:r>
+          <a:r>
+            <a:rPr lang="zh-CN" altLang="en-US" dirty="0" smtClean="0">
+              <a:latin typeface="微软雅黑" pitchFamily="34" charset="-122"/>
+              <a:ea typeface="微软雅黑" pitchFamily="34" charset="-122"/>
+            </a:rPr>
+            <a:t>应用部署</a:t>
+          </a:r>
+          <a:endParaRPr lang="en-US" dirty="0">
+            <a:latin typeface="微软雅黑" pitchFamily="34" charset="-122"/>
+            <a:ea typeface="微软雅黑" pitchFamily="34" charset="-122"/>
+          </a:endParaRPr>
+        </a:p>
+      </dgm:t>
+    </dgm:pt>
+    <dgm:pt modelId="{EB7FE703-8518-4529-AE21-5B4D16EDF477}" type="sibTrans" cxnId="{37D25905-782A-42B5-AD1F-9652945C7F49}">
+      <dgm:prSet/>
+      <dgm:spPr/>
+      <dgm:t>
+        <a:bodyPr/>
+        <a:lstStyle/>
+        <a:p>
+          <a:endParaRPr lang="zh-CN" altLang="en-US"/>
+        </a:p>
+      </dgm:t>
+    </dgm:pt>
+    <dgm:pt modelId="{FD4F0035-153B-4D4F-B4E3-47C212BEAF1C}" type="parTrans" cxnId="{37D25905-782A-42B5-AD1F-9652945C7F49}">
+      <dgm:prSet/>
+      <dgm:spPr/>
+      <dgm:t>
+        <a:bodyPr/>
+        <a:lstStyle/>
+        <a:p>
+          <a:endParaRPr lang="zh-CN" altLang="en-US"/>
+        </a:p>
+      </dgm:t>
+    </dgm:pt>
     <dgm:pt modelId="{210FF3B4-87A1-4B83-97C3-2BCCDAC35A7E}">
       <dgm:prSet>
         <dgm:style>
@@ -1275,17 +1334,6 @@
         </a:p>
       </dgm:t>
     </dgm:pt>
-    <dgm:pt modelId="{6EB925B0-B77B-46D1-9488-2ADCCF0524B8}" type="parTrans" cxnId="{6C09A128-45AE-4621-8301-680C7EB2966E}">
-      <dgm:prSet/>
-      <dgm:spPr/>
-      <dgm:t>
-        <a:bodyPr/>
-        <a:lstStyle/>
-        <a:p>
-          <a:endParaRPr lang="zh-CN" altLang="en-US"/>
-        </a:p>
-      </dgm:t>
-    </dgm:pt>
     <dgm:pt modelId="{981F7FF1-AE94-44D2-91C7-D614834E52BB}" type="sibTrans" cxnId="{6C09A128-45AE-4621-8301-680C7EB2966E}">
       <dgm:prSet/>
       <dgm:spPr/>
@@ -1297,55 +1345,7 @@
         </a:p>
       </dgm:t>
     </dgm:pt>
-    <dgm:pt modelId="{A55CE43A-89AD-48FD-AC05-70C8630B5271}">
-      <dgm:prSet>
-        <dgm:style>
-          <a:lnRef idx="1">
-            <a:schemeClr val="accent4"/>
-          </a:lnRef>
-          <a:fillRef idx="2">
-            <a:schemeClr val="accent4"/>
-          </a:fillRef>
-          <a:effectRef idx="1">
-            <a:schemeClr val="accent4"/>
-          </a:effectRef>
-          <a:fontRef idx="minor">
-            <a:schemeClr val="dk1"/>
-          </a:fontRef>
-        </dgm:style>
-      </dgm:prSet>
-      <dgm:spPr/>
-      <dgm:t>
-        <a:bodyPr/>
-        <a:lstStyle/>
-        <a:p>
-          <a:pPr rtl="0"/>
-          <a:r>
-            <a:rPr lang="zh-CN" altLang="en-US" dirty="0" smtClean="0">
-              <a:latin typeface="微软雅黑" pitchFamily="34" charset="-122"/>
-              <a:ea typeface="微软雅黑" pitchFamily="34" charset="-122"/>
-            </a:rPr>
-            <a:t>六、领导决策</a:t>
-          </a:r>
-          <a:endParaRPr lang="en-US" dirty="0">
-            <a:latin typeface="微软雅黑" pitchFamily="34" charset="-122"/>
-            <a:ea typeface="微软雅黑" pitchFamily="34" charset="-122"/>
-          </a:endParaRPr>
-        </a:p>
-      </dgm:t>
-    </dgm:pt>
-    <dgm:pt modelId="{E4F68F14-2758-4FEA-9965-D8605AAA18E1}" type="parTrans" cxnId="{14AACC25-AD38-4AF4-8FAF-B4C8E740EE9F}">
-      <dgm:prSet/>
-      <dgm:spPr/>
-      <dgm:t>
-        <a:bodyPr/>
-        <a:lstStyle/>
-        <a:p>
-          <a:endParaRPr lang="zh-CN" altLang="en-US"/>
-        </a:p>
-      </dgm:t>
-    </dgm:pt>
-    <dgm:pt modelId="{A064CD48-CF14-4121-80A6-562DC76EE482}" type="sibTrans" cxnId="{14AACC25-AD38-4AF4-8FAF-B4C8E740EE9F}">
+    <dgm:pt modelId="{6EB925B0-B77B-46D1-9488-2ADCCF0524B8}" type="parTrans" cxnId="{6C09A128-45AE-4621-8301-680C7EB2966E}">
       <dgm:prSet/>
       <dgm:spPr/>
       <dgm:t>
@@ -4272,7 +4272,7 @@
           <a:p>
             <a:fld id="{F3884A90-E904-45C9-8029-9EC010CE5385}" type="datetimeFigureOut">
               <a:rPr lang="zh-CN" altLang="en-US" smtClean="0"/>
-              <a:t>2014/7/22</a:t>
+              <a:t>2014/12/30</a:t>
             </a:fld>
             <a:endParaRPr lang="zh-CN" altLang="en-US"/>
           </a:p>
@@ -4437,7 +4437,7 @@
           <a:p>
             <a:fld id="{97533E92-6E11-4012-9FFD-C518C7720CE5}" type="datetimeFigureOut">
               <a:rPr lang="zh-CN" altLang="en-US" smtClean="0"/>
-              <a:t>2014/7/22</a:t>
+              <a:t>2014/12/30</a:t>
             </a:fld>
             <a:endParaRPr lang="zh-CN" altLang="en-US"/>
           </a:p>
@@ -5466,7 +5466,7 @@
           <a:p>
             <a:fld id="{27A6EF20-78E2-44F4-9691-E11D24E0EE72}" type="datetime1">
               <a:rPr lang="zh-CN" altLang="en-US" smtClean="0"/>
-              <a:t>2014/7/22</a:t>
+              <a:t>2014/12/30</a:t>
             </a:fld>
             <a:endParaRPr lang="zh-CN" altLang="en-US" dirty="0"/>
           </a:p>
@@ -5572,7 +5572,7 @@
           <a:p>
             <a:fld id="{813283B1-1446-4F80-A9EB-F57E382195D1}" type="datetime1">
               <a:rPr lang="zh-CN" altLang="en-US" smtClean="0"/>
-              <a:t>2014/7/22</a:t>
+              <a:t>2014/12/30</a:t>
             </a:fld>
             <a:endParaRPr lang="zh-CN" altLang="en-US" dirty="0"/>
           </a:p>
@@ -7383,7 +7383,7 @@
           <a:p>
             <a:fld id="{D7646321-B1DD-42DC-A054-BA47414388AD}" type="datetime1">
               <a:rPr lang="zh-CN" altLang="en-US" smtClean="0"/>
-              <a:t>2014/7/22</a:t>
+              <a:t>2014/12/30</a:t>
             </a:fld>
             <a:endParaRPr lang="zh-CN" altLang="en-US"/>
           </a:p>
@@ -8394,7 +8394,7 @@
           <a:p>
             <a:fld id="{27A6EF20-78E2-44F4-9691-E11D24E0EE72}" type="datetime1">
               <a:rPr lang="zh-CN" altLang="en-US" smtClean="0"/>
-              <a:t>2014/7/22</a:t>
+              <a:t>2014/12/30</a:t>
             </a:fld>
             <a:endParaRPr lang="zh-CN" altLang="en-US" dirty="0"/>
           </a:p>
@@ -8853,13 +8853,13 @@
           <a:lstStyle/>
           <a:p>
             <a:r>
-              <a:rPr lang="en-US" altLang="zh-CN" dirty="0" err="1">
+              <a:rPr lang="en-US" altLang="zh-CN" dirty="0" err="1" smtClean="0">
                 <a:cs typeface="方正大黑简体"/>
               </a:rPr>
               <a:t>SanyPDP</a:t>
             </a:r>
             <a:r>
-              <a:rPr lang="zh-CN" altLang="en-US" dirty="0">
+              <a:rPr lang="zh-CN" altLang="en-US" dirty="0" smtClean="0">
                 <a:cs typeface="方正大黑简体"/>
               </a:rPr>
               <a:t>会话共享介绍</a:t>
@@ -10609,14 +10609,7 @@
                 <a:latin typeface="微软雅黑" pitchFamily="34" charset="-122"/>
                 <a:ea typeface="微软雅黑" pitchFamily="34" charset="-122"/>
               </a:rPr>
-              <a:t>测试环境，</a:t>
-            </a:r>
-            <a:r>
-              <a:rPr lang="zh-CN" altLang="en-US" sz="1600" dirty="0">
-                <a:latin typeface="微软雅黑" pitchFamily="34" charset="-122"/>
-                <a:ea typeface="微软雅黑" pitchFamily="34" charset="-122"/>
-              </a:rPr>
-              <a:t>拟采用</a:t>
+              <a:t>测试环境，拟采用</a:t>
             </a:r>
             <a:r>
               <a:rPr lang="en-US" altLang="zh-CN" sz="1600" dirty="0">
@@ -25439,7 +25432,7 @@
         <p:spPr bwMode="auto">
           <a:xfrm>
             <a:off x="179387" y="1700808"/>
-            <a:ext cx="8785225" cy="3970318"/>
+            <a:ext cx="8785225" cy="3693319"/>
           </a:xfrm>
           <a:prstGeom prst="rect">
             <a:avLst/>
@@ -25721,7 +25714,7 @@
                 <a:latin typeface="微软雅黑" pitchFamily="34" charset="-122"/>
                 <a:ea typeface="微软雅黑" pitchFamily="34" charset="-122"/>
               </a:rPr>
-              <a:t>目前集成系统仅限于在开发环境和测试环境启用会话共享机制（以便验证会话共享机制在这些系统中是否工作正常）</a:t>
+              <a:t>目前集成系统在开发环境和测试环境启用会话共享机制（以便验证会话共享机制在这些系统中是否工作正常）</a:t>
             </a:r>
             <a:endParaRPr lang="en-US" altLang="zh-CN" dirty="0" smtClean="0">
               <a:latin typeface="微软雅黑" pitchFamily="34" charset="-122"/>
@@ -25740,28 +25733,14 @@
                 <a:latin typeface="微软雅黑" pitchFamily="34" charset="-122"/>
                 <a:ea typeface="微软雅黑" pitchFamily="34" charset="-122"/>
               </a:rPr>
-              <a:t>目前还没有搭建</a:t>
-            </a:r>
-            <a:r>
-              <a:rPr lang="en-US" altLang="zh-CN" dirty="0" err="1" smtClean="0">
-                <a:latin typeface="微软雅黑" pitchFamily="34" charset="-122"/>
-                <a:ea typeface="微软雅黑" pitchFamily="34" charset="-122"/>
-              </a:rPr>
-              <a:t>mongodb</a:t>
-            </a:r>
-            <a:r>
-              <a:rPr lang="zh-CN" altLang="en-US" dirty="0" smtClean="0">
-                <a:latin typeface="微软雅黑" pitchFamily="34" charset="-122"/>
-                <a:ea typeface="微软雅黑" pitchFamily="34" charset="-122"/>
-              </a:rPr>
-              <a:t>的生产环境，因此在生产环境中没有</a:t>
+              <a:t>生产环境已经开启</a:t>
             </a:r>
             <a:r>
               <a:rPr lang="zh-CN" altLang="en-US" dirty="0">
                 <a:latin typeface="微软雅黑" pitchFamily="34" charset="-122"/>
                 <a:ea typeface="微软雅黑" pitchFamily="34" charset="-122"/>
               </a:rPr>
-              <a:t>开启上述</a:t>
+              <a:t>上述</a:t>
             </a:r>
             <a:r>
               <a:rPr lang="zh-CN" altLang="en-US" dirty="0" smtClean="0">
@@ -37311,9 +37290,30 @@
                 <a:latin typeface="微软雅黑" pitchFamily="34" charset="-122"/>
                 <a:ea typeface="微软雅黑" pitchFamily="34" charset="-122"/>
               </a:rPr>
-              <a:t>会话属性数据）</a:t>
-            </a:r>
-            <a:endParaRPr lang="en-US" altLang="zh-CN" sz="1500" dirty="0">
+              <a:t>会话属性数据</a:t>
+            </a:r>
+            <a:r>
+              <a:rPr lang="zh-CN" altLang="en-US" sz="1500" dirty="0" smtClean="0">
+                <a:latin typeface="微软雅黑" pitchFamily="34" charset="-122"/>
+                <a:ea typeface="微软雅黑" pitchFamily="34" charset="-122"/>
+              </a:rPr>
+              <a:t>）</a:t>
+            </a:r>
+            <a:r>
+              <a:rPr lang="en-US" altLang="zh-CN" sz="1500" dirty="0" smtClean="0">
+                <a:latin typeface="微软雅黑" pitchFamily="34" charset="-122"/>
+                <a:ea typeface="微软雅黑" pitchFamily="34" charset="-122"/>
+              </a:rPr>
+              <a:t>,</a:t>
+            </a:r>
+            <a:r>
+              <a:rPr lang="zh-CN" altLang="en-US" sz="1500" dirty="0" smtClean="0">
+                <a:latin typeface="微软雅黑" pitchFamily="34" charset="-122"/>
+                <a:ea typeface="微软雅黑" pitchFamily="34" charset="-122"/>
+              </a:rPr>
+              <a:t>每个应用只能管理本应用的会话数据，监控中心可以管理所有的会      </a:t>
+            </a:r>
+            <a:endParaRPr lang="en-US" altLang="zh-CN" sz="1500" dirty="0" smtClean="0">
               <a:latin typeface="微软雅黑" pitchFamily="34" charset="-122"/>
               <a:ea typeface="微软雅黑" pitchFamily="34" charset="-122"/>
             </a:endParaRPr>
@@ -37325,95 +37325,27 @@
               </a:lnSpc>
             </a:pPr>
             <a:r>
-              <a:rPr lang="zh-CN" altLang="en-US" b="1" dirty="0" smtClean="0">
-                <a:latin typeface="微软雅黑" pitchFamily="34" charset="-122"/>
-                <a:ea typeface="微软雅黑" pitchFamily="34" charset="-122"/>
-              </a:rPr>
-              <a:t>高    </a:t>
-            </a:r>
-            <a:r>
-              <a:rPr lang="zh-CN" altLang="en-US" b="1" dirty="0">
-                <a:latin typeface="微软雅黑" pitchFamily="34" charset="-122"/>
-                <a:ea typeface="微软雅黑" pitchFamily="34" charset="-122"/>
-              </a:rPr>
-              <a:t>阶</a:t>
-            </a:r>
-            <a:r>
-              <a:rPr lang="zh-CN" altLang="en-US" b="1" dirty="0" smtClean="0">
-                <a:latin typeface="微软雅黑" pitchFamily="34" charset="-122"/>
-                <a:ea typeface="微软雅黑" pitchFamily="34" charset="-122"/>
-              </a:rPr>
-              <a:t>：</a:t>
-            </a:r>
-            <a:r>
-              <a:rPr lang="zh-CN" altLang="en-US" sz="1500" dirty="0">
-                <a:latin typeface="微软雅黑" pitchFamily="34" charset="-122"/>
-                <a:ea typeface="微软雅黑" pitchFamily="34" charset="-122"/>
-              </a:rPr>
-              <a:t>提供两种会话共享模式 </a:t>
-            </a:r>
-            <a:br>
-              <a:rPr lang="zh-CN" altLang="en-US" sz="1500" dirty="0">
-                <a:latin typeface="微软雅黑" pitchFamily="34" charset="-122"/>
-                <a:ea typeface="微软雅黑" pitchFamily="34" charset="-122"/>
-              </a:rPr>
-            </a:br>
-            <a:r>
-              <a:rPr lang="zh-CN" altLang="en-US" sz="1500" b="1" dirty="0">
-                <a:solidFill>
-                  <a:srgbClr val="0066FF"/>
-                </a:solidFill>
-                <a:latin typeface="微软雅黑" pitchFamily="34" charset="-122"/>
-                <a:ea typeface="微软雅黑" pitchFamily="34" charset="-122"/>
-              </a:rPr>
-              <a:t>模式一 </a:t>
-            </a:r>
-            <a:r>
-              <a:rPr lang="zh-CN" altLang="en-US" sz="1500" b="1" dirty="0" smtClean="0">
-                <a:solidFill>
-                  <a:srgbClr val="0066FF"/>
-                </a:solidFill>
-                <a:latin typeface="微软雅黑" pitchFamily="34" charset="-122"/>
-                <a:ea typeface="微软雅黑" pitchFamily="34" charset="-122"/>
-              </a:rPr>
-              <a:t>集群间会话共享模式，</a:t>
+              <a:rPr lang="en-US" altLang="zh-CN" sz="1500" dirty="0">
+                <a:latin typeface="微软雅黑" pitchFamily="34" charset="-122"/>
+                <a:ea typeface="微软雅黑" pitchFamily="34" charset="-122"/>
+              </a:rPr>
+              <a:t> </a:t>
+            </a:r>
+            <a:r>
+              <a:rPr lang="en-US" altLang="zh-CN" sz="1500" dirty="0" smtClean="0">
+                <a:latin typeface="微软雅黑" pitchFamily="34" charset="-122"/>
+                <a:ea typeface="微软雅黑" pitchFamily="34" charset="-122"/>
+              </a:rPr>
+              <a:t>                </a:t>
             </a:r>
             <a:r>
               <a:rPr lang="zh-CN" altLang="en-US" sz="1500" dirty="0" smtClean="0">
                 <a:latin typeface="微软雅黑" pitchFamily="34" charset="-122"/>
                 <a:ea typeface="微软雅黑" pitchFamily="34" charset="-122"/>
               </a:rPr>
-              <a:t>实现</a:t>
-            </a:r>
-            <a:r>
-              <a:rPr lang="zh-CN" altLang="en-US" sz="1500" dirty="0">
-                <a:latin typeface="微软雅黑" pitchFamily="34" charset="-122"/>
-                <a:ea typeface="微软雅黑" pitchFamily="34" charset="-122"/>
-              </a:rPr>
-              <a:t>同一个应用集群各节点之间的会话共享 </a:t>
-            </a:r>
-            <a:r>
-              <a:rPr lang="zh-CN" altLang="en-US" sz="1500" dirty="0" smtClean="0">
-                <a:latin typeface="微软雅黑" pitchFamily="34" charset="-122"/>
-                <a:ea typeface="微软雅黑" pitchFamily="34" charset="-122"/>
-              </a:rPr>
-              <a:t>，通过这种模式可以避免因故障导致访问请求切换服务器时</a:t>
-            </a:r>
-            <a:r>
-              <a:rPr lang="en-US" altLang="zh-CN" sz="1500" dirty="0" smtClean="0">
-                <a:latin typeface="微软雅黑" pitchFamily="34" charset="-122"/>
-                <a:ea typeface="微软雅黑" pitchFamily="34" charset="-122"/>
-              </a:rPr>
-              <a:t>session</a:t>
-            </a:r>
-            <a:r>
-              <a:rPr lang="zh-CN" altLang="en-US" sz="1500" dirty="0" smtClean="0">
-                <a:latin typeface="微软雅黑" pitchFamily="34" charset="-122"/>
-                <a:ea typeface="微软雅黑" pitchFamily="34" charset="-122"/>
-              </a:rPr>
-              <a:t>丢失问题，同时也可以让用户请求无差别地平均分派到各个服务器上，达到真正的负载均衡。</a:t>
-            </a:r>
-            <a:endParaRPr lang="en-US" altLang="zh-CN" sz="1500" dirty="0" smtClean="0">
+              <a:t>话数据</a:t>
+            </a:r>
+            <a:endParaRPr lang="en-US" altLang="zh-CN" sz="1500" dirty="0">
               <a:latin typeface="微软雅黑" pitchFamily="34" charset="-122"/>
               <a:ea typeface="微软雅黑" pitchFamily="34" charset="-122"/>
             </a:endParaRPr>
@@ -37424,6 +37356,102 @@
                 <a:spcPct val="114000"/>
               </a:lnSpc>
             </a:pPr>
+            <a:r>
+              <a:rPr lang="zh-CN" altLang="en-US" b="1" dirty="0" smtClean="0">
+                <a:latin typeface="微软雅黑" pitchFamily="34" charset="-122"/>
+                <a:ea typeface="微软雅黑" pitchFamily="34" charset="-122"/>
+              </a:rPr>
+              <a:t>高    </a:t>
+            </a:r>
+            <a:r>
+              <a:rPr lang="zh-CN" altLang="en-US" b="1" dirty="0">
+                <a:latin typeface="微软雅黑" pitchFamily="34" charset="-122"/>
+                <a:ea typeface="微软雅黑" pitchFamily="34" charset="-122"/>
+              </a:rPr>
+              <a:t>阶</a:t>
+            </a:r>
+            <a:r>
+              <a:rPr lang="zh-CN" altLang="en-US" b="1" dirty="0" smtClean="0">
+                <a:latin typeface="微软雅黑" pitchFamily="34" charset="-122"/>
+                <a:ea typeface="微软雅黑" pitchFamily="34" charset="-122"/>
+              </a:rPr>
+              <a:t>：</a:t>
+            </a:r>
+            <a:r>
+              <a:rPr lang="zh-CN" altLang="en-US" sz="1500" dirty="0">
+                <a:latin typeface="微软雅黑" pitchFamily="34" charset="-122"/>
+                <a:ea typeface="微软雅黑" pitchFamily="34" charset="-122"/>
+              </a:rPr>
+              <a:t>提供两种会话共享模式 </a:t>
+            </a:r>
+            <a:br>
+              <a:rPr lang="zh-CN" altLang="en-US" sz="1500" dirty="0">
+                <a:latin typeface="微软雅黑" pitchFamily="34" charset="-122"/>
+                <a:ea typeface="微软雅黑" pitchFamily="34" charset="-122"/>
+              </a:rPr>
+            </a:br>
+            <a:r>
+              <a:rPr lang="zh-CN" altLang="en-US" sz="1500" b="1" dirty="0">
+                <a:solidFill>
+                  <a:srgbClr val="0066FF"/>
+                </a:solidFill>
+                <a:latin typeface="微软雅黑" pitchFamily="34" charset="-122"/>
+                <a:ea typeface="微软雅黑" pitchFamily="34" charset="-122"/>
+              </a:rPr>
+              <a:t>模式一 </a:t>
+            </a:r>
+            <a:r>
+              <a:rPr lang="zh-CN" altLang="en-US" sz="1500" b="1" dirty="0" smtClean="0">
+                <a:solidFill>
+                  <a:srgbClr val="0066FF"/>
+                </a:solidFill>
+                <a:latin typeface="微软雅黑" pitchFamily="34" charset="-122"/>
+                <a:ea typeface="微软雅黑" pitchFamily="34" charset="-122"/>
+              </a:rPr>
+              <a:t>集群间会话共享模式，</a:t>
+            </a:r>
+            <a:r>
+              <a:rPr lang="zh-CN" altLang="en-US" sz="1500" dirty="0" smtClean="0">
+                <a:latin typeface="微软雅黑" pitchFamily="34" charset="-122"/>
+                <a:ea typeface="微软雅黑" pitchFamily="34" charset="-122"/>
+              </a:rPr>
+              <a:t>实现</a:t>
+            </a:r>
+            <a:r>
+              <a:rPr lang="zh-CN" altLang="en-US" sz="1500" dirty="0">
+                <a:latin typeface="微软雅黑" pitchFamily="34" charset="-122"/>
+                <a:ea typeface="微软雅黑" pitchFamily="34" charset="-122"/>
+              </a:rPr>
+              <a:t>同一个应用集群各节点之间的会话共享 </a:t>
+            </a:r>
+            <a:r>
+              <a:rPr lang="zh-CN" altLang="en-US" sz="1500" dirty="0" smtClean="0">
+                <a:latin typeface="微软雅黑" pitchFamily="34" charset="-122"/>
+                <a:ea typeface="微软雅黑" pitchFamily="34" charset="-122"/>
+              </a:rPr>
+              <a:t>，通过这种模式可以避免因故障导致访问请求切换服务器时</a:t>
+            </a:r>
+            <a:r>
+              <a:rPr lang="en-US" altLang="zh-CN" sz="1500" dirty="0" smtClean="0">
+                <a:latin typeface="微软雅黑" pitchFamily="34" charset="-122"/>
+                <a:ea typeface="微软雅黑" pitchFamily="34" charset="-122"/>
+              </a:rPr>
+              <a:t>session</a:t>
+            </a:r>
+            <a:r>
+              <a:rPr lang="zh-CN" altLang="en-US" sz="1500" dirty="0" smtClean="0">
+                <a:latin typeface="微软雅黑" pitchFamily="34" charset="-122"/>
+                <a:ea typeface="微软雅黑" pitchFamily="34" charset="-122"/>
+              </a:rPr>
+              <a:t>丢失问题，同时也可以让用户请求无差别地平均分派到各个服务器上，达到真正的负载均衡</a:t>
+            </a:r>
+            <a:r>
+              <a:rPr lang="zh-CN" altLang="en-US" sz="1500" dirty="0" smtClean="0">
+                <a:latin typeface="微软雅黑" pitchFamily="34" charset="-122"/>
+                <a:ea typeface="微软雅黑" pitchFamily="34" charset="-122"/>
+              </a:rPr>
+              <a:t>。</a:t>
+            </a:r>
             <a:endParaRPr lang="en-US" altLang="zh-CN" sz="1500" dirty="0" smtClean="0">
               <a:latin typeface="微软雅黑" pitchFamily="34" charset="-122"/>
               <a:ea typeface="微软雅黑" pitchFamily="34" charset="-122"/>
@@ -38668,14 +38696,7 @@
                 <a:latin typeface="微软雅黑" pitchFamily="34" charset="-122"/>
                 <a:ea typeface="微软雅黑" pitchFamily="34" charset="-122"/>
               </a:rPr>
-              <a:t>模式一起使用</a:t>
-            </a:r>
-            <a:r>
-              <a:rPr lang="zh-CN" altLang="en-US" sz="1500" dirty="0" smtClean="0">
-                <a:latin typeface="微软雅黑" pitchFamily="34" charset="-122"/>
-                <a:ea typeface="微软雅黑" pitchFamily="34" charset="-122"/>
-              </a:rPr>
-              <a:t>示意图</a:t>
+              <a:t>模式一起使用示意图</a:t>
             </a:r>
             <a:r>
               <a:rPr lang="en-US" altLang="zh-CN" sz="1500" dirty="0" smtClean="0">
